--- a/Slides/02. Introdução ao Cpp.pptx
+++ b/Slides/02. Introdução ao Cpp.pptx
@@ -5,7 +5,7 @@
     <p:sldMasterId id="2147483660" r:id="rId1"/>
   </p:sldMasterIdLst>
   <p:notesMasterIdLst>
-    <p:notesMasterId r:id="rId30"/>
+    <p:notesMasterId r:id="rId32"/>
   </p:notesMasterIdLst>
   <p:sldIdLst>
     <p:sldId id="256" r:id="rId2"/>
@@ -21,21 +21,23 @@
     <p:sldId id="264" r:id="rId12"/>
     <p:sldId id="265" r:id="rId13"/>
     <p:sldId id="266" r:id="rId14"/>
-    <p:sldId id="267" r:id="rId15"/>
-    <p:sldId id="268" r:id="rId16"/>
-    <p:sldId id="269" r:id="rId17"/>
-    <p:sldId id="270" r:id="rId18"/>
-    <p:sldId id="273" r:id="rId19"/>
-    <p:sldId id="271" r:id="rId20"/>
-    <p:sldId id="272" r:id="rId21"/>
-    <p:sldId id="274" r:id="rId22"/>
-    <p:sldId id="275" r:id="rId23"/>
-    <p:sldId id="276" r:id="rId24"/>
-    <p:sldId id="277" r:id="rId25"/>
-    <p:sldId id="278" r:id="rId26"/>
-    <p:sldId id="281" r:id="rId27"/>
-    <p:sldId id="327" r:id="rId28"/>
-    <p:sldId id="328" r:id="rId29"/>
+    <p:sldId id="333" r:id="rId15"/>
+    <p:sldId id="267" r:id="rId16"/>
+    <p:sldId id="268" r:id="rId17"/>
+    <p:sldId id="269" r:id="rId18"/>
+    <p:sldId id="332" r:id="rId19"/>
+    <p:sldId id="270" r:id="rId20"/>
+    <p:sldId id="273" r:id="rId21"/>
+    <p:sldId id="271" r:id="rId22"/>
+    <p:sldId id="272" r:id="rId23"/>
+    <p:sldId id="274" r:id="rId24"/>
+    <p:sldId id="275" r:id="rId25"/>
+    <p:sldId id="276" r:id="rId26"/>
+    <p:sldId id="277" r:id="rId27"/>
+    <p:sldId id="278" r:id="rId28"/>
+    <p:sldId id="281" r:id="rId29"/>
+    <p:sldId id="327" r:id="rId30"/>
+    <p:sldId id="328" r:id="rId31"/>
   </p:sldIdLst>
   <p:sldSz cx="12192000" cy="6858000"/>
   <p:notesSz cx="6858000" cy="9144000"/>
@@ -170,13 +172,698 @@
 <file path=ppt/revisionInfo.xml><?xml version="1.0" encoding="utf-8"?>
 <p1510:revInfo xmlns:a="http://schemas.openxmlformats.org/drawingml/2006/main" xmlns:r="http://schemas.openxmlformats.org/officeDocument/2006/relationships" xmlns:p1510="http://schemas.microsoft.com/office/powerpoint/2015/10/main">
   <p1510:revLst>
-    <p1510:client id="{A2BD3054-7263-4C35-8A28-A5B58B22E376}" v="10" dt="2019-09-24T02:51:45.802"/>
+    <p1510:client id="{D7FB23EE-A4AF-4533-AD33-05E661312F35}" v="29" dt="2021-03-02T05:21:07.664"/>
   </p1510:revLst>
 </p1510:revInfo>
 </file>
 
 <file path=ppt/changesInfos/changesInfo1.xml><?xml version="1.0" encoding="utf-8"?>
 <pc:chgInfo xmlns:a="http://schemas.openxmlformats.org/drawingml/2006/main" xmlns:r="http://schemas.openxmlformats.org/officeDocument/2006/relationships" xmlns:ac="http://schemas.microsoft.com/office/drawing/2013/main/command" xmlns:pc="http://schemas.microsoft.com/office/powerpoint/2013/main/command">
+  <pc:docChgLst>
+    <pc:chgData name="Judson Santiago" userId="ebb108da2f256286" providerId="LiveId" clId="{D7FB23EE-A4AF-4533-AD33-05E661312F35}"/>
+    <pc:docChg chg="undo redo custSel addSld modSld">
+      <pc:chgData name="Judson Santiago" userId="ebb108da2f256286" providerId="LiveId" clId="{D7FB23EE-A4AF-4533-AD33-05E661312F35}" dt="2021-03-02T05:23:32.693" v="1590" actId="1076"/>
+      <pc:docMkLst>
+        <pc:docMk/>
+      </pc:docMkLst>
+      <pc:sldChg chg="modSp mod">
+        <pc:chgData name="Judson Santiago" userId="ebb108da2f256286" providerId="LiveId" clId="{D7FB23EE-A4AF-4533-AD33-05E661312F35}" dt="2021-03-02T00:23:37.225" v="4" actId="20577"/>
+        <pc:sldMkLst>
+          <pc:docMk/>
+          <pc:sldMk cId="0" sldId="258"/>
+        </pc:sldMkLst>
+        <pc:spChg chg="mod">
+          <ac:chgData name="Judson Santiago" userId="ebb108da2f256286" providerId="LiveId" clId="{D7FB23EE-A4AF-4533-AD33-05E661312F35}" dt="2021-03-02T00:23:37.225" v="4" actId="20577"/>
+          <ac:spMkLst>
+            <pc:docMk/>
+            <pc:sldMk cId="0" sldId="258"/>
+            <ac:spMk id="3" creationId="{00000000-0000-0000-0000-000000000000}"/>
+          </ac:spMkLst>
+        </pc:spChg>
+      </pc:sldChg>
+      <pc:sldChg chg="modSp mod">
+        <pc:chgData name="Judson Santiago" userId="ebb108da2f256286" providerId="LiveId" clId="{D7FB23EE-A4AF-4533-AD33-05E661312F35}" dt="2021-03-02T00:21:32.042" v="2"/>
+        <pc:sldMkLst>
+          <pc:docMk/>
+          <pc:sldMk cId="0" sldId="260"/>
+        </pc:sldMkLst>
+        <pc:spChg chg="mod">
+          <ac:chgData name="Judson Santiago" userId="ebb108da2f256286" providerId="LiveId" clId="{D7FB23EE-A4AF-4533-AD33-05E661312F35}" dt="2021-03-02T00:21:32.042" v="2"/>
+          <ac:spMkLst>
+            <pc:docMk/>
+            <pc:sldMk cId="0" sldId="260"/>
+            <ac:spMk id="3" creationId="{00000000-0000-0000-0000-000000000000}"/>
+          </ac:spMkLst>
+        </pc:spChg>
+      </pc:sldChg>
+      <pc:sldChg chg="modSp mod">
+        <pc:chgData name="Judson Santiago" userId="ebb108da2f256286" providerId="LiveId" clId="{D7FB23EE-A4AF-4533-AD33-05E661312F35}" dt="2021-03-02T00:22:44.895" v="3" actId="207"/>
+        <pc:sldMkLst>
+          <pc:docMk/>
+          <pc:sldMk cId="0" sldId="261"/>
+        </pc:sldMkLst>
+        <pc:spChg chg="mod">
+          <ac:chgData name="Judson Santiago" userId="ebb108da2f256286" providerId="LiveId" clId="{D7FB23EE-A4AF-4533-AD33-05E661312F35}" dt="2021-03-02T00:22:44.895" v="3" actId="207"/>
+          <ac:spMkLst>
+            <pc:docMk/>
+            <pc:sldMk cId="0" sldId="261"/>
+            <ac:spMk id="3" creationId="{00000000-0000-0000-0000-000000000000}"/>
+          </ac:spMkLst>
+        </pc:spChg>
+      </pc:sldChg>
+      <pc:sldChg chg="modSp mod">
+        <pc:chgData name="Judson Santiago" userId="ebb108da2f256286" providerId="LiveId" clId="{D7FB23EE-A4AF-4533-AD33-05E661312F35}" dt="2021-03-02T00:24:02.943" v="5" actId="20577"/>
+        <pc:sldMkLst>
+          <pc:docMk/>
+          <pc:sldMk cId="0" sldId="263"/>
+        </pc:sldMkLst>
+        <pc:spChg chg="mod">
+          <ac:chgData name="Judson Santiago" userId="ebb108da2f256286" providerId="LiveId" clId="{D7FB23EE-A4AF-4533-AD33-05E661312F35}" dt="2021-03-02T00:24:02.943" v="5" actId="20577"/>
+          <ac:spMkLst>
+            <pc:docMk/>
+            <pc:sldMk cId="0" sldId="263"/>
+            <ac:spMk id="3" creationId="{00000000-0000-0000-0000-000000000000}"/>
+          </ac:spMkLst>
+        </pc:spChg>
+      </pc:sldChg>
+      <pc:sldChg chg="addSp delSp modSp mod">
+        <pc:chgData name="Judson Santiago" userId="ebb108da2f256286" providerId="LiveId" clId="{D7FB23EE-A4AF-4533-AD33-05E661312F35}" dt="2021-03-02T04:01:16.234" v="157" actId="12788"/>
+        <pc:sldMkLst>
+          <pc:docMk/>
+          <pc:sldMk cId="0" sldId="264"/>
+        </pc:sldMkLst>
+        <pc:spChg chg="mod">
+          <ac:chgData name="Judson Santiago" userId="ebb108da2f256286" providerId="LiveId" clId="{D7FB23EE-A4AF-4533-AD33-05E661312F35}" dt="2021-03-02T04:00:31.114" v="148" actId="6549"/>
+          <ac:spMkLst>
+            <pc:docMk/>
+            <pc:sldMk cId="0" sldId="264"/>
+            <ac:spMk id="3" creationId="{00000000-0000-0000-0000-000000000000}"/>
+          </ac:spMkLst>
+        </pc:spChg>
+        <pc:spChg chg="mod topLvl">
+          <ac:chgData name="Judson Santiago" userId="ebb108da2f256286" providerId="LiveId" clId="{D7FB23EE-A4AF-4533-AD33-05E661312F35}" dt="2021-03-02T03:58:06.289" v="120" actId="164"/>
+          <ac:spMkLst>
+            <pc:docMk/>
+            <pc:sldMk cId="0" sldId="264"/>
+            <ac:spMk id="4" creationId="{00000000-0000-0000-0000-000000000000}"/>
+          </ac:spMkLst>
+        </pc:spChg>
+        <pc:spChg chg="mod topLvl">
+          <ac:chgData name="Judson Santiago" userId="ebb108da2f256286" providerId="LiveId" clId="{D7FB23EE-A4AF-4533-AD33-05E661312F35}" dt="2021-03-02T03:58:06.289" v="120" actId="164"/>
+          <ac:spMkLst>
+            <pc:docMk/>
+            <pc:sldMk cId="0" sldId="264"/>
+            <ac:spMk id="5" creationId="{00000000-0000-0000-0000-000000000000}"/>
+          </ac:spMkLst>
+        </pc:spChg>
+        <pc:spChg chg="mod topLvl">
+          <ac:chgData name="Judson Santiago" userId="ebb108da2f256286" providerId="LiveId" clId="{D7FB23EE-A4AF-4533-AD33-05E661312F35}" dt="2021-03-02T03:58:01.330" v="119" actId="164"/>
+          <ac:spMkLst>
+            <pc:docMk/>
+            <pc:sldMk cId="0" sldId="264"/>
+            <ac:spMk id="10" creationId="{00000000-0000-0000-0000-000000000000}"/>
+          </ac:spMkLst>
+        </pc:spChg>
+        <pc:spChg chg="mod topLvl">
+          <ac:chgData name="Judson Santiago" userId="ebb108da2f256286" providerId="LiveId" clId="{D7FB23EE-A4AF-4533-AD33-05E661312F35}" dt="2021-03-02T03:58:01.330" v="119" actId="164"/>
+          <ac:spMkLst>
+            <pc:docMk/>
+            <pc:sldMk cId="0" sldId="264"/>
+            <ac:spMk id="11" creationId="{00000000-0000-0000-0000-000000000000}"/>
+          </ac:spMkLst>
+        </pc:spChg>
+        <pc:grpChg chg="add del mod">
+          <ac:chgData name="Judson Santiago" userId="ebb108da2f256286" providerId="LiveId" clId="{D7FB23EE-A4AF-4533-AD33-05E661312F35}" dt="2021-03-02T03:52:25.516" v="48" actId="165"/>
+          <ac:grpSpMkLst>
+            <pc:docMk/>
+            <pc:sldMk cId="0" sldId="264"/>
+            <ac:grpSpMk id="6" creationId="{0B374A12-A015-48A8-862F-1182DCE11CBC}"/>
+          </ac:grpSpMkLst>
+        </pc:grpChg>
+        <pc:grpChg chg="add del mod">
+          <ac:chgData name="Judson Santiago" userId="ebb108da2f256286" providerId="LiveId" clId="{D7FB23EE-A4AF-4533-AD33-05E661312F35}" dt="2021-03-02T03:54:03.327" v="68" actId="165"/>
+          <ac:grpSpMkLst>
+            <pc:docMk/>
+            <pc:sldMk cId="0" sldId="264"/>
+            <ac:grpSpMk id="7" creationId="{5F6B6DBB-FF3E-4DBB-B0B6-E4B9265DAB67}"/>
+          </ac:grpSpMkLst>
+        </pc:grpChg>
+        <pc:grpChg chg="add del mod">
+          <ac:chgData name="Judson Santiago" userId="ebb108da2f256286" providerId="LiveId" clId="{D7FB23EE-A4AF-4533-AD33-05E661312F35}" dt="2021-03-02T03:56:04.412" v="95" actId="165"/>
+          <ac:grpSpMkLst>
+            <pc:docMk/>
+            <pc:sldMk cId="0" sldId="264"/>
+            <ac:grpSpMk id="8" creationId="{F9FBCA85-AD8D-432C-B257-020201269391}"/>
+          </ac:grpSpMkLst>
+        </pc:grpChg>
+        <pc:grpChg chg="add del mod">
+          <ac:chgData name="Judson Santiago" userId="ebb108da2f256286" providerId="LiveId" clId="{D7FB23EE-A4AF-4533-AD33-05E661312F35}" dt="2021-03-02T03:57:05.244" v="106" actId="165"/>
+          <ac:grpSpMkLst>
+            <pc:docMk/>
+            <pc:sldMk cId="0" sldId="264"/>
+            <ac:grpSpMk id="9" creationId="{20C88E38-D416-4A41-8DE7-F75677671B50}"/>
+          </ac:grpSpMkLst>
+        </pc:grpChg>
+        <pc:grpChg chg="add mod">
+          <ac:chgData name="Judson Santiago" userId="ebb108da2f256286" providerId="LiveId" clId="{D7FB23EE-A4AF-4533-AD33-05E661312F35}" dt="2021-03-02T04:01:16.234" v="157" actId="12788"/>
+          <ac:grpSpMkLst>
+            <pc:docMk/>
+            <pc:sldMk cId="0" sldId="264"/>
+            <ac:grpSpMk id="12" creationId="{5F21144F-0744-427D-BD1A-5B5FF5267EB3}"/>
+          </ac:grpSpMkLst>
+        </pc:grpChg>
+        <pc:grpChg chg="add mod">
+          <ac:chgData name="Judson Santiago" userId="ebb108da2f256286" providerId="LiveId" clId="{D7FB23EE-A4AF-4533-AD33-05E661312F35}" dt="2021-03-02T04:01:16.234" v="157" actId="12788"/>
+          <ac:grpSpMkLst>
+            <pc:docMk/>
+            <pc:sldMk cId="0" sldId="264"/>
+            <ac:grpSpMk id="13" creationId="{EFFED2EC-9914-4775-9431-9F7F847F820B}"/>
+          </ac:grpSpMkLst>
+        </pc:grpChg>
+      </pc:sldChg>
+      <pc:sldChg chg="addSp delSp modSp mod">
+        <pc:chgData name="Judson Santiago" userId="ebb108da2f256286" providerId="LiveId" clId="{D7FB23EE-A4AF-4533-AD33-05E661312F35}" dt="2021-03-02T04:12:28.084" v="449" actId="164"/>
+        <pc:sldMkLst>
+          <pc:docMk/>
+          <pc:sldMk cId="0" sldId="265"/>
+        </pc:sldMkLst>
+        <pc:spChg chg="mod">
+          <ac:chgData name="Judson Santiago" userId="ebb108da2f256286" providerId="LiveId" clId="{D7FB23EE-A4AF-4533-AD33-05E661312F35}" dt="2021-03-02T04:05:56.802" v="246" actId="20577"/>
+          <ac:spMkLst>
+            <pc:docMk/>
+            <pc:sldMk cId="0" sldId="265"/>
+            <ac:spMk id="3" creationId="{00000000-0000-0000-0000-000000000000}"/>
+          </ac:spMkLst>
+        </pc:spChg>
+        <pc:spChg chg="mod">
+          <ac:chgData name="Judson Santiago" userId="ebb108da2f256286" providerId="LiveId" clId="{D7FB23EE-A4AF-4533-AD33-05E661312F35}" dt="2021-03-02T04:12:22.522" v="448" actId="164"/>
+          <ac:spMkLst>
+            <pc:docMk/>
+            <pc:sldMk cId="0" sldId="265"/>
+            <ac:spMk id="4" creationId="{00000000-0000-0000-0000-000000000000}"/>
+          </ac:spMkLst>
+        </pc:spChg>
+        <pc:spChg chg="mod">
+          <ac:chgData name="Judson Santiago" userId="ebb108da2f256286" providerId="LiveId" clId="{D7FB23EE-A4AF-4533-AD33-05E661312F35}" dt="2021-03-02T04:12:22.522" v="448" actId="164"/>
+          <ac:spMkLst>
+            <pc:docMk/>
+            <pc:sldMk cId="0" sldId="265"/>
+            <ac:spMk id="5" creationId="{00000000-0000-0000-0000-000000000000}"/>
+          </ac:spMkLst>
+        </pc:spChg>
+        <pc:spChg chg="add del mod">
+          <ac:chgData name="Judson Santiago" userId="ebb108da2f256286" providerId="LiveId" clId="{D7FB23EE-A4AF-4533-AD33-05E661312F35}" dt="2021-03-02T04:10:36.242" v="395" actId="478"/>
+          <ac:spMkLst>
+            <pc:docMk/>
+            <pc:sldMk cId="0" sldId="265"/>
+            <ac:spMk id="8" creationId="{9262DD9A-0FBA-46DD-95BC-BD1D71879887}"/>
+          </ac:spMkLst>
+        </pc:spChg>
+        <pc:spChg chg="mod">
+          <ac:chgData name="Judson Santiago" userId="ebb108da2f256286" providerId="LiveId" clId="{D7FB23EE-A4AF-4533-AD33-05E661312F35}" dt="2021-03-02T04:12:28.084" v="449" actId="164"/>
+          <ac:spMkLst>
+            <pc:docMk/>
+            <pc:sldMk cId="0" sldId="265"/>
+            <ac:spMk id="10" creationId="{00000000-0000-0000-0000-000000000000}"/>
+          </ac:spMkLst>
+        </pc:spChg>
+        <pc:spChg chg="mod">
+          <ac:chgData name="Judson Santiago" userId="ebb108da2f256286" providerId="LiveId" clId="{D7FB23EE-A4AF-4533-AD33-05E661312F35}" dt="2021-03-02T04:12:28.084" v="449" actId="164"/>
+          <ac:spMkLst>
+            <pc:docMk/>
+            <pc:sldMk cId="0" sldId="265"/>
+            <ac:spMk id="11" creationId="{00000000-0000-0000-0000-000000000000}"/>
+          </ac:spMkLst>
+        </pc:spChg>
+        <pc:grpChg chg="add mod">
+          <ac:chgData name="Judson Santiago" userId="ebb108da2f256286" providerId="LiveId" clId="{D7FB23EE-A4AF-4533-AD33-05E661312F35}" dt="2021-03-02T04:12:22.522" v="448" actId="164"/>
+          <ac:grpSpMkLst>
+            <pc:docMk/>
+            <pc:sldMk cId="0" sldId="265"/>
+            <ac:grpSpMk id="6" creationId="{00FD988E-129F-4EDB-952F-19B0ABD3717A}"/>
+          </ac:grpSpMkLst>
+        </pc:grpChg>
+        <pc:grpChg chg="add mod">
+          <ac:chgData name="Judson Santiago" userId="ebb108da2f256286" providerId="LiveId" clId="{D7FB23EE-A4AF-4533-AD33-05E661312F35}" dt="2021-03-02T04:12:28.084" v="449" actId="164"/>
+          <ac:grpSpMkLst>
+            <pc:docMk/>
+            <pc:sldMk cId="0" sldId="265"/>
+            <ac:grpSpMk id="7" creationId="{596BDEC2-84A7-44C4-A82B-99C7F1916517}"/>
+          </ac:grpSpMkLst>
+        </pc:grpChg>
+      </pc:sldChg>
+      <pc:sldChg chg="addSp delSp modSp mod modNotesTx">
+        <pc:chgData name="Judson Santiago" userId="ebb108da2f256286" providerId="LiveId" clId="{D7FB23EE-A4AF-4533-AD33-05E661312F35}" dt="2021-03-02T05:10:26.860" v="1055" actId="20577"/>
+        <pc:sldMkLst>
+          <pc:docMk/>
+          <pc:sldMk cId="0" sldId="266"/>
+        </pc:sldMkLst>
+        <pc:spChg chg="mod">
+          <ac:chgData name="Judson Santiago" userId="ebb108da2f256286" providerId="LiveId" clId="{D7FB23EE-A4AF-4533-AD33-05E661312F35}" dt="2021-03-02T04:17:26.352" v="534" actId="20577"/>
+          <ac:spMkLst>
+            <pc:docMk/>
+            <pc:sldMk cId="0" sldId="266"/>
+            <ac:spMk id="3" creationId="{00000000-0000-0000-0000-000000000000}"/>
+          </ac:spMkLst>
+        </pc:spChg>
+        <pc:spChg chg="mod">
+          <ac:chgData name="Judson Santiago" userId="ebb108da2f256286" providerId="LiveId" clId="{D7FB23EE-A4AF-4533-AD33-05E661312F35}" dt="2021-03-02T04:16:26.068" v="454"/>
+          <ac:spMkLst>
+            <pc:docMk/>
+            <pc:sldMk cId="0" sldId="266"/>
+            <ac:spMk id="7" creationId="{A27A1163-5D98-416B-9743-7EFE37C08044}"/>
+          </ac:spMkLst>
+        </pc:spChg>
+        <pc:spChg chg="mod">
+          <ac:chgData name="Judson Santiago" userId="ebb108da2f256286" providerId="LiveId" clId="{D7FB23EE-A4AF-4533-AD33-05E661312F35}" dt="2021-03-02T04:16:26.068" v="454"/>
+          <ac:spMkLst>
+            <pc:docMk/>
+            <pc:sldMk cId="0" sldId="266"/>
+            <ac:spMk id="8" creationId="{0DD449FC-D697-4C55-9615-34C3DA7675E2}"/>
+          </ac:spMkLst>
+        </pc:spChg>
+        <pc:grpChg chg="add del mod">
+          <ac:chgData name="Judson Santiago" userId="ebb108da2f256286" providerId="LiveId" clId="{D7FB23EE-A4AF-4533-AD33-05E661312F35}" dt="2021-03-02T05:10:05.523" v="1053" actId="478"/>
+          <ac:grpSpMkLst>
+            <pc:docMk/>
+            <pc:sldMk cId="0" sldId="266"/>
+            <ac:grpSpMk id="6" creationId="{82FD97FE-D7BB-4437-8811-B488E18F2D82}"/>
+          </ac:grpSpMkLst>
+        </pc:grpChg>
+      </pc:sldChg>
+      <pc:sldChg chg="modSp mod">
+        <pc:chgData name="Judson Santiago" userId="ebb108da2f256286" providerId="LiveId" clId="{D7FB23EE-A4AF-4533-AD33-05E661312F35}" dt="2021-03-02T04:18:49.934" v="540" actId="1076"/>
+        <pc:sldMkLst>
+          <pc:docMk/>
+          <pc:sldMk cId="0" sldId="267"/>
+        </pc:sldMkLst>
+        <pc:spChg chg="mod">
+          <ac:chgData name="Judson Santiago" userId="ebb108da2f256286" providerId="LiveId" clId="{D7FB23EE-A4AF-4533-AD33-05E661312F35}" dt="2021-03-02T04:18:14.601" v="536" actId="6549"/>
+          <ac:spMkLst>
+            <pc:docMk/>
+            <pc:sldMk cId="0" sldId="267"/>
+            <ac:spMk id="3" creationId="{00000000-0000-0000-0000-000000000000}"/>
+          </ac:spMkLst>
+        </pc:spChg>
+        <pc:spChg chg="mod">
+          <ac:chgData name="Judson Santiago" userId="ebb108da2f256286" providerId="LiveId" clId="{D7FB23EE-A4AF-4533-AD33-05E661312F35}" dt="2021-03-02T04:18:49.934" v="540" actId="1076"/>
+          <ac:spMkLst>
+            <pc:docMk/>
+            <pc:sldMk cId="0" sldId="267"/>
+            <ac:spMk id="4" creationId="{00000000-0000-0000-0000-000000000000}"/>
+          </ac:spMkLst>
+        </pc:spChg>
+      </pc:sldChg>
+      <pc:sldChg chg="addSp modSp mod">
+        <pc:chgData name="Judson Santiago" userId="ebb108da2f256286" providerId="LiveId" clId="{D7FB23EE-A4AF-4533-AD33-05E661312F35}" dt="2021-03-02T04:46:15.541" v="879" actId="1076"/>
+        <pc:sldMkLst>
+          <pc:docMk/>
+          <pc:sldMk cId="0" sldId="268"/>
+        </pc:sldMkLst>
+        <pc:spChg chg="mod">
+          <ac:chgData name="Judson Santiago" userId="ebb108da2f256286" providerId="LiveId" clId="{D7FB23EE-A4AF-4533-AD33-05E661312F35}" dt="2021-03-02T04:44:34.931" v="860" actId="21"/>
+          <ac:spMkLst>
+            <pc:docMk/>
+            <pc:sldMk cId="0" sldId="268"/>
+            <ac:spMk id="3" creationId="{00000000-0000-0000-0000-000000000000}"/>
+          </ac:spMkLst>
+        </pc:spChg>
+        <pc:spChg chg="mod">
+          <ac:chgData name="Judson Santiago" userId="ebb108da2f256286" providerId="LiveId" clId="{D7FB23EE-A4AF-4533-AD33-05E661312F35}" dt="2021-03-02T04:46:04.335" v="877" actId="164"/>
+          <ac:spMkLst>
+            <pc:docMk/>
+            <pc:sldMk cId="0" sldId="268"/>
+            <ac:spMk id="4" creationId="{00000000-0000-0000-0000-000000000000}"/>
+          </ac:spMkLst>
+        </pc:spChg>
+        <pc:spChg chg="add mod">
+          <ac:chgData name="Judson Santiago" userId="ebb108da2f256286" providerId="LiveId" clId="{D7FB23EE-A4AF-4533-AD33-05E661312F35}" dt="2021-03-02T04:46:15.541" v="879" actId="1076"/>
+          <ac:spMkLst>
+            <pc:docMk/>
+            <pc:sldMk cId="0" sldId="268"/>
+            <ac:spMk id="6" creationId="{0B46B278-4EDD-4F31-8F5A-B23631B92933}"/>
+          </ac:spMkLst>
+        </pc:spChg>
+        <pc:spChg chg="add mod">
+          <ac:chgData name="Judson Santiago" userId="ebb108da2f256286" providerId="LiveId" clId="{D7FB23EE-A4AF-4533-AD33-05E661312F35}" dt="2021-03-02T04:46:04.335" v="877" actId="164"/>
+          <ac:spMkLst>
+            <pc:docMk/>
+            <pc:sldMk cId="0" sldId="268"/>
+            <ac:spMk id="7" creationId="{F934BD5C-A28D-46A5-8FCD-F9B71FF4801D}"/>
+          </ac:spMkLst>
+        </pc:spChg>
+        <pc:grpChg chg="add mod">
+          <ac:chgData name="Judson Santiago" userId="ebb108da2f256286" providerId="LiveId" clId="{D7FB23EE-A4AF-4533-AD33-05E661312F35}" dt="2021-03-02T04:46:11.117" v="878" actId="1076"/>
+          <ac:grpSpMkLst>
+            <pc:docMk/>
+            <pc:sldMk cId="0" sldId="268"/>
+            <ac:grpSpMk id="8" creationId="{FBD70CE1-04E7-43E7-B962-4A4466C3DB4A}"/>
+          </ac:grpSpMkLst>
+        </pc:grpChg>
+      </pc:sldChg>
+      <pc:sldChg chg="addSp modSp mod">
+        <pc:chgData name="Judson Santiago" userId="ebb108da2f256286" providerId="LiveId" clId="{D7FB23EE-A4AF-4533-AD33-05E661312F35}" dt="2021-03-02T04:48:55.713" v="883" actId="1076"/>
+        <pc:sldMkLst>
+          <pc:docMk/>
+          <pc:sldMk cId="0" sldId="269"/>
+        </pc:sldMkLst>
+        <pc:spChg chg="mod">
+          <ac:chgData name="Judson Santiago" userId="ebb108da2f256286" providerId="LiveId" clId="{D7FB23EE-A4AF-4533-AD33-05E661312F35}" dt="2021-03-02T04:37:19.327" v="666" actId="6549"/>
+          <ac:spMkLst>
+            <pc:docMk/>
+            <pc:sldMk cId="0" sldId="269"/>
+            <ac:spMk id="3" creationId="{00000000-0000-0000-0000-000000000000}"/>
+          </ac:spMkLst>
+        </pc:spChg>
+        <pc:spChg chg="add mod">
+          <ac:chgData name="Judson Santiago" userId="ebb108da2f256286" providerId="LiveId" clId="{D7FB23EE-A4AF-4533-AD33-05E661312F35}" dt="2021-03-02T04:48:40.533" v="881" actId="6549"/>
+          <ac:spMkLst>
+            <pc:docMk/>
+            <pc:sldMk cId="0" sldId="269"/>
+            <ac:spMk id="4" creationId="{3752E675-1A52-45FE-8135-BA187801E215}"/>
+          </ac:spMkLst>
+        </pc:spChg>
+        <pc:spChg chg="add mod">
+          <ac:chgData name="Judson Santiago" userId="ebb108da2f256286" providerId="LiveId" clId="{D7FB23EE-A4AF-4533-AD33-05E661312F35}" dt="2021-03-02T04:48:55.713" v="883" actId="1076"/>
+          <ac:spMkLst>
+            <pc:docMk/>
+            <pc:sldMk cId="0" sldId="269"/>
+            <ac:spMk id="5" creationId="{B2B40750-675A-4DBA-A038-05D2C8B84E77}"/>
+          </ac:spMkLst>
+        </pc:spChg>
+        <pc:spChg chg="add mod ord">
+          <ac:chgData name="Judson Santiago" userId="ebb108da2f256286" providerId="LiveId" clId="{D7FB23EE-A4AF-4533-AD33-05E661312F35}" dt="2021-03-02T04:48:49.501" v="882" actId="14100"/>
+          <ac:spMkLst>
+            <pc:docMk/>
+            <pc:sldMk cId="0" sldId="269"/>
+            <ac:spMk id="6" creationId="{96D6080F-8B64-43C7-805A-E9B93CFD456D}"/>
+          </ac:spMkLst>
+        </pc:spChg>
+      </pc:sldChg>
+      <pc:sldChg chg="addSp modSp mod">
+        <pc:chgData name="Judson Santiago" userId="ebb108da2f256286" providerId="LiveId" clId="{D7FB23EE-A4AF-4533-AD33-05E661312F35}" dt="2021-03-02T04:52:45.489" v="900" actId="1076"/>
+        <pc:sldMkLst>
+          <pc:docMk/>
+          <pc:sldMk cId="0" sldId="271"/>
+        </pc:sldMkLst>
+        <pc:spChg chg="mod">
+          <ac:chgData name="Judson Santiago" userId="ebb108da2f256286" providerId="LiveId" clId="{D7FB23EE-A4AF-4533-AD33-05E661312F35}" dt="2021-03-02T04:52:33.164" v="897" actId="20577"/>
+          <ac:spMkLst>
+            <pc:docMk/>
+            <pc:sldMk cId="0" sldId="271"/>
+            <ac:spMk id="3" creationId="{00000000-0000-0000-0000-000000000000}"/>
+          </ac:spMkLst>
+        </pc:spChg>
+        <pc:spChg chg="add mod">
+          <ac:chgData name="Judson Santiago" userId="ebb108da2f256286" providerId="LiveId" clId="{D7FB23EE-A4AF-4533-AD33-05E661312F35}" dt="2021-03-02T04:52:45.489" v="900" actId="1076"/>
+          <ac:spMkLst>
+            <pc:docMk/>
+            <pc:sldMk cId="0" sldId="271"/>
+            <ac:spMk id="5" creationId="{F7FE1E20-1CEE-4D26-887C-9B49890F9412}"/>
+          </ac:spMkLst>
+        </pc:spChg>
+      </pc:sldChg>
+      <pc:sldChg chg="addSp modSp mod modNotesTx">
+        <pc:chgData name="Judson Santiago" userId="ebb108da2f256286" providerId="LiveId" clId="{D7FB23EE-A4AF-4533-AD33-05E661312F35}" dt="2021-03-02T05:00:14.940" v="974" actId="20577"/>
+        <pc:sldMkLst>
+          <pc:docMk/>
+          <pc:sldMk cId="0" sldId="272"/>
+        </pc:sldMkLst>
+        <pc:spChg chg="mod">
+          <ac:chgData name="Judson Santiago" userId="ebb108da2f256286" providerId="LiveId" clId="{D7FB23EE-A4AF-4533-AD33-05E661312F35}" dt="2021-03-02T04:56:38.596" v="966" actId="20577"/>
+          <ac:spMkLst>
+            <pc:docMk/>
+            <pc:sldMk cId="0" sldId="272"/>
+            <ac:spMk id="3" creationId="{00000000-0000-0000-0000-000000000000}"/>
+          </ac:spMkLst>
+        </pc:spChg>
+        <pc:spChg chg="mod">
+          <ac:chgData name="Judson Santiago" userId="ebb108da2f256286" providerId="LiveId" clId="{D7FB23EE-A4AF-4533-AD33-05E661312F35}" dt="2021-03-02T04:56:51.756" v="968" actId="404"/>
+          <ac:spMkLst>
+            <pc:docMk/>
+            <pc:sldMk cId="0" sldId="272"/>
+            <ac:spMk id="4" creationId="{00000000-0000-0000-0000-000000000000}"/>
+          </ac:spMkLst>
+        </pc:spChg>
+        <pc:spChg chg="mod">
+          <ac:chgData name="Judson Santiago" userId="ebb108da2f256286" providerId="LiveId" clId="{D7FB23EE-A4AF-4533-AD33-05E661312F35}" dt="2021-03-02T04:56:55.617" v="969" actId="404"/>
+          <ac:spMkLst>
+            <pc:docMk/>
+            <pc:sldMk cId="0" sldId="272"/>
+            <ac:spMk id="5" creationId="{00000000-0000-0000-0000-000000000000}"/>
+          </ac:spMkLst>
+        </pc:spChg>
+        <pc:spChg chg="mod">
+          <ac:chgData name="Judson Santiago" userId="ebb108da2f256286" providerId="LiveId" clId="{D7FB23EE-A4AF-4533-AD33-05E661312F35}" dt="2021-03-02T04:59:17.714" v="970"/>
+          <ac:spMkLst>
+            <pc:docMk/>
+            <pc:sldMk cId="0" sldId="272"/>
+            <ac:spMk id="7" creationId="{4454099F-2157-4775-820E-D89B8DFF47E1}"/>
+          </ac:spMkLst>
+        </pc:spChg>
+        <pc:spChg chg="mod">
+          <ac:chgData name="Judson Santiago" userId="ebb108da2f256286" providerId="LiveId" clId="{D7FB23EE-A4AF-4533-AD33-05E661312F35}" dt="2021-03-02T04:59:17.714" v="970"/>
+          <ac:spMkLst>
+            <pc:docMk/>
+            <pc:sldMk cId="0" sldId="272"/>
+            <ac:spMk id="8" creationId="{41F4DDEF-5576-4814-9CA3-56CA45C979FB}"/>
+          </ac:spMkLst>
+        </pc:spChg>
+        <pc:grpChg chg="add mod">
+          <ac:chgData name="Judson Santiago" userId="ebb108da2f256286" providerId="LiveId" clId="{D7FB23EE-A4AF-4533-AD33-05E661312F35}" dt="2021-03-02T04:59:17.714" v="970"/>
+          <ac:grpSpMkLst>
+            <pc:docMk/>
+            <pc:sldMk cId="0" sldId="272"/>
+            <ac:grpSpMk id="6" creationId="{51E5C022-1C1A-4488-B70E-DC24F37039B9}"/>
+          </ac:grpSpMkLst>
+        </pc:grpChg>
+      </pc:sldChg>
+      <pc:sldChg chg="modSp mod">
+        <pc:chgData name="Judson Santiago" userId="ebb108da2f256286" providerId="LiveId" clId="{D7FB23EE-A4AF-4533-AD33-05E661312F35}" dt="2021-03-02T04:49:53.932" v="885" actId="20577"/>
+        <pc:sldMkLst>
+          <pc:docMk/>
+          <pc:sldMk cId="0" sldId="273"/>
+        </pc:sldMkLst>
+        <pc:spChg chg="mod">
+          <ac:chgData name="Judson Santiago" userId="ebb108da2f256286" providerId="LiveId" clId="{D7FB23EE-A4AF-4533-AD33-05E661312F35}" dt="2021-03-02T04:49:53.932" v="885" actId="20577"/>
+          <ac:spMkLst>
+            <pc:docMk/>
+            <pc:sldMk cId="0" sldId="273"/>
+            <ac:spMk id="3" creationId="{00000000-0000-0000-0000-000000000000}"/>
+          </ac:spMkLst>
+        </pc:spChg>
+      </pc:sldChg>
+      <pc:sldChg chg="modSp mod">
+        <pc:chgData name="Judson Santiago" userId="ebb108da2f256286" providerId="LiveId" clId="{D7FB23EE-A4AF-4533-AD33-05E661312F35}" dt="2021-03-02T05:00:44.756" v="975" actId="20577"/>
+        <pc:sldMkLst>
+          <pc:docMk/>
+          <pc:sldMk cId="0" sldId="274"/>
+        </pc:sldMkLst>
+        <pc:spChg chg="mod">
+          <ac:chgData name="Judson Santiago" userId="ebb108da2f256286" providerId="LiveId" clId="{D7FB23EE-A4AF-4533-AD33-05E661312F35}" dt="2021-03-02T05:00:44.756" v="975" actId="20577"/>
+          <ac:spMkLst>
+            <pc:docMk/>
+            <pc:sldMk cId="0" sldId="274"/>
+            <ac:spMk id="3" creationId="{00000000-0000-0000-0000-000000000000}"/>
+          </ac:spMkLst>
+        </pc:spChg>
+      </pc:sldChg>
+      <pc:sldChg chg="addSp modSp mod">
+        <pc:chgData name="Judson Santiago" userId="ebb108da2f256286" providerId="LiveId" clId="{D7FB23EE-A4AF-4533-AD33-05E661312F35}" dt="2021-03-02T05:04:48.706" v="1003" actId="1076"/>
+        <pc:sldMkLst>
+          <pc:docMk/>
+          <pc:sldMk cId="0" sldId="275"/>
+        </pc:sldMkLst>
+        <pc:spChg chg="mod">
+          <ac:chgData name="Judson Santiago" userId="ebb108da2f256286" providerId="LiveId" clId="{D7FB23EE-A4AF-4533-AD33-05E661312F35}" dt="2021-03-02T05:04:36.075" v="1002" actId="14"/>
+          <ac:spMkLst>
+            <pc:docMk/>
+            <pc:sldMk cId="0" sldId="275"/>
+            <ac:spMk id="3" creationId="{00000000-0000-0000-0000-000000000000}"/>
+          </ac:spMkLst>
+        </pc:spChg>
+        <pc:spChg chg="mod">
+          <ac:chgData name="Judson Santiago" userId="ebb108da2f256286" providerId="LiveId" clId="{D7FB23EE-A4AF-4533-AD33-05E661312F35}" dt="2021-03-02T05:03:45.859" v="993" actId="164"/>
+          <ac:spMkLst>
+            <pc:docMk/>
+            <pc:sldMk cId="0" sldId="275"/>
+            <ac:spMk id="4" creationId="{00000000-0000-0000-0000-000000000000}"/>
+          </ac:spMkLst>
+        </pc:spChg>
+        <pc:spChg chg="mod">
+          <ac:chgData name="Judson Santiago" userId="ebb108da2f256286" providerId="LiveId" clId="{D7FB23EE-A4AF-4533-AD33-05E661312F35}" dt="2021-03-02T05:03:45.859" v="993" actId="164"/>
+          <ac:spMkLst>
+            <pc:docMk/>
+            <pc:sldMk cId="0" sldId="275"/>
+            <ac:spMk id="5" creationId="{00000000-0000-0000-0000-000000000000}"/>
+          </ac:spMkLst>
+        </pc:spChg>
+        <pc:spChg chg="mod">
+          <ac:chgData name="Judson Santiago" userId="ebb108da2f256286" providerId="LiveId" clId="{D7FB23EE-A4AF-4533-AD33-05E661312F35}" dt="2021-03-02T05:03:45.859" v="993" actId="164"/>
+          <ac:spMkLst>
+            <pc:docMk/>
+            <pc:sldMk cId="0" sldId="275"/>
+            <ac:spMk id="7" creationId="{00000000-0000-0000-0000-000000000000}"/>
+          </ac:spMkLst>
+        </pc:spChg>
+        <pc:spChg chg="add mod">
+          <ac:chgData name="Judson Santiago" userId="ebb108da2f256286" providerId="LiveId" clId="{D7FB23EE-A4AF-4533-AD33-05E661312F35}" dt="2021-03-02T05:04:48.706" v="1003" actId="1076"/>
+          <ac:spMkLst>
+            <pc:docMk/>
+            <pc:sldMk cId="0" sldId="275"/>
+            <ac:spMk id="11" creationId="{974A22C9-BF32-45CC-937C-69A50CBE6751}"/>
+          </ac:spMkLst>
+        </pc:spChg>
+        <pc:grpChg chg="add mod">
+          <ac:chgData name="Judson Santiago" userId="ebb108da2f256286" providerId="LiveId" clId="{D7FB23EE-A4AF-4533-AD33-05E661312F35}" dt="2021-03-02T05:03:50.622" v="994" actId="1076"/>
+          <ac:grpSpMkLst>
+            <pc:docMk/>
+            <pc:sldMk cId="0" sldId="275"/>
+            <ac:grpSpMk id="6" creationId="{A3D2A7BE-6514-48AB-9F30-733A9752FBF7}"/>
+          </ac:grpSpMkLst>
+        </pc:grpChg>
+        <pc:cxnChg chg="mod">
+          <ac:chgData name="Judson Santiago" userId="ebb108da2f256286" providerId="LiveId" clId="{D7FB23EE-A4AF-4533-AD33-05E661312F35}" dt="2021-03-02T05:03:45.859" v="993" actId="164"/>
+          <ac:cxnSpMkLst>
+            <pc:docMk/>
+            <pc:sldMk cId="0" sldId="275"/>
+            <ac:cxnSpMk id="10" creationId="{00000000-0000-0000-0000-000000000000}"/>
+          </ac:cxnSpMkLst>
+        </pc:cxnChg>
+      </pc:sldChg>
+      <pc:sldChg chg="modSp mod">
+        <pc:chgData name="Judson Santiago" userId="ebb108da2f256286" providerId="LiveId" clId="{D7FB23EE-A4AF-4533-AD33-05E661312F35}" dt="2021-03-02T05:06:56.308" v="1004" actId="2711"/>
+        <pc:sldMkLst>
+          <pc:docMk/>
+          <pc:sldMk cId="0" sldId="278"/>
+        </pc:sldMkLst>
+        <pc:spChg chg="mod">
+          <ac:chgData name="Judson Santiago" userId="ebb108da2f256286" providerId="LiveId" clId="{D7FB23EE-A4AF-4533-AD33-05E661312F35}" dt="2021-03-02T05:06:56.308" v="1004" actId="2711"/>
+          <ac:spMkLst>
+            <pc:docMk/>
+            <pc:sldMk cId="0" sldId="278"/>
+            <ac:spMk id="4" creationId="{00000000-0000-0000-0000-000000000000}"/>
+          </ac:spMkLst>
+        </pc:spChg>
+      </pc:sldChg>
+      <pc:sldChg chg="modSp mod">
+        <pc:chgData name="Judson Santiago" userId="ebb108da2f256286" providerId="LiveId" clId="{D7FB23EE-A4AF-4533-AD33-05E661312F35}" dt="2021-03-02T03:46:49.957" v="9" actId="404"/>
+        <pc:sldMkLst>
+          <pc:docMk/>
+          <pc:sldMk cId="3894219744" sldId="329"/>
+        </pc:sldMkLst>
+        <pc:spChg chg="mod">
+          <ac:chgData name="Judson Santiago" userId="ebb108da2f256286" providerId="LiveId" clId="{D7FB23EE-A4AF-4533-AD33-05E661312F35}" dt="2021-03-02T03:46:49.957" v="9" actId="404"/>
+          <ac:spMkLst>
+            <pc:docMk/>
+            <pc:sldMk cId="3894219744" sldId="329"/>
+            <ac:spMk id="3" creationId="{00000000-0000-0000-0000-000000000000}"/>
+          </ac:spMkLst>
+        </pc:spChg>
+      </pc:sldChg>
+      <pc:sldChg chg="modSp mod">
+        <pc:chgData name="Judson Santiago" userId="ebb108da2f256286" providerId="LiveId" clId="{D7FB23EE-A4AF-4533-AD33-05E661312F35}" dt="2021-03-02T03:47:40.082" v="12" actId="20577"/>
+        <pc:sldMkLst>
+          <pc:docMk/>
+          <pc:sldMk cId="2062775305" sldId="331"/>
+        </pc:sldMkLst>
+        <pc:spChg chg="mod">
+          <ac:chgData name="Judson Santiago" userId="ebb108da2f256286" providerId="LiveId" clId="{D7FB23EE-A4AF-4533-AD33-05E661312F35}" dt="2021-03-02T03:47:40.082" v="12" actId="20577"/>
+          <ac:spMkLst>
+            <pc:docMk/>
+            <pc:sldMk cId="2062775305" sldId="331"/>
+            <ac:spMk id="3" creationId="{5C506545-B9F5-4A25-8587-7E21C0BC89D7}"/>
+          </ac:spMkLst>
+        </pc:spChg>
+      </pc:sldChg>
+      <pc:sldChg chg="modSp add mod">
+        <pc:chgData name="Judson Santiago" userId="ebb108da2f256286" providerId="LiveId" clId="{D7FB23EE-A4AF-4533-AD33-05E661312F35}" dt="2021-03-02T04:43:35.425" v="859" actId="113"/>
+        <pc:sldMkLst>
+          <pc:docMk/>
+          <pc:sldMk cId="1872575861" sldId="332"/>
+        </pc:sldMkLst>
+        <pc:spChg chg="mod">
+          <ac:chgData name="Judson Santiago" userId="ebb108da2f256286" providerId="LiveId" clId="{D7FB23EE-A4AF-4533-AD33-05E661312F35}" dt="2021-03-02T04:43:35.425" v="859" actId="113"/>
+          <ac:spMkLst>
+            <pc:docMk/>
+            <pc:sldMk cId="1872575861" sldId="332"/>
+            <ac:spMk id="3" creationId="{00000000-0000-0000-0000-000000000000}"/>
+          </ac:spMkLst>
+        </pc:spChg>
+      </pc:sldChg>
+      <pc:sldChg chg="addSp delSp modSp add mod modNotesTx">
+        <pc:chgData name="Judson Santiago" userId="ebb108da2f256286" providerId="LiveId" clId="{D7FB23EE-A4AF-4533-AD33-05E661312F35}" dt="2021-03-02T05:23:32.693" v="1590" actId="1076"/>
+        <pc:sldMkLst>
+          <pc:docMk/>
+          <pc:sldMk cId="4240368100" sldId="333"/>
+        </pc:sldMkLst>
+        <pc:spChg chg="mod ord">
+          <ac:chgData name="Judson Santiago" userId="ebb108da2f256286" providerId="LiveId" clId="{D7FB23EE-A4AF-4533-AD33-05E661312F35}" dt="2021-03-02T05:13:18.082" v="1154" actId="20577"/>
+          <ac:spMkLst>
+            <pc:docMk/>
+            <pc:sldMk cId="4240368100" sldId="333"/>
+            <ac:spMk id="3" creationId="{00000000-0000-0000-0000-000000000000}"/>
+          </ac:spMkLst>
+        </pc:spChg>
+        <pc:spChg chg="mod">
+          <ac:chgData name="Judson Santiago" userId="ebb108da2f256286" providerId="LiveId" clId="{D7FB23EE-A4AF-4533-AD33-05E661312F35}" dt="2021-03-02T05:16:32.378" v="1314" actId="1076"/>
+          <ac:spMkLst>
+            <pc:docMk/>
+            <pc:sldMk cId="4240368100" sldId="333"/>
+            <ac:spMk id="4" creationId="{00000000-0000-0000-0000-000000000000}"/>
+          </ac:spMkLst>
+        </pc:spChg>
+        <pc:spChg chg="del mod">
+          <ac:chgData name="Judson Santiago" userId="ebb108da2f256286" providerId="LiveId" clId="{D7FB23EE-A4AF-4533-AD33-05E661312F35}" dt="2021-03-02T05:12:33.651" v="1147" actId="478"/>
+          <ac:spMkLst>
+            <pc:docMk/>
+            <pc:sldMk cId="4240368100" sldId="333"/>
+            <ac:spMk id="5" creationId="{00000000-0000-0000-0000-000000000000}"/>
+          </ac:spMkLst>
+        </pc:spChg>
+        <pc:spChg chg="add mod">
+          <ac:chgData name="Judson Santiago" userId="ebb108da2f256286" providerId="LiveId" clId="{D7FB23EE-A4AF-4533-AD33-05E661312F35}" dt="2021-03-02T05:19:35.892" v="1378" actId="1076"/>
+          <ac:spMkLst>
+            <pc:docMk/>
+            <pc:sldMk cId="4240368100" sldId="333"/>
+            <ac:spMk id="9" creationId="{1AE3EC0B-EF55-488B-9F80-B7D8156992A9}"/>
+          </ac:spMkLst>
+        </pc:spChg>
+        <pc:spChg chg="add mod">
+          <ac:chgData name="Judson Santiago" userId="ebb108da2f256286" providerId="LiveId" clId="{D7FB23EE-A4AF-4533-AD33-05E661312F35}" dt="2021-03-02T05:23:32.693" v="1590" actId="1076"/>
+          <ac:spMkLst>
+            <pc:docMk/>
+            <pc:sldMk cId="4240368100" sldId="333"/>
+            <ac:spMk id="10" creationId="{007CF883-1194-4BC5-AC7F-FDF09580709A}"/>
+          </ac:spMkLst>
+        </pc:spChg>
+        <pc:spChg chg="add mod">
+          <ac:chgData name="Judson Santiago" userId="ebb108da2f256286" providerId="LiveId" clId="{D7FB23EE-A4AF-4533-AD33-05E661312F35}" dt="2021-03-02T05:21:24.732" v="1479" actId="1076"/>
+          <ac:spMkLst>
+            <pc:docMk/>
+            <pc:sldMk cId="4240368100" sldId="333"/>
+            <ac:spMk id="11" creationId="{00F4F81E-244D-4601-B41D-EA608826E798}"/>
+          </ac:spMkLst>
+        </pc:spChg>
+        <pc:spChg chg="add mod">
+          <ac:chgData name="Judson Santiago" userId="ebb108da2f256286" providerId="LiveId" clId="{D7FB23EE-A4AF-4533-AD33-05E661312F35}" dt="2021-03-02T05:23:28.816" v="1589" actId="1076"/>
+          <ac:spMkLst>
+            <pc:docMk/>
+            <pc:sldMk cId="4240368100" sldId="333"/>
+            <ac:spMk id="12" creationId="{F74EC1B5-4311-44F2-8595-33E9C9B4E719}"/>
+          </ac:spMkLst>
+        </pc:spChg>
+        <pc:grpChg chg="del">
+          <ac:chgData name="Judson Santiago" userId="ebb108da2f256286" providerId="LiveId" clId="{D7FB23EE-A4AF-4533-AD33-05E661312F35}" dt="2021-03-02T05:11:11.203" v="1065" actId="478"/>
+          <ac:grpSpMkLst>
+            <pc:docMk/>
+            <pc:sldMk cId="4240368100" sldId="333"/>
+            <ac:grpSpMk id="6" creationId="{82FD97FE-D7BB-4437-8811-B488E18F2D82}"/>
+          </ac:grpSpMkLst>
+        </pc:grpChg>
+      </pc:sldChg>
+    </pc:docChg>
+  </pc:docChgLst>
   <pc:docChgLst>
     <pc:chgData name="Judson Santiago" userId="ebb108da2f256286" providerId="LiveId" clId="{D5646966-66DF-423C-B656-868F8F0A8797}"/>
     <pc:docChg chg="undo redo custSel modSld">
@@ -519,12 +1206,6 @@
     </pc:docChg>
   </pc:docChgLst>
   <pc:docChgLst>
-    <pc:chgData name="Judson Santiago" userId="ebb108da2f256286" providerId="LiveId" clId="{2FDA15B5-FFCC-49A5-BEB6-61C4C97CADBF}"/>
-  </pc:docChgLst>
-  <pc:docChgLst>
-    <pc:chgData name="Judson Santiago" userId="ebb108da2f256286" providerId="LiveId" clId="{7B627F38-8409-4C74-8E4A-86E5E1C3A8CA}"/>
-  </pc:docChgLst>
-  <pc:docChgLst>
     <pc:chgData name="Judson Santiago" userId="ebb108da2f256286" providerId="LiveId" clId="{A2BD3054-7263-4C35-8A28-A5B58B22E376}"/>
     <pc:docChg chg="undo custSel modSld">
       <pc:chgData name="Judson Santiago" userId="ebb108da2f256286" providerId="LiveId" clId="{A2BD3054-7263-4C35-8A28-A5B58B22E376}" dt="2019-09-24T02:57:19.524" v="410" actId="20577"/>
@@ -645,9 +1326,6 @@
       </pc:sldChg>
     </pc:docChg>
   </pc:docChgLst>
-  <pc:docChgLst>
-    <pc:chgData name="Judson Santiago" userId="ebb108da2f256286" providerId="LiveId" clId="{39F9820C-A841-4060-826F-56C6F73CEB9A}"/>
-  </pc:docChgLst>
 </pc:chgInfo>
 </file>
 
@@ -734,7 +1412,7 @@
             <a:fld id="{67DB6B99-E1E8-4D9C-A985-A63B30E347AC}" type="datetimeFigureOut">
               <a:rPr lang="pt-BR" smtClean="0"/>
               <a:pPr/>
-              <a:t>24/09/2019</a:t>
+              <a:t>02/03/2021</a:t>
             </a:fld>
             <a:endParaRPr lang="pt-BR" dirty="0"/>
           </a:p>
@@ -1164,41 +1842,39 @@
           <a:p>
             <a:r>
               <a:rPr lang="pt-BR" dirty="0"/>
-              <a:t>A diferença entre os arquivos com e sem .h</a:t>
+              <a:t>Exemplos de outras</a:t>
             </a:r>
             <a:r>
               <a:rPr lang="pt-BR" baseline="0" dirty="0"/>
-              <a:t> </a:t>
-            </a:r>
-            <a:r>
-              <a:rPr lang="pt-BR" b="1" baseline="0" dirty="0"/>
-              <a:t>não é meramente cosmética</a:t>
+              <a:t> diretivas: #define, #</a:t>
+            </a:r>
+            <a:r>
+              <a:rPr lang="pt-BR" baseline="0" dirty="0" err="1"/>
+              <a:t>ifdef</a:t>
             </a:r>
             <a:r>
               <a:rPr lang="pt-BR" baseline="0" dirty="0"/>
-              <a:t>, os a</a:t>
-            </a:r>
-            <a:r>
-              <a:rPr lang="pt-BR" dirty="0"/>
-              <a:t>rquivos sem .h fazem uso de</a:t>
+              <a:t>, #</a:t>
+            </a:r>
+            <a:r>
+              <a:rPr lang="pt-BR" baseline="0" dirty="0" err="1"/>
+              <a:t>ifndef</a:t>
             </a:r>
             <a:r>
               <a:rPr lang="pt-BR" baseline="0" dirty="0"/>
-              <a:t> </a:t>
+              <a:t>, #</a:t>
             </a:r>
             <a:r>
               <a:rPr lang="pt-BR" baseline="0" dirty="0" err="1"/>
-              <a:t>namespaces</a:t>
+              <a:t>endif</a:t>
             </a:r>
             <a:r>
               <a:rPr lang="pt-BR" baseline="0" dirty="0"/>
-              <a:t>.</a:t>
-            </a:r>
-          </a:p>
-          <a:p>
-            <a:r>
-              <a:rPr lang="pt-BR" baseline="0" dirty="0"/>
-              <a:t>A extensão .h ainda é usada pela grande maioria dos programadores C++, ficando a versão sem extensão quase que restrita ao padrão da linguagem.</a:t>
+              <a:t>, #</a:t>
+            </a:r>
+            <a:r>
+              <a:rPr lang="pt-BR" baseline="0" dirty="0" err="1"/>
+              <a:t>pragma</a:t>
             </a:r>
             <a:endParaRPr lang="pt-BR" dirty="0"/>
           </a:p>
@@ -1222,7 +1898,7 @@
             <a:fld id="{83FCC293-6C0A-4CFC-8082-A55A9DD88714}" type="slidenum">
               <a:rPr lang="pt-BR" smtClean="0"/>
               <a:pPr/>
-              <a:t>17</a:t>
+              <a:t>15</a:t>
             </a:fld>
             <a:endParaRPr lang="pt-BR" dirty="0"/>
           </a:p>
@@ -1231,7 +1907,7 @@
     </p:spTree>
     <p:extLst>
       <p:ext uri="{BB962C8B-B14F-4D97-AF65-F5344CB8AC3E}">
-        <p14:creationId xmlns:p14="http://schemas.microsoft.com/office/powerpoint/2010/main" val="2770062098"/>
+        <p14:creationId xmlns:p14="http://schemas.microsoft.com/office/powerpoint/2010/main" val="3935367248"/>
       </p:ext>
     </p:extLst>
   </p:cSld>
@@ -1260,7 +1936,7 @@
       </p:grpSpPr>
       <p:sp>
         <p:nvSpPr>
-          <p:cNvPr id="2" name="Slide Image Placeholder 1"/>
+          <p:cNvPr id="2" name="Espaço Reservado para Imagem de Slide 1"/>
           <p:cNvSpPr>
             <a:spLocks noGrp="1" noRot="1" noChangeAspect="1"/>
           </p:cNvSpPr>
@@ -1277,7 +1953,7 @@
       </p:sp>
       <p:sp>
         <p:nvSpPr>
-          <p:cNvPr id="3" name="Notes Placeholder 2"/>
+          <p:cNvPr id="3" name="Espaço Reservado para Anotações 2"/>
           <p:cNvSpPr>
             <a:spLocks noGrp="1"/>
           </p:cNvSpPr>
@@ -1292,19 +1968,49 @@
           <a:p>
             <a:r>
               <a:rPr lang="pt-BR" dirty="0"/>
-              <a:t>Podemos entender o namespace</a:t>
+              <a:t>A diferença entre os arquivos com e sem .h</a:t>
             </a:r>
             <a:r>
               <a:rPr lang="pt-BR" baseline="0" dirty="0"/>
-              <a:t> como a definição de uma categoria. Alunos podem estar em Computação, no BCT ou em Agronomia. Ao usar o espaço de nomes Computação, sempre que dentro do programa eu falar em aluno, ele saberá que estou falando de um aluno de Computação.</a:t>
-            </a:r>
-            <a:endParaRPr lang="en-US" dirty="0"/>
-          </a:p>
-        </p:txBody>
-      </p:sp>
-      <p:sp>
-        <p:nvSpPr>
-          <p:cNvPr id="4" name="Slide Number Placeholder 3"/>
+              <a:t> </a:t>
+            </a:r>
+            <a:r>
+              <a:rPr lang="pt-BR" b="1" baseline="0" dirty="0"/>
+              <a:t>não é meramente cosmética</a:t>
+            </a:r>
+            <a:r>
+              <a:rPr lang="pt-BR" baseline="0" dirty="0"/>
+              <a:t>, os a</a:t>
+            </a:r>
+            <a:r>
+              <a:rPr lang="pt-BR" dirty="0"/>
+              <a:t>rquivos sem .h fazem uso de</a:t>
+            </a:r>
+            <a:r>
+              <a:rPr lang="pt-BR" baseline="0" dirty="0"/>
+              <a:t> </a:t>
+            </a:r>
+            <a:r>
+              <a:rPr lang="pt-BR" baseline="0" dirty="0" err="1"/>
+              <a:t>namespaces</a:t>
+            </a:r>
+            <a:r>
+              <a:rPr lang="pt-BR" baseline="0" dirty="0"/>
+              <a:t>.</a:t>
+            </a:r>
+          </a:p>
+          <a:p>
+            <a:r>
+              <a:rPr lang="pt-BR" baseline="0" dirty="0"/>
+              <a:t>A extensão .h ainda é usada pela grande maioria dos programadores C++, ficando a versão sem extensão quase que restrita ao padrão da linguagem.</a:t>
+            </a:r>
+            <a:endParaRPr lang="pt-BR" dirty="0"/>
+          </a:p>
+        </p:txBody>
+      </p:sp>
+      <p:sp>
+        <p:nvSpPr>
+          <p:cNvPr id="4" name="Espaço Reservado para Número de Slide 3"/>
           <p:cNvSpPr>
             <a:spLocks noGrp="1"/>
           </p:cNvSpPr>
@@ -1320,7 +2026,7 @@
             <a:fld id="{83FCC293-6C0A-4CFC-8082-A55A9DD88714}" type="slidenum">
               <a:rPr lang="pt-BR" smtClean="0"/>
               <a:pPr/>
-              <a:t>18</a:t>
+              <a:t>19</a:t>
             </a:fld>
             <a:endParaRPr lang="pt-BR" dirty="0"/>
           </a:p>
@@ -1329,7 +2035,7 @@
     </p:spTree>
     <p:extLst>
       <p:ext uri="{BB962C8B-B14F-4D97-AF65-F5344CB8AC3E}">
-        <p14:creationId xmlns:p14="http://schemas.microsoft.com/office/powerpoint/2010/main" val="3398723292"/>
+        <p14:creationId xmlns:p14="http://schemas.microsoft.com/office/powerpoint/2010/main" val="2770062098"/>
       </p:ext>
     </p:extLst>
   </p:cSld>
@@ -1358,7 +2064,7 @@
       </p:grpSpPr>
       <p:sp>
         <p:nvSpPr>
-          <p:cNvPr id="2" name="Espaço Reservado para Imagem de Slide 1"/>
+          <p:cNvPr id="2" name="Slide Image Placeholder 1"/>
           <p:cNvSpPr>
             <a:spLocks noGrp="1" noRot="1" noChangeAspect="1"/>
           </p:cNvSpPr>
@@ -1375,7 +2081,7 @@
       </p:sp>
       <p:sp>
         <p:nvSpPr>
-          <p:cNvPr id="3" name="Espaço Reservado para Anotações 2"/>
+          <p:cNvPr id="3" name="Notes Placeholder 2"/>
           <p:cNvSpPr>
             <a:spLocks noGrp="1"/>
           </p:cNvSpPr>
@@ -1389,60 +2095,20 @@
           <a:lstStyle/>
           <a:p>
             <a:r>
+              <a:rPr lang="pt-BR" dirty="0"/>
+              <a:t>Podemos entender o namespace</a:t>
+            </a:r>
+            <a:r>
               <a:rPr lang="pt-BR" baseline="0" dirty="0"/>
-              <a:t>Para projetos grandes que possuem código de vários fornecedores pode ser melhor não incluir completamente o espaço de nomes (</a:t>
-            </a:r>
-            <a:r>
-              <a:rPr lang="pt-BR" baseline="0" dirty="0" err="1"/>
-              <a:t>using</a:t>
-            </a:r>
-            <a:r>
-              <a:rPr lang="pt-BR" baseline="0" dirty="0"/>
-              <a:t> </a:t>
-            </a:r>
-            <a:r>
-              <a:rPr lang="pt-BR" baseline="0" dirty="0" err="1"/>
-              <a:t>namespace</a:t>
-            </a:r>
-            <a:r>
-              <a:rPr lang="pt-BR" baseline="0" dirty="0"/>
-              <a:t> </a:t>
-            </a:r>
-            <a:r>
-              <a:rPr lang="pt-BR" baseline="0" dirty="0" err="1"/>
-              <a:t>std</a:t>
-            </a:r>
-            <a:r>
-              <a:rPr lang="pt-BR" baseline="0" dirty="0"/>
-              <a:t>) mas para simplificar os exemplos faremos sempre isso. Não existe prejuízo em termos de desempenho, mas ao incluir completamente um espaço de nomes aumenta-se a probabilidade de colisão entre nomes de variáveis e funções. Ex.: tipo </a:t>
-            </a:r>
-            <a:r>
-              <a:rPr lang="pt-BR" b="1" baseline="0" dirty="0"/>
-              <a:t>data</a:t>
-            </a:r>
-            <a:r>
-              <a:rPr lang="pt-BR" dirty="0"/>
-              <a:t> em </a:t>
-            </a:r>
-            <a:r>
-              <a:rPr lang="pt-BR" dirty="0" err="1"/>
-              <a:t>iostream</a:t>
-            </a:r>
-            <a:r>
-              <a:rPr lang="pt-BR" dirty="0"/>
-              <a:t>, POINT em </a:t>
-            </a:r>
-            <a:r>
-              <a:rPr lang="pt-BR" dirty="0" err="1"/>
-              <a:t>Windows.h</a:t>
-            </a:r>
-            <a:endParaRPr lang="pt-BR" b="1" dirty="0"/>
-          </a:p>
-        </p:txBody>
-      </p:sp>
-      <p:sp>
-        <p:nvSpPr>
-          <p:cNvPr id="4" name="Espaço Reservado para Número de Slide 3"/>
+              <a:t> como a definição de uma categoria. Alunos podem estar em Computação, no BCT ou em Agronomia. Ao usar o espaço de nomes Computação, sempre que dentro do programa eu falar em aluno, ele saberá que estou falando de um aluno de Computação.</a:t>
+            </a:r>
+            <a:endParaRPr lang="en-US" dirty="0"/>
+          </a:p>
+        </p:txBody>
+      </p:sp>
+      <p:sp>
+        <p:nvSpPr>
+          <p:cNvPr id="4" name="Slide Number Placeholder 3"/>
           <p:cNvSpPr>
             <a:spLocks noGrp="1"/>
           </p:cNvSpPr>
@@ -1467,7 +2133,7 @@
     </p:spTree>
     <p:extLst>
       <p:ext uri="{BB962C8B-B14F-4D97-AF65-F5344CB8AC3E}">
-        <p14:creationId xmlns:p14="http://schemas.microsoft.com/office/powerpoint/2010/main" val="455754069"/>
+        <p14:creationId xmlns:p14="http://schemas.microsoft.com/office/powerpoint/2010/main" val="3398723292"/>
       </p:ext>
     </p:extLst>
   </p:cSld>
@@ -1504,7 +2170,12 @@
             <p:ph type="sldImg"/>
           </p:nvPr>
         </p:nvSpPr>
-        <p:spPr/>
+        <p:spPr>
+          <a:xfrm>
+            <a:off x="381000" y="685800"/>
+            <a:ext cx="6096000" cy="3429000"/>
+          </a:xfrm>
+        </p:spPr>
       </p:sp>
       <p:sp>
         <p:nvSpPr>
@@ -1522,25 +2193,74 @@
           <a:lstStyle/>
           <a:p>
             <a:r>
+              <a:rPr lang="pt-BR" sz="1200" noProof="0" dirty="0">
+                <a:solidFill>
+                  <a:schemeClr val="bg1"/>
+                </a:solidFill>
+              </a:rPr>
+              <a:t>» </a:t>
+            </a:r>
+            <a:r>
+              <a:rPr lang="pt-BR" baseline="0" dirty="0"/>
+              <a:t>Para projetos grandes que possuem código de vários fornecedores pode ser melhor não incluir completamente o espaço de nomes (</a:t>
+            </a:r>
+            <a:r>
+              <a:rPr lang="pt-BR" baseline="0" dirty="0" err="1"/>
+              <a:t>using</a:t>
+            </a:r>
+            <a:r>
+              <a:rPr lang="pt-BR" baseline="0" dirty="0"/>
+              <a:t> </a:t>
+            </a:r>
+            <a:r>
+              <a:rPr lang="pt-BR" baseline="0" dirty="0" err="1"/>
+              <a:t>namespace</a:t>
+            </a:r>
+            <a:r>
+              <a:rPr lang="pt-BR" baseline="0" dirty="0"/>
+              <a:t> </a:t>
+            </a:r>
+            <a:r>
+              <a:rPr lang="pt-BR" baseline="0" dirty="0" err="1"/>
+              <a:t>std</a:t>
+            </a:r>
+            <a:r>
+              <a:rPr lang="pt-BR" baseline="0" dirty="0"/>
+              <a:t>) mas para simplificar os exemplos faremos sempre isso. Não existe prejuízo em termos de desempenho, mas ao incluir completamente um espaço de nomes aumenta-se a probabilidade de colisão entre nomes de variáveis e funções. Ex.: tipo </a:t>
+            </a:r>
+            <a:r>
+              <a:rPr lang="pt-BR" b="1" baseline="0" dirty="0"/>
+              <a:t>data</a:t>
+            </a:r>
+            <a:r>
               <a:rPr lang="pt-BR" dirty="0"/>
-              <a:t>\n possui desempenho melhor que </a:t>
+              <a:t> em </a:t>
             </a:r>
             <a:r>
               <a:rPr lang="pt-BR" dirty="0" err="1"/>
-              <a:t>endl</a:t>
+              <a:t>iostream</a:t>
             </a:r>
             <a:r>
               <a:rPr lang="pt-BR" dirty="0"/>
-              <a:t> porque </a:t>
+              <a:t>, </a:t>
+            </a:r>
+            <a:r>
+              <a:rPr lang="pt-BR" b="1" dirty="0"/>
+              <a:t>POINT</a:t>
+            </a:r>
+            <a:r>
+              <a:rPr lang="pt-BR" dirty="0"/>
+              <a:t> em </a:t>
             </a:r>
             <a:r>
               <a:rPr lang="pt-BR" dirty="0" err="1"/>
-              <a:t>endl</a:t>
+              <a:t>windows.h</a:t>
             </a:r>
             <a:r>
               <a:rPr lang="pt-BR" dirty="0"/>
-              <a:t> executa um salto de linha em um “flush” do buffer de saída.</a:t>
-            </a:r>
+              <a:t>.</a:t>
+            </a:r>
+            <a:endParaRPr lang="pt-BR" b="1" dirty="0"/>
           </a:p>
         </p:txBody>
       </p:sp>
@@ -1562,7 +2282,7 @@
             <a:fld id="{83FCC293-6C0A-4CFC-8082-A55A9DD88714}" type="slidenum">
               <a:rPr lang="pt-BR" smtClean="0"/>
               <a:pPr/>
-              <a:t>24</a:t>
+              <a:t>22</a:t>
             </a:fld>
             <a:endParaRPr lang="pt-BR" dirty="0"/>
           </a:p>
@@ -1571,7 +2291,7 @@
     </p:spTree>
     <p:extLst>
       <p:ext uri="{BB962C8B-B14F-4D97-AF65-F5344CB8AC3E}">
-        <p14:creationId xmlns:p14="http://schemas.microsoft.com/office/powerpoint/2010/main" val="2410473625"/>
+        <p14:creationId xmlns:p14="http://schemas.microsoft.com/office/powerpoint/2010/main" val="455754069"/>
       </p:ext>
     </p:extLst>
   </p:cSld>
@@ -1608,12 +2328,7 @@
             <p:ph type="sldImg"/>
           </p:nvPr>
         </p:nvSpPr>
-        <p:spPr>
-          <a:xfrm>
-            <a:off x="381000" y="685800"/>
-            <a:ext cx="6096000" cy="3429000"/>
-          </a:xfrm>
-        </p:spPr>
+        <p:spPr/>
       </p:sp>
       <p:sp>
         <p:nvSpPr>
@@ -1627,60 +2342,28 @@
         </p:nvSpPr>
         <p:spPr/>
         <p:txBody>
-          <a:bodyPr>
-            <a:normAutofit/>
-          </a:bodyPr>
+          <a:bodyPr/>
           <a:lstStyle/>
           <a:p>
             <a:r>
               <a:rPr lang="pt-BR" dirty="0"/>
-              <a:t>Em C++ o </a:t>
-            </a:r>
-            <a:r>
-              <a:rPr lang="pt-BR" baseline="0" dirty="0"/>
-              <a:t>carriage return (CR)</a:t>
+              <a:t>\n possui desempenho melhor que </a:t>
+            </a:r>
+            <a:r>
+              <a:rPr lang="pt-BR" dirty="0" err="1"/>
+              <a:t>endl</a:t>
             </a:r>
             <a:r>
               <a:rPr lang="pt-BR" dirty="0"/>
-              <a:t> é tratado da mesma forma</a:t>
-            </a:r>
-            <a:r>
-              <a:rPr lang="pt-BR" baseline="0" dirty="0"/>
-              <a:t> que um espaço em branco ou um tab.</a:t>
-            </a:r>
-          </a:p>
-          <a:p>
+              <a:t> porque </a:t>
+            </a:r>
             <a:r>
               <a:rPr lang="pt-BR" dirty="0" err="1"/>
-              <a:t>International</a:t>
+              <a:t>endl</a:t>
             </a:r>
             <a:r>
               <a:rPr lang="pt-BR" dirty="0"/>
-              <a:t> </a:t>
-            </a:r>
-            <a:r>
-              <a:rPr lang="pt-BR" dirty="0" err="1"/>
-              <a:t>Obfuscated</a:t>
-            </a:r>
-            <a:r>
-              <a:rPr lang="pt-BR" dirty="0"/>
-              <a:t> C </a:t>
-            </a:r>
-            <a:r>
-              <a:rPr lang="pt-BR" dirty="0" err="1"/>
-              <a:t>Code</a:t>
-            </a:r>
-            <a:r>
-              <a:rPr lang="pt-BR" dirty="0"/>
-              <a:t> </a:t>
-            </a:r>
-            <a:r>
-              <a:rPr lang="pt-BR" dirty="0" err="1"/>
-              <a:t>Contest</a:t>
-            </a:r>
-            <a:r>
-              <a:rPr lang="pt-BR" dirty="0"/>
-              <a:t>  (www.ioccc.org)</a:t>
+              <a:t> executa um salto de linha em um “flush” do buffer de saída.</a:t>
             </a:r>
           </a:p>
         </p:txBody>
@@ -1703,7 +2386,7 @@
             <a:fld id="{83FCC293-6C0A-4CFC-8082-A55A9DD88714}" type="slidenum">
               <a:rPr lang="pt-BR" smtClean="0"/>
               <a:pPr/>
-              <a:t>25</a:t>
+              <a:t>26</a:t>
             </a:fld>
             <a:endParaRPr lang="pt-BR" dirty="0"/>
           </a:p>
@@ -1712,7 +2395,7 @@
     </p:spTree>
     <p:extLst>
       <p:ext uri="{BB962C8B-B14F-4D97-AF65-F5344CB8AC3E}">
-        <p14:creationId xmlns:p14="http://schemas.microsoft.com/office/powerpoint/2010/main" val="3510623268"/>
+        <p14:creationId xmlns:p14="http://schemas.microsoft.com/office/powerpoint/2010/main" val="2410473625"/>
       </p:ext>
     </p:extLst>
   </p:cSld>
@@ -1775,13 +2458,54 @@
           <a:p>
             <a:r>
               <a:rPr lang="pt-BR" dirty="0"/>
-              <a:t>Constrói-se</a:t>
+              <a:t>Em C++ o </a:t>
             </a:r>
             <a:r>
               <a:rPr lang="pt-BR" baseline="0" dirty="0"/>
-              <a:t> programas a partir de blocos chamados funções. Normalmente quebra-se um programa em grandes tarefas e constrói-se funções separadas para cada tarefa.</a:t>
-            </a:r>
-            <a:endParaRPr lang="pt-BR" dirty="0"/>
+              <a:t>carriage return (CR)</a:t>
+            </a:r>
+            <a:r>
+              <a:rPr lang="pt-BR" dirty="0"/>
+              <a:t> é tratado da mesma forma</a:t>
+            </a:r>
+            <a:r>
+              <a:rPr lang="pt-BR" baseline="0" dirty="0"/>
+              <a:t> que um espaço em branco ou um tab.</a:t>
+            </a:r>
+          </a:p>
+          <a:p>
+            <a:r>
+              <a:rPr lang="pt-BR" dirty="0" err="1"/>
+              <a:t>International</a:t>
+            </a:r>
+            <a:r>
+              <a:rPr lang="pt-BR" dirty="0"/>
+              <a:t> </a:t>
+            </a:r>
+            <a:r>
+              <a:rPr lang="pt-BR" dirty="0" err="1"/>
+              <a:t>Obfuscated</a:t>
+            </a:r>
+            <a:r>
+              <a:rPr lang="pt-BR" dirty="0"/>
+              <a:t> C </a:t>
+            </a:r>
+            <a:r>
+              <a:rPr lang="pt-BR" dirty="0" err="1"/>
+              <a:t>Code</a:t>
+            </a:r>
+            <a:r>
+              <a:rPr lang="pt-BR" dirty="0"/>
+              <a:t> </a:t>
+            </a:r>
+            <a:r>
+              <a:rPr lang="pt-BR" dirty="0" err="1"/>
+              <a:t>Contest</a:t>
+            </a:r>
+            <a:r>
+              <a:rPr lang="pt-BR" dirty="0"/>
+              <a:t>  (www.ioccc.org)</a:t>
+            </a:r>
           </a:p>
         </p:txBody>
       </p:sp>
@@ -1803,7 +2527,107 @@
             <a:fld id="{83FCC293-6C0A-4CFC-8082-A55A9DD88714}" type="slidenum">
               <a:rPr lang="pt-BR" smtClean="0"/>
               <a:pPr/>
-              <a:t>26</a:t>
+              <a:t>27</a:t>
+            </a:fld>
+            <a:endParaRPr lang="pt-BR" dirty="0"/>
+          </a:p>
+        </p:txBody>
+      </p:sp>
+    </p:spTree>
+    <p:extLst>
+      <p:ext uri="{BB962C8B-B14F-4D97-AF65-F5344CB8AC3E}">
+        <p14:creationId xmlns:p14="http://schemas.microsoft.com/office/powerpoint/2010/main" val="3510623268"/>
+      </p:ext>
+    </p:extLst>
+  </p:cSld>
+  <p:clrMapOvr>
+    <a:masterClrMapping/>
+  </p:clrMapOvr>
+</p:notes>
+</file>
+
+<file path=ppt/notesSlides/notesSlide16.xml><?xml version="1.0" encoding="utf-8"?>
+<p:notes xmlns:a="http://schemas.openxmlformats.org/drawingml/2006/main" xmlns:r="http://schemas.openxmlformats.org/officeDocument/2006/relationships" xmlns:p="http://schemas.openxmlformats.org/presentationml/2006/main">
+  <p:cSld>
+    <p:spTree>
+      <p:nvGrpSpPr>
+        <p:cNvPr id="1" name=""/>
+        <p:cNvGrpSpPr/>
+        <p:nvPr/>
+      </p:nvGrpSpPr>
+      <p:grpSpPr>
+        <a:xfrm>
+          <a:off x="0" y="0"/>
+          <a:ext cx="0" cy="0"/>
+          <a:chOff x="0" y="0"/>
+          <a:chExt cx="0" cy="0"/>
+        </a:xfrm>
+      </p:grpSpPr>
+      <p:sp>
+        <p:nvSpPr>
+          <p:cNvPr id="2" name="Espaço Reservado para Imagem de Slide 1"/>
+          <p:cNvSpPr>
+            <a:spLocks noGrp="1" noRot="1" noChangeAspect="1"/>
+          </p:cNvSpPr>
+          <p:nvPr>
+            <p:ph type="sldImg"/>
+          </p:nvPr>
+        </p:nvSpPr>
+        <p:spPr>
+          <a:xfrm>
+            <a:off x="381000" y="685800"/>
+            <a:ext cx="6096000" cy="3429000"/>
+          </a:xfrm>
+        </p:spPr>
+      </p:sp>
+      <p:sp>
+        <p:nvSpPr>
+          <p:cNvPr id="3" name="Espaço Reservado para Anotações 2"/>
+          <p:cNvSpPr>
+            <a:spLocks noGrp="1"/>
+          </p:cNvSpPr>
+          <p:nvPr>
+            <p:ph type="body" idx="1"/>
+          </p:nvPr>
+        </p:nvSpPr>
+        <p:spPr/>
+        <p:txBody>
+          <a:bodyPr>
+            <a:normAutofit/>
+          </a:bodyPr>
+          <a:lstStyle/>
+          <a:p>
+            <a:r>
+              <a:rPr lang="pt-BR" dirty="0"/>
+              <a:t>Constrói-se</a:t>
+            </a:r>
+            <a:r>
+              <a:rPr lang="pt-BR" baseline="0" dirty="0"/>
+              <a:t> programas a partir de blocos chamados funções. Normalmente quebra-se um programa em grandes tarefas e constrói-se funções separadas para cada tarefa.</a:t>
+            </a:r>
+            <a:endParaRPr lang="pt-BR" dirty="0"/>
+          </a:p>
+        </p:txBody>
+      </p:sp>
+      <p:sp>
+        <p:nvSpPr>
+          <p:cNvPr id="4" name="Espaço Reservado para Número de Slide 3"/>
+          <p:cNvSpPr>
+            <a:spLocks noGrp="1"/>
+          </p:cNvSpPr>
+          <p:nvPr>
+            <p:ph type="sldNum" sz="quarter" idx="10"/>
+          </p:nvPr>
+        </p:nvSpPr>
+        <p:spPr/>
+        <p:txBody>
+          <a:bodyPr/>
+          <a:lstStyle/>
+          <a:p>
+            <a:fld id="{83FCC293-6C0A-4CFC-8082-A55A9DD88714}" type="slidenum">
+              <a:rPr lang="pt-BR" smtClean="0"/>
+              <a:pPr/>
+              <a:t>28</a:t>
             </a:fld>
             <a:endParaRPr lang="pt-BR" dirty="0"/>
           </a:p>
@@ -2502,14 +3326,6 @@
           <a:bodyPr/>
           <a:lstStyle/>
           <a:p>
-            <a:r>
-              <a:rPr lang="pt-BR" dirty="0"/>
-              <a:t>* Pode-se</a:t>
-            </a:r>
-            <a:r>
-              <a:rPr lang="pt-BR" baseline="0" dirty="0"/>
-              <a:t> também utilizar o estilo de comentários da linguagem C, iniciando com /* e finalizando com */</a:t>
-            </a:r>
             <a:endParaRPr lang="en-US" dirty="0"/>
           </a:p>
         </p:txBody>
@@ -2570,7 +3386,7 @@
       </p:grpSpPr>
       <p:sp>
         <p:nvSpPr>
-          <p:cNvPr id="2" name="Espaço Reservado para Imagem de Slide 1"/>
+          <p:cNvPr id="2" name="Slide Image Placeholder 1"/>
           <p:cNvSpPr>
             <a:spLocks noGrp="1" noRot="1" noChangeAspect="1"/>
           </p:cNvSpPr>
@@ -2587,7 +3403,7 @@
       </p:sp>
       <p:sp>
         <p:nvSpPr>
-          <p:cNvPr id="3" name="Espaço Reservado para Anotações 2"/>
+          <p:cNvPr id="3" name="Notes Placeholder 2"/>
           <p:cNvSpPr>
             <a:spLocks noGrp="1"/>
           </p:cNvSpPr>
@@ -2600,49 +3416,13 @@
           <a:bodyPr/>
           <a:lstStyle/>
           <a:p>
-            <a:r>
-              <a:rPr lang="pt-BR" dirty="0"/>
-              <a:t>Exemplos de outras</a:t>
-            </a:r>
-            <a:r>
-              <a:rPr lang="pt-BR" baseline="0" dirty="0"/>
-              <a:t> diretivas: #define, #</a:t>
-            </a:r>
-            <a:r>
-              <a:rPr lang="pt-BR" baseline="0" dirty="0" err="1"/>
-              <a:t>ifdef</a:t>
-            </a:r>
-            <a:r>
-              <a:rPr lang="pt-BR" baseline="0" dirty="0"/>
-              <a:t>, #</a:t>
-            </a:r>
-            <a:r>
-              <a:rPr lang="pt-BR" baseline="0" dirty="0" err="1"/>
-              <a:t>ifndef</a:t>
-            </a:r>
-            <a:r>
-              <a:rPr lang="pt-BR" baseline="0" dirty="0"/>
-              <a:t>, #</a:t>
-            </a:r>
-            <a:r>
-              <a:rPr lang="pt-BR" baseline="0" dirty="0" err="1"/>
-              <a:t>endif</a:t>
-            </a:r>
-            <a:r>
-              <a:rPr lang="pt-BR" baseline="0" dirty="0"/>
-              <a:t>, #</a:t>
-            </a:r>
-            <a:r>
-              <a:rPr lang="pt-BR" baseline="0" dirty="0" err="1"/>
-              <a:t>pragma</a:t>
-            </a:r>
-            <a:endParaRPr lang="pt-BR" dirty="0"/>
-          </a:p>
-        </p:txBody>
-      </p:sp>
-      <p:sp>
-        <p:nvSpPr>
-          <p:cNvPr id="4" name="Espaço Reservado para Número de Slide 3"/>
+            <a:endParaRPr lang="en-US" dirty="0"/>
+          </a:p>
+        </p:txBody>
+      </p:sp>
+      <p:sp>
+        <p:nvSpPr>
+          <p:cNvPr id="4" name="Slide Number Placeholder 3"/>
           <p:cNvSpPr>
             <a:spLocks noGrp="1"/>
           </p:cNvSpPr>
@@ -2667,7 +3447,7 @@
     </p:spTree>
     <p:extLst>
       <p:ext uri="{BB962C8B-B14F-4D97-AF65-F5344CB8AC3E}">
-        <p14:creationId xmlns:p14="http://schemas.microsoft.com/office/powerpoint/2010/main" val="3935367248"/>
+        <p14:creationId xmlns:p14="http://schemas.microsoft.com/office/powerpoint/2010/main" val="2943605913"/>
       </p:ext>
     </p:extLst>
   </p:cSld>
@@ -2712,7 +3492,7 @@
             <a:fld id="{BADD4369-A458-4831-B200-FCA465CC7541}" type="datetimeFigureOut">
               <a:rPr lang="pt-BR" smtClean="0"/>
               <a:pPr/>
-              <a:t>24/09/2019</a:t>
+              <a:t>02/03/2021</a:t>
             </a:fld>
             <a:endParaRPr lang="pt-BR" dirty="0"/>
           </a:p>
@@ -3267,7 +4047,7 @@
             <a:fld id="{BADD4369-A458-4831-B200-FCA465CC7541}" type="datetimeFigureOut">
               <a:rPr lang="pt-BR" smtClean="0"/>
               <a:pPr/>
-              <a:t>24/09/2019</a:t>
+              <a:t>02/03/2021</a:t>
             </a:fld>
             <a:endParaRPr lang="pt-BR" dirty="0"/>
           </a:p>
@@ -3444,7 +4224,7 @@
             <a:fld id="{BADD4369-A458-4831-B200-FCA465CC7541}" type="datetimeFigureOut">
               <a:rPr lang="pt-BR" smtClean="0"/>
               <a:pPr/>
-              <a:t>24/09/2019</a:t>
+              <a:t>02/03/2021</a:t>
             </a:fld>
             <a:endParaRPr lang="pt-BR" dirty="0"/>
           </a:p>
@@ -3611,7 +4391,7 @@
             <a:fld id="{BADD4369-A458-4831-B200-FCA465CC7541}" type="datetimeFigureOut">
               <a:rPr lang="pt-BR" smtClean="0"/>
               <a:pPr/>
-              <a:t>24/09/2019</a:t>
+              <a:t>02/03/2021</a:t>
             </a:fld>
             <a:endParaRPr lang="pt-BR" dirty="0"/>
           </a:p>
@@ -5060,7 +5840,7 @@
             <a:fld id="{BADD4369-A458-4831-B200-FCA465CC7541}" type="datetimeFigureOut">
               <a:rPr lang="pt-BR" smtClean="0"/>
               <a:pPr/>
-              <a:t>24/09/2019</a:t>
+              <a:t>02/03/2021</a:t>
             </a:fld>
             <a:endParaRPr lang="pt-BR" dirty="0"/>
           </a:p>
@@ -5642,7 +6422,7 @@
             <a:fld id="{BADD4369-A458-4831-B200-FCA465CC7541}" type="datetimeFigureOut">
               <a:rPr lang="pt-BR" smtClean="0"/>
               <a:pPr/>
-              <a:t>24/09/2019</a:t>
+              <a:t>02/03/2021</a:t>
             </a:fld>
             <a:endParaRPr lang="pt-BR" dirty="0"/>
           </a:p>
@@ -6073,7 +6853,7 @@
             <a:fld id="{BADD4369-A458-4831-B200-FCA465CC7541}" type="datetimeFigureOut">
               <a:rPr lang="pt-BR" smtClean="0"/>
               <a:pPr/>
-              <a:t>24/09/2019</a:t>
+              <a:t>02/03/2021</a:t>
             </a:fld>
             <a:endParaRPr lang="pt-BR" dirty="0"/>
           </a:p>
@@ -6612,7 +7392,7 @@
             <a:fld id="{BADD4369-A458-4831-B200-FCA465CC7541}" type="datetimeFigureOut">
               <a:rPr lang="pt-BR" smtClean="0"/>
               <a:pPr/>
-              <a:t>24/09/2019</a:t>
+              <a:t>02/03/2021</a:t>
             </a:fld>
             <a:endParaRPr lang="pt-BR" dirty="0"/>
           </a:p>
@@ -6704,7 +7484,7 @@
             <a:fld id="{BADD4369-A458-4831-B200-FCA465CC7541}" type="datetimeFigureOut">
               <a:rPr lang="pt-BR" smtClean="0"/>
               <a:pPr/>
-              <a:t>24/09/2019</a:t>
+              <a:t>02/03/2021</a:t>
             </a:fld>
             <a:endParaRPr lang="pt-BR" dirty="0"/>
           </a:p>
@@ -6954,7 +7734,7 @@
             <a:fld id="{BADD4369-A458-4831-B200-FCA465CC7541}" type="datetimeFigureOut">
               <a:rPr lang="pt-BR" smtClean="0"/>
               <a:pPr/>
-              <a:t>24/09/2019</a:t>
+              <a:t>02/03/2021</a:t>
             </a:fld>
             <a:endParaRPr lang="pt-BR" dirty="0"/>
           </a:p>
@@ -7669,7 +8449,7 @@
             <a:fld id="{BADD4369-A458-4831-B200-FCA465CC7541}" type="datetimeFigureOut">
               <a:rPr lang="pt-BR" smtClean="0"/>
               <a:pPr/>
-              <a:t>24/09/2019</a:t>
+              <a:t>02/03/2021</a:t>
             </a:fld>
             <a:endParaRPr lang="pt-BR" dirty="0"/>
           </a:p>
@@ -7936,7 +8716,7 @@
             <a:fld id="{BADD4369-A458-4831-B200-FCA465CC7541}" type="datetimeFigureOut">
               <a:rPr lang="pt-BR" smtClean="0"/>
               <a:pPr/>
-              <a:t>24/09/2019</a:t>
+              <a:t>02/03/2021</a:t>
             </a:fld>
             <a:endParaRPr lang="pt-BR" dirty="0"/>
           </a:p>
@@ -8648,7 +9428,7 @@
           <a:p>
             <a:r>
               <a:rPr lang="pt-BR" dirty="0"/>
-              <a:t>Utiliza </a:t>
+              <a:t>Utilizando </a:t>
             </a:r>
             <a:r>
               <a:rPr lang="pt-BR" dirty="0">
@@ -8860,48 +9640,24 @@
               <a:rPr lang="pt-BR" dirty="0">
                 <a:latin typeface="Consolas" panose="020B0609020204030204" pitchFamily="49" charset="0"/>
               </a:rPr>
-              <a:t> </a:t>
-            </a:r>
-            <a:r>
-              <a:rPr lang="pt-BR" dirty="0" err="1">
+              <a:t> argc, </a:t>
+            </a:r>
+            <a:r>
+              <a:rPr lang="pt-BR" dirty="0">
+                <a:solidFill>
+                  <a:schemeClr val="accent3">
+                    <a:lumMod val="75000"/>
+                  </a:schemeClr>
+                </a:solidFill>
                 <a:latin typeface="Consolas" panose="020B0609020204030204" pitchFamily="49" charset="0"/>
               </a:rPr>
-              <a:t>argc</a:t>
+              <a:t>char</a:t>
             </a:r>
             <a:r>
               <a:rPr lang="pt-BR" dirty="0">
                 <a:latin typeface="Consolas" panose="020B0609020204030204" pitchFamily="49" charset="0"/>
               </a:rPr>
-              <a:t>, </a:t>
-            </a:r>
-            <a:r>
-              <a:rPr lang="pt-BR" dirty="0">
-                <a:solidFill>
-                  <a:schemeClr val="accent3">
-                    <a:lumMod val="75000"/>
-                  </a:schemeClr>
-                </a:solidFill>
-                <a:latin typeface="Consolas" panose="020B0609020204030204" pitchFamily="49" charset="0"/>
-              </a:rPr>
-              <a:t>char</a:t>
-            </a:r>
-            <a:r>
-              <a:rPr lang="pt-BR" dirty="0">
-                <a:latin typeface="Consolas" panose="020B0609020204030204" pitchFamily="49" charset="0"/>
-              </a:rPr>
-              <a:t> ** </a:t>
-            </a:r>
-            <a:r>
-              <a:rPr lang="pt-BR" dirty="0" err="1">
-                <a:latin typeface="Consolas" panose="020B0609020204030204" pitchFamily="49" charset="0"/>
-              </a:rPr>
-              <a:t>argv</a:t>
-            </a:r>
-            <a:r>
-              <a:rPr lang="pt-BR" dirty="0">
-                <a:latin typeface="Consolas" panose="020B0609020204030204" pitchFamily="49" charset="0"/>
-              </a:rPr>
-              <a:t>)</a:t>
+              <a:t> ** argv)</a:t>
             </a:r>
           </a:p>
           <a:p>
@@ -8935,19 +9691,7 @@
               <a:rPr lang="pt-BR" dirty="0">
                 <a:latin typeface="Consolas" panose="020B0609020204030204" pitchFamily="49" charset="0"/>
               </a:rPr>
-              <a:t>&lt;&lt; </a:t>
-            </a:r>
-            <a:r>
-              <a:rPr lang="pt-BR" dirty="0" err="1">
-                <a:latin typeface="Consolas" panose="020B0609020204030204" pitchFamily="49" charset="0"/>
-              </a:rPr>
-              <a:t>argv</a:t>
-            </a:r>
-            <a:r>
-              <a:rPr lang="pt-BR" dirty="0">
-                <a:latin typeface="Consolas" panose="020B0609020204030204" pitchFamily="49" charset="0"/>
-              </a:rPr>
-              <a:t>[0] &lt;&lt; </a:t>
+              <a:t>&lt;&lt; argv[0] &lt;&lt; </a:t>
             </a:r>
             <a:r>
               <a:rPr lang="pt-BR" dirty="0" err="1">
@@ -8989,19 +9733,7 @@
               <a:rPr lang="pt-BR" dirty="0">
                 <a:latin typeface="Consolas" panose="020B0609020204030204" pitchFamily="49" charset="0"/>
               </a:rPr>
-              <a:t> (</a:t>
-            </a:r>
-            <a:r>
-              <a:rPr lang="pt-BR" dirty="0" err="1">
-                <a:latin typeface="Consolas" panose="020B0609020204030204" pitchFamily="49" charset="0"/>
-              </a:rPr>
-              <a:t>argc</a:t>
-            </a:r>
-            <a:r>
-              <a:rPr lang="pt-BR" dirty="0">
-                <a:latin typeface="Consolas" panose="020B0609020204030204" pitchFamily="49" charset="0"/>
-              </a:rPr>
-              <a:t> &gt; 1)</a:t>
+              <a:t> (argc &gt; 1)</a:t>
             </a:r>
           </a:p>
           <a:p>
@@ -9051,19 +9783,7 @@
               <a:rPr lang="pt-BR" dirty="0">
                 <a:latin typeface="Consolas" panose="020B0609020204030204" pitchFamily="49" charset="0"/>
               </a:rPr>
-              <a:t>&lt;&lt; </a:t>
-            </a:r>
-            <a:r>
-              <a:rPr lang="pt-BR" dirty="0" err="1">
-                <a:latin typeface="Consolas" panose="020B0609020204030204" pitchFamily="49" charset="0"/>
-              </a:rPr>
-              <a:t>argv</a:t>
-            </a:r>
-            <a:r>
-              <a:rPr lang="pt-BR" dirty="0">
-                <a:latin typeface="Consolas" panose="020B0609020204030204" pitchFamily="49" charset="0"/>
-              </a:rPr>
-              <a:t>[1] &lt;&lt; </a:t>
+              <a:t>&lt;&lt; argv[1] &lt;&lt; </a:t>
             </a:r>
             <a:r>
               <a:rPr lang="pt-BR" dirty="0" err="1">
@@ -9394,23 +10114,7 @@
               </a:rPr>
               <a:t>programas existentes </a:t>
             </a:r>
-            <a:r>
-              <a:rPr lang="pt-BR" dirty="0"/>
-              <a:t>usam o cabeçalho clássico da linguagem C</a:t>
-            </a:r>
-          </a:p>
-          <a:p>
-            <a:endParaRPr lang="pt-BR" dirty="0"/>
-          </a:p>
-          <a:p>
-            <a:endParaRPr lang="pt-BR" dirty="0"/>
-          </a:p>
-          <a:p>
-            <a:r>
-              <a:rPr lang="pt-BR" dirty="0"/>
-              <a:t>Uma alternativa válida é dizer </a:t>
-            </a:r>
-            <a:r>
+            <a:br>
               <a:rPr lang="pt-BR" dirty="0">
                 <a:solidFill>
                   <a:schemeClr val="accent3">
@@ -9418,11 +10122,26 @@
                   </a:schemeClr>
                 </a:solidFill>
               </a:rPr>
-              <a:t>explicitamente</a:t>
-            </a:r>
+            </a:br>
             <a:r>
               <a:rPr lang="pt-BR" dirty="0"/>
-              <a:t> que a função </a:t>
+              <a:t>usam o cabeçalho clássico da </a:t>
+            </a:r>
+            <a:br>
+              <a:rPr lang="pt-BR" dirty="0"/>
+            </a:br>
+            <a:r>
+              <a:rPr lang="pt-BR" dirty="0"/>
+              <a:t>linguagem C</a:t>
+            </a:r>
+          </a:p>
+          <a:p>
+            <a:endParaRPr lang="pt-BR" dirty="0"/>
+          </a:p>
+          <a:p>
+            <a:r>
+              <a:rPr lang="pt-BR" dirty="0"/>
+              <a:t>Uma </a:t>
             </a:r>
             <a:r>
               <a:rPr lang="pt-BR" dirty="0">
@@ -9432,217 +10151,26 @@
                   </a:schemeClr>
                 </a:solidFill>
               </a:rPr>
-              <a:t>não recebe argumentos</a:t>
-            </a:r>
-          </a:p>
-          <a:p>
-            <a:endParaRPr lang="pt-BR" dirty="0"/>
-          </a:p>
-          <a:p>
-            <a:endParaRPr lang="pt-BR" dirty="0"/>
-          </a:p>
-        </p:txBody>
-      </p:sp>
-      <p:sp>
-        <p:nvSpPr>
-          <p:cNvPr id="4" name="Retângulo 3"/>
-          <p:cNvSpPr/>
-          <p:nvPr/>
-        </p:nvSpPr>
-        <p:spPr>
-          <a:xfrm>
-            <a:off x="3936330" y="2813957"/>
-            <a:ext cx="3786214" cy="714380"/>
-          </a:xfrm>
-          <a:prstGeom prst="rect">
-            <a:avLst/>
-          </a:prstGeom>
-          <a:solidFill>
-            <a:schemeClr val="bg2">
-              <a:lumMod val="50000"/>
-            </a:schemeClr>
-          </a:solidFill>
-          <a:ln>
-            <a:noFill/>
-          </a:ln>
-          <a:effectLst/>
-          <a:scene3d>
-            <a:camera prst="orthographicFront">
-              <a:rot lat="0" lon="0" rev="0"/>
-            </a:camera>
-            <a:lightRig rig="chilly" dir="t">
-              <a:rot lat="0" lon="0" rev="18480000"/>
-            </a:lightRig>
-          </a:scene3d>
-          <a:sp3d prstMaterial="clear">
-            <a:bevelT h="63500"/>
-          </a:sp3d>
-        </p:spPr>
-        <p:style>
-          <a:lnRef idx="2">
-            <a:schemeClr val="accent1">
-              <a:shade val="50000"/>
-            </a:schemeClr>
-          </a:lnRef>
-          <a:fillRef idx="1">
-            <a:schemeClr val="accent1"/>
-          </a:fillRef>
-          <a:effectRef idx="0">
-            <a:schemeClr val="accent1"/>
-          </a:effectRef>
-          <a:fontRef idx="minor">
-            <a:schemeClr val="lt1"/>
-          </a:fontRef>
-        </p:style>
-        <p:txBody>
-          <a:bodyPr rtlCol="0" anchor="ctr"/>
-          <a:lstStyle/>
-          <a:p>
-            <a:pPr algn="ctr"/>
-            <a:endParaRPr lang="pt-BR" dirty="0"/>
-          </a:p>
-        </p:txBody>
-      </p:sp>
-      <p:sp>
-        <p:nvSpPr>
-          <p:cNvPr id="5" name="CaixaDeTexto 4"/>
-          <p:cNvSpPr txBox="1"/>
-          <p:nvPr/>
-        </p:nvSpPr>
-        <p:spPr>
-          <a:xfrm>
-            <a:off x="4007768" y="2813958"/>
-            <a:ext cx="4929222" cy="584775"/>
-          </a:xfrm>
-          <a:prstGeom prst="rect">
-            <a:avLst/>
-          </a:prstGeom>
-          <a:noFill/>
-        </p:spPr>
-        <p:txBody>
-          <a:bodyPr wrap="square" rtlCol="0">
-            <a:spAutoFit/>
-          </a:bodyPr>
-          <a:lstStyle/>
-          <a:p>
-            <a:r>
-              <a:rPr lang="pt-BR" dirty="0">
-                <a:latin typeface="+mj-lt"/>
-              </a:rPr>
-              <a:t>main()  </a:t>
-            </a:r>
-            <a:r>
-              <a:rPr lang="pt-BR" dirty="0">
-                <a:solidFill>
-                  <a:schemeClr val="tx1">
-                    <a:lumMod val="50000"/>
-                  </a:schemeClr>
-                </a:solidFill>
-                <a:latin typeface="+mj-lt"/>
-              </a:rPr>
-              <a:t>// estilo original C    </a:t>
-            </a:r>
-            <a:r>
-              <a:rPr lang="pt-BR" sz="3200" dirty="0">
-                <a:solidFill>
-                  <a:srgbClr val="FF0000"/>
-                </a:solidFill>
-              </a:rPr>
-              <a:t>×</a:t>
-            </a:r>
-            <a:endParaRPr lang="pt-BR" sz="2800" dirty="0">
-              <a:solidFill>
-                <a:schemeClr val="tx1">
-                  <a:lumMod val="50000"/>
-                </a:schemeClr>
-              </a:solidFill>
-              <a:latin typeface="+mj-lt"/>
-            </a:endParaRPr>
-          </a:p>
-        </p:txBody>
-      </p:sp>
-      <p:sp>
-        <p:nvSpPr>
-          <p:cNvPr id="10" name="Retângulo 9"/>
-          <p:cNvSpPr/>
-          <p:nvPr/>
-        </p:nvSpPr>
-        <p:spPr>
-          <a:xfrm>
-            <a:off x="3576860" y="5157191"/>
-            <a:ext cx="4714908" cy="714380"/>
-          </a:xfrm>
-          <a:prstGeom prst="rect">
-            <a:avLst/>
-          </a:prstGeom>
-          <a:solidFill>
-            <a:schemeClr val="bg2">
-              <a:lumMod val="50000"/>
-            </a:schemeClr>
-          </a:solidFill>
-          <a:ln>
-            <a:noFill/>
-          </a:ln>
-          <a:effectLst/>
-          <a:scene3d>
-            <a:camera prst="orthographicFront">
-              <a:rot lat="0" lon="0" rev="0"/>
-            </a:camera>
-            <a:lightRig rig="chilly" dir="t">
-              <a:rot lat="0" lon="0" rev="18480000"/>
-            </a:lightRig>
-          </a:scene3d>
-          <a:sp3d prstMaterial="clear">
-            <a:bevelT h="63500"/>
-          </a:sp3d>
-        </p:spPr>
-        <p:style>
-          <a:lnRef idx="2">
-            <a:schemeClr val="accent1">
-              <a:shade val="50000"/>
-            </a:schemeClr>
-          </a:lnRef>
-          <a:fillRef idx="1">
-            <a:schemeClr val="accent1"/>
-          </a:fillRef>
-          <a:effectRef idx="0">
-            <a:schemeClr val="accent1"/>
-          </a:effectRef>
-          <a:fontRef idx="minor">
-            <a:schemeClr val="lt1"/>
-          </a:fontRef>
-        </p:style>
-        <p:txBody>
-          <a:bodyPr rtlCol="0" anchor="ctr"/>
-          <a:lstStyle/>
-          <a:p>
-            <a:pPr algn="ctr"/>
-            <a:endParaRPr lang="pt-BR" dirty="0"/>
-          </a:p>
-        </p:txBody>
-      </p:sp>
-      <p:sp>
-        <p:nvSpPr>
-          <p:cNvPr id="11" name="CaixaDeTexto 10"/>
-          <p:cNvSpPr txBox="1"/>
-          <p:nvPr/>
-        </p:nvSpPr>
-        <p:spPr>
-          <a:xfrm>
-            <a:off x="3719736" y="5157192"/>
-            <a:ext cx="5357850" cy="584775"/>
-          </a:xfrm>
-          <a:prstGeom prst="rect">
-            <a:avLst/>
-          </a:prstGeom>
-          <a:noFill/>
-        </p:spPr>
-        <p:txBody>
-          <a:bodyPr wrap="square" rtlCol="0">
-            <a:spAutoFit/>
-          </a:bodyPr>
-          <a:lstStyle/>
-          <a:p>
+              <a:t>alternativa válida</a:t>
+            </a:r>
+            <a:r>
+              <a:rPr lang="pt-BR" dirty="0"/>
+              <a:t> em </a:t>
+            </a:r>
+            <a:br>
+              <a:rPr lang="pt-BR" dirty="0"/>
+            </a:br>
+            <a:r>
+              <a:rPr lang="pt-BR" dirty="0"/>
+              <a:t>C++ é dizer explicitamente </a:t>
+            </a:r>
+            <a:br>
+              <a:rPr lang="pt-BR" dirty="0"/>
+            </a:br>
+            <a:r>
+              <a:rPr lang="pt-BR" dirty="0"/>
+              <a:t>que a função </a:t>
+            </a:r>
             <a:r>
               <a:rPr lang="pt-BR" dirty="0">
                 <a:solidFill>
@@ -9650,62 +10178,369 @@
                     <a:lumMod val="75000"/>
                   </a:schemeClr>
                 </a:solidFill>
-                <a:latin typeface="+mj-lt"/>
-              </a:rPr>
-              <a:t>int</a:t>
-            </a:r>
-            <a:r>
-              <a:rPr lang="pt-BR" dirty="0">
-                <a:latin typeface="+mj-lt"/>
-              </a:rPr>
-              <a:t> main(</a:t>
-            </a:r>
-            <a:r>
+              </a:rPr>
+              <a:t>não recebe </a:t>
+            </a:r>
+            <a:br>
               <a:rPr lang="pt-BR" dirty="0">
                 <a:solidFill>
                   <a:schemeClr val="accent3">
                     <a:lumMod val="75000"/>
                   </a:schemeClr>
                 </a:solidFill>
+              </a:rPr>
+            </a:br>
+            <a:r>
+              <a:rPr lang="pt-BR" dirty="0">
+                <a:solidFill>
+                  <a:schemeClr val="accent3">
+                    <a:lumMod val="75000"/>
+                  </a:schemeClr>
+                </a:solidFill>
+              </a:rPr>
+              <a:t>argumentos</a:t>
+            </a:r>
+          </a:p>
+          <a:p>
+            <a:endParaRPr lang="pt-BR" dirty="0"/>
+          </a:p>
+          <a:p>
+            <a:endParaRPr lang="pt-BR" dirty="0"/>
+          </a:p>
+        </p:txBody>
+      </p:sp>
+      <p:grpSp>
+        <p:nvGrpSpPr>
+          <p:cNvPr id="13" name="Agrupar 12">
+            <a:extLst>
+              <a:ext uri="{FF2B5EF4-FFF2-40B4-BE49-F238E27FC236}">
+                <a16:creationId xmlns:a16="http://schemas.microsoft.com/office/drawing/2014/main" id="{EFFED2EC-9914-4775-9431-9F7F847F820B}"/>
+              </a:ext>
+            </a:extLst>
+          </p:cNvPr>
+          <p:cNvGrpSpPr/>
+          <p:nvPr/>
+        </p:nvGrpSpPr>
+        <p:grpSpPr>
+          <a:xfrm>
+            <a:off x="7065621" y="1916832"/>
+            <a:ext cx="4034935" cy="1296144"/>
+            <a:chOff x="6888088" y="1999294"/>
+            <a:chExt cx="4034935" cy="1296144"/>
+          </a:xfrm>
+        </p:grpSpPr>
+        <p:sp>
+          <p:nvSpPr>
+            <p:cNvPr id="4" name="Retângulo 3"/>
+            <p:cNvSpPr/>
+            <p:nvPr/>
+          </p:nvSpPr>
+          <p:spPr>
+            <a:xfrm>
+              <a:off x="6888088" y="2060848"/>
+              <a:ext cx="3478615" cy="1234590"/>
+            </a:xfrm>
+            <a:prstGeom prst="rect">
+              <a:avLst/>
+            </a:prstGeom>
+            <a:solidFill>
+              <a:schemeClr val="bg2">
+                <a:lumMod val="50000"/>
+              </a:schemeClr>
+            </a:solidFill>
+            <a:ln>
+              <a:noFill/>
+            </a:ln>
+            <a:effectLst/>
+            <a:scene3d>
+              <a:camera prst="orthographicFront">
+                <a:rot lat="0" lon="0" rev="0"/>
+              </a:camera>
+              <a:lightRig rig="chilly" dir="t">
+                <a:rot lat="0" lon="0" rev="18480000"/>
+              </a:lightRig>
+            </a:scene3d>
+            <a:sp3d prstMaterial="clear">
+              <a:bevelT h="63500"/>
+            </a:sp3d>
+          </p:spPr>
+          <p:style>
+            <a:lnRef idx="2">
+              <a:schemeClr val="accent1">
+                <a:shade val="50000"/>
+              </a:schemeClr>
+            </a:lnRef>
+            <a:fillRef idx="1">
+              <a:schemeClr val="accent1"/>
+            </a:fillRef>
+            <a:effectRef idx="0">
+              <a:schemeClr val="accent1"/>
+            </a:effectRef>
+            <a:fontRef idx="minor">
+              <a:schemeClr val="lt1"/>
+            </a:fontRef>
+          </p:style>
+          <p:txBody>
+            <a:bodyPr rtlCol="0" anchor="ctr"/>
+            <a:lstStyle/>
+            <a:p>
+              <a:pPr algn="ctr"/>
+              <a:endParaRPr lang="pt-BR" sz="1600" dirty="0"/>
+            </a:p>
+          </p:txBody>
+        </p:sp>
+        <p:sp>
+          <p:nvSpPr>
+            <p:cNvPr id="5" name="CaixaDeTexto 4"/>
+            <p:cNvSpPr txBox="1"/>
+            <p:nvPr/>
+          </p:nvSpPr>
+          <p:spPr>
+            <a:xfrm>
+              <a:off x="6959526" y="1999294"/>
+              <a:ext cx="3963497" cy="1261884"/>
+            </a:xfrm>
+            <a:prstGeom prst="rect">
+              <a:avLst/>
+            </a:prstGeom>
+            <a:noFill/>
+          </p:spPr>
+          <p:txBody>
+            <a:bodyPr wrap="square" rtlCol="0">
+              <a:spAutoFit/>
+            </a:bodyPr>
+            <a:lstStyle/>
+            <a:p>
+              <a:r>
+                <a:rPr lang="pt-BR" sz="1600" dirty="0">
+                  <a:latin typeface="+mj-lt"/>
+                </a:rPr>
+                <a:t>main()  </a:t>
+              </a:r>
+              <a:r>
+                <a:rPr lang="pt-BR" sz="1600" dirty="0">
+                  <a:solidFill>
+                    <a:schemeClr val="tx1">
+                      <a:lumMod val="50000"/>
+                    </a:schemeClr>
+                  </a:solidFill>
+                  <a:latin typeface="+mj-lt"/>
+                </a:rPr>
+                <a:t>// estilo original C    </a:t>
+              </a:r>
+              <a:r>
+                <a:rPr lang="pt-BR" sz="2800" dirty="0">
+                  <a:solidFill>
+                    <a:srgbClr val="FF0000"/>
+                  </a:solidFill>
+                </a:rPr>
+                <a:t>×</a:t>
+              </a:r>
+            </a:p>
+            <a:p>
+              <a:r>
+                <a:rPr lang="pt-BR" sz="1600" dirty="0">
+                  <a:latin typeface="+mj-lt"/>
+                </a:rPr>
+                <a:t>{</a:t>
+              </a:r>
+            </a:p>
+            <a:p>
+              <a:endParaRPr lang="pt-BR" sz="1600" dirty="0">
                 <a:latin typeface="+mj-lt"/>
-              </a:rPr>
-              <a:t>void</a:t>
-            </a:r>
-            <a:r>
-              <a:rPr lang="pt-BR" dirty="0">
+              </a:endParaRPr>
+            </a:p>
+            <a:p>
+              <a:r>
+                <a:rPr lang="pt-BR" sz="1600" dirty="0">
+                  <a:latin typeface="+mj-lt"/>
+                </a:rPr>
+                <a:t>}</a:t>
+              </a:r>
+            </a:p>
+          </p:txBody>
+        </p:sp>
+      </p:grpSp>
+      <p:grpSp>
+        <p:nvGrpSpPr>
+          <p:cNvPr id="12" name="Agrupar 11">
+            <a:extLst>
+              <a:ext uri="{FF2B5EF4-FFF2-40B4-BE49-F238E27FC236}">
+                <a16:creationId xmlns:a16="http://schemas.microsoft.com/office/drawing/2014/main" id="{5F21144F-0744-427D-BD1A-5B5FF5267EB3}"/>
+              </a:ext>
+            </a:extLst>
+          </p:cNvPr>
+          <p:cNvGrpSpPr/>
+          <p:nvPr/>
+        </p:nvGrpSpPr>
+        <p:grpSpPr>
+          <a:xfrm>
+            <a:off x="6669577" y="3933056"/>
+            <a:ext cx="4827023" cy="1288438"/>
+            <a:chOff x="6240016" y="4653136"/>
+            <a:chExt cx="4827023" cy="1288438"/>
+          </a:xfrm>
+        </p:grpSpPr>
+        <p:sp>
+          <p:nvSpPr>
+            <p:cNvPr id="10" name="Retângulo 9"/>
+            <p:cNvSpPr/>
+            <p:nvPr/>
+          </p:nvSpPr>
+          <p:spPr>
+            <a:xfrm>
+              <a:off x="6240016" y="4708231"/>
+              <a:ext cx="4176464" cy="1233343"/>
+            </a:xfrm>
+            <a:prstGeom prst="rect">
+              <a:avLst/>
+            </a:prstGeom>
+            <a:solidFill>
+              <a:schemeClr val="bg2">
+                <a:lumMod val="50000"/>
+              </a:schemeClr>
+            </a:solidFill>
+            <a:ln>
+              <a:noFill/>
+            </a:ln>
+            <a:effectLst/>
+            <a:scene3d>
+              <a:camera prst="orthographicFront">
+                <a:rot lat="0" lon="0" rev="0"/>
+              </a:camera>
+              <a:lightRig rig="chilly" dir="t">
+                <a:rot lat="0" lon="0" rev="18480000"/>
+              </a:lightRig>
+            </a:scene3d>
+            <a:sp3d prstMaterial="clear">
+              <a:bevelT h="63500"/>
+            </a:sp3d>
+          </p:spPr>
+          <p:style>
+            <a:lnRef idx="2">
+              <a:schemeClr val="accent1">
+                <a:shade val="50000"/>
+              </a:schemeClr>
+            </a:lnRef>
+            <a:fillRef idx="1">
+              <a:schemeClr val="accent1"/>
+            </a:fillRef>
+            <a:effectRef idx="0">
+              <a:schemeClr val="accent1"/>
+            </a:effectRef>
+            <a:fontRef idx="minor">
+              <a:schemeClr val="lt1"/>
+            </a:fontRef>
+          </p:style>
+          <p:txBody>
+            <a:bodyPr rtlCol="0" anchor="ctr"/>
+            <a:lstStyle/>
+            <a:p>
+              <a:pPr algn="ctr"/>
+              <a:endParaRPr lang="pt-BR" sz="1600" dirty="0"/>
+            </a:p>
+          </p:txBody>
+        </p:sp>
+        <p:sp>
+          <p:nvSpPr>
+            <p:cNvPr id="11" name="CaixaDeTexto 10"/>
+            <p:cNvSpPr txBox="1"/>
+            <p:nvPr/>
+          </p:nvSpPr>
+          <p:spPr>
+            <a:xfrm>
+              <a:off x="6287923" y="4653136"/>
+              <a:ext cx="4779116" cy="1261884"/>
+            </a:xfrm>
+            <a:prstGeom prst="rect">
+              <a:avLst/>
+            </a:prstGeom>
+            <a:noFill/>
+          </p:spPr>
+          <p:txBody>
+            <a:bodyPr wrap="square" rtlCol="0">
+              <a:spAutoFit/>
+            </a:bodyPr>
+            <a:lstStyle/>
+            <a:p>
+              <a:r>
+                <a:rPr lang="pt-BR" sz="1600" dirty="0">
+                  <a:solidFill>
+                    <a:schemeClr val="accent3">
+                      <a:lumMod val="75000"/>
+                    </a:schemeClr>
+                  </a:solidFill>
+                  <a:latin typeface="+mj-lt"/>
+                </a:rPr>
+                <a:t>int</a:t>
+              </a:r>
+              <a:r>
+                <a:rPr lang="pt-BR" sz="1600" dirty="0">
+                  <a:latin typeface="+mj-lt"/>
+                </a:rPr>
+                <a:t> main(</a:t>
+              </a:r>
+              <a:r>
+                <a:rPr lang="pt-BR" sz="1600" dirty="0">
+                  <a:solidFill>
+                    <a:schemeClr val="accent3">
+                      <a:lumMod val="75000"/>
+                    </a:schemeClr>
+                  </a:solidFill>
+                  <a:latin typeface="+mj-lt"/>
+                </a:rPr>
+                <a:t>void</a:t>
+              </a:r>
+              <a:r>
+                <a:rPr lang="pt-BR" sz="1600" dirty="0">
+                  <a:latin typeface="+mj-lt"/>
+                </a:rPr>
+                <a:t>)  </a:t>
+              </a:r>
+              <a:r>
+                <a:rPr lang="pt-BR" sz="1600" dirty="0">
+                  <a:solidFill>
+                    <a:schemeClr val="tx1">
+                      <a:lumMod val="50000"/>
+                    </a:schemeClr>
+                  </a:solidFill>
+                  <a:latin typeface="+mj-lt"/>
+                </a:rPr>
+                <a:t>// estilo explícito    </a:t>
+              </a:r>
+              <a:r>
+                <a:rPr lang="pt-BR" sz="2800" dirty="0">
+                  <a:solidFill>
+                    <a:srgbClr val="00B050"/>
+                  </a:solidFill>
+                </a:rPr>
+                <a:t>√</a:t>
+              </a:r>
+            </a:p>
+            <a:p>
+              <a:r>
+                <a:rPr lang="pt-BR" sz="1600" dirty="0">
+                  <a:latin typeface="+mj-lt"/>
+                </a:rPr>
+                <a:t>{</a:t>
+              </a:r>
+            </a:p>
+            <a:p>
+              <a:endParaRPr lang="pt-BR" sz="1600" dirty="0">
                 <a:latin typeface="+mj-lt"/>
-              </a:rPr>
-              <a:t>)  </a:t>
-            </a:r>
-            <a:r>
-              <a:rPr lang="pt-BR" dirty="0">
-                <a:solidFill>
-                  <a:schemeClr val="tx1">
-                    <a:lumMod val="50000"/>
-                  </a:schemeClr>
-                </a:solidFill>
-                <a:latin typeface="+mj-lt"/>
-              </a:rPr>
-              <a:t>// estilo explícito    </a:t>
-            </a:r>
-            <a:r>
-              <a:rPr lang="pt-BR" sz="3200" dirty="0">
-                <a:solidFill>
-                  <a:srgbClr val="00B050"/>
-                </a:solidFill>
-              </a:rPr>
-              <a:t>√</a:t>
-            </a:r>
-            <a:endParaRPr lang="pt-BR" dirty="0">
-              <a:solidFill>
-                <a:schemeClr val="tx1">
-                  <a:lumMod val="50000"/>
-                </a:schemeClr>
-              </a:solidFill>
-            </a:endParaRPr>
-          </a:p>
-        </p:txBody>
-      </p:sp>
+              </a:endParaRPr>
+            </a:p>
+            <a:p>
+              <a:r>
+                <a:rPr lang="pt-BR" sz="1600" dirty="0">
+                  <a:latin typeface="+mj-lt"/>
+                </a:rPr>
+                <a:t>}</a:t>
+              </a:r>
+            </a:p>
+          </p:txBody>
+        </p:sp>
+      </p:grpSp>
     </p:spTree>
   </p:cSld>
   <p:clrMapOvr>
@@ -9763,15 +10598,30 @@
             <p:ph idx="1"/>
           </p:nvPr>
         </p:nvSpPr>
-        <p:spPr/>
+        <p:spPr>
+          <a:xfrm>
+            <a:off x="1219200" y="1773936"/>
+            <a:ext cx="10363200" cy="4572000"/>
+          </a:xfrm>
+        </p:spPr>
         <p:txBody>
           <a:bodyPr/>
           <a:lstStyle/>
           <a:p>
             <a:r>
               <a:rPr lang="pt-BR" dirty="0"/>
-              <a:t>Alguns programadores usam este cabeçalho para  </a:t>
-            </a:r>
+              <a:t>Alguns programadores </a:t>
+            </a:r>
+            <a:br>
+              <a:rPr lang="pt-BR" dirty="0"/>
+            </a:br>
+            <a:r>
+              <a:rPr lang="pt-BR" dirty="0"/>
+              <a:t>usam este cabeçalho para  </a:t>
+            </a:r>
+            <a:br>
+              <a:rPr lang="pt-BR" dirty="0"/>
+            </a:br>
             <a:r>
               <a:rPr lang="pt-BR" dirty="0">
                 <a:solidFill>
@@ -9787,13 +10637,20 @@
             <a:endParaRPr lang="pt-BR" dirty="0"/>
           </a:p>
           <a:p>
-            <a:endParaRPr lang="pt-BR" dirty="0"/>
-          </a:p>
-          <a:p>
             <a:r>
               <a:rPr lang="pt-BR" dirty="0"/>
-              <a:t>O padrão ANSI/ISO C++ permite que o programador </a:t>
-            </a:r>
+              <a:t>O padrão ANSI/ISO C++ </a:t>
+            </a:r>
+            <a:br>
+              <a:rPr lang="pt-BR" dirty="0"/>
+            </a:br>
+            <a:r>
+              <a:rPr lang="pt-BR" dirty="0"/>
+              <a:t>permite que o programador </a:t>
+            </a:r>
+            <a:br>
+              <a:rPr lang="pt-BR" dirty="0"/>
+            </a:br>
             <a:r>
               <a:rPr lang="pt-BR" dirty="0">
                 <a:solidFill>
@@ -9804,9 +10661,18 @@
               </a:rPr>
               <a:t>omita a instrução de retorno </a:t>
             </a:r>
+            <a:br>
+              <a:rPr lang="pt-BR" dirty="0">
+                <a:solidFill>
+                  <a:schemeClr val="accent3">
+                    <a:lumMod val="75000"/>
+                  </a:schemeClr>
+                </a:solidFill>
+              </a:rPr>
+            </a:br>
             <a:r>
               <a:rPr lang="pt-BR" dirty="0"/>
-              <a:t>(unicamente para a função main)</a:t>
+              <a:t>(somente na função main)</a:t>
             </a:r>
             <a:endParaRPr lang="pt-BR" dirty="0">
               <a:solidFill>
@@ -9824,279 +10690,371 @@
           </a:p>
         </p:txBody>
       </p:sp>
-      <p:sp>
-        <p:nvSpPr>
-          <p:cNvPr id="4" name="Retângulo 3"/>
-          <p:cNvSpPr/>
+      <p:grpSp>
+        <p:nvGrpSpPr>
+          <p:cNvPr id="6" name="Agrupar 5">
+            <a:extLst>
+              <a:ext uri="{FF2B5EF4-FFF2-40B4-BE49-F238E27FC236}">
+                <a16:creationId xmlns:a16="http://schemas.microsoft.com/office/drawing/2014/main" id="{00FD988E-129F-4EDB-952F-19B0ABD3717A}"/>
+              </a:ext>
+            </a:extLst>
+          </p:cNvPr>
+          <p:cNvGrpSpPr/>
           <p:nvPr/>
-        </p:nvSpPr>
-        <p:spPr>
+        </p:nvGrpSpPr>
+        <p:grpSpPr>
           <a:xfrm>
-            <a:off x="3238480" y="2928934"/>
-            <a:ext cx="5000660" cy="714380"/>
+            <a:off x="6960096" y="1916832"/>
+            <a:ext cx="4211532" cy="1584177"/>
+            <a:chOff x="6960096" y="1916832"/>
+            <a:chExt cx="4211532" cy="1584177"/>
           </a:xfrm>
-          <a:prstGeom prst="rect">
-            <a:avLst/>
-          </a:prstGeom>
-          <a:solidFill>
-            <a:schemeClr val="bg2">
-              <a:lumMod val="50000"/>
-            </a:schemeClr>
-          </a:solidFill>
-          <a:ln>
+        </p:grpSpPr>
+        <p:sp>
+          <p:nvSpPr>
+            <p:cNvPr id="4" name="Retângulo 3"/>
+            <p:cNvSpPr/>
+            <p:nvPr/>
+          </p:nvSpPr>
+          <p:spPr>
+            <a:xfrm>
+              <a:off x="6960096" y="1916832"/>
+              <a:ext cx="3527822" cy="1584177"/>
+            </a:xfrm>
+            <a:prstGeom prst="rect">
+              <a:avLst/>
+            </a:prstGeom>
+            <a:solidFill>
+              <a:schemeClr val="bg2">
+                <a:lumMod val="50000"/>
+              </a:schemeClr>
+            </a:solidFill>
+            <a:ln>
+              <a:noFill/>
+            </a:ln>
+            <a:effectLst/>
+            <a:scene3d>
+              <a:camera prst="orthographicFront">
+                <a:rot lat="0" lon="0" rev="0"/>
+              </a:camera>
+              <a:lightRig rig="chilly" dir="t">
+                <a:rot lat="0" lon="0" rev="18480000"/>
+              </a:lightRig>
+            </a:scene3d>
+            <a:sp3d prstMaterial="clear">
+              <a:bevelT h="63500"/>
+            </a:sp3d>
+          </p:spPr>
+          <p:style>
+            <a:lnRef idx="2">
+              <a:schemeClr val="accent1">
+                <a:shade val="50000"/>
+              </a:schemeClr>
+            </a:lnRef>
+            <a:fillRef idx="1">
+              <a:schemeClr val="accent1"/>
+            </a:fillRef>
+            <a:effectRef idx="0">
+              <a:schemeClr val="accent1"/>
+            </a:effectRef>
+            <a:fontRef idx="minor">
+              <a:schemeClr val="lt1"/>
+            </a:fontRef>
+          </p:style>
+          <p:txBody>
+            <a:bodyPr rtlCol="0" anchor="ctr"/>
+            <a:lstStyle/>
+            <a:p>
+              <a:pPr algn="ctr"/>
+              <a:endParaRPr lang="pt-BR" dirty="0"/>
+            </a:p>
+          </p:txBody>
+        </p:sp>
+        <p:sp>
+          <p:nvSpPr>
+            <p:cNvPr id="5" name="CaixaDeTexto 4"/>
+            <p:cNvSpPr txBox="1"/>
+            <p:nvPr/>
+          </p:nvSpPr>
+          <p:spPr>
+            <a:xfrm>
+              <a:off x="7031534" y="2001034"/>
+              <a:ext cx="4140094" cy="1415772"/>
+            </a:xfrm>
+            <a:prstGeom prst="rect">
+              <a:avLst/>
+            </a:prstGeom>
             <a:noFill/>
-          </a:ln>
-          <a:effectLst/>
-          <a:scene3d>
-            <a:camera prst="orthographicFront">
-              <a:rot lat="0" lon="0" rev="0"/>
-            </a:camera>
-            <a:lightRig rig="chilly" dir="t">
-              <a:rot lat="0" lon="0" rev="18480000"/>
-            </a:lightRig>
-          </a:scene3d>
-          <a:sp3d prstMaterial="clear">
-            <a:bevelT h="63500"/>
-          </a:sp3d>
-        </p:spPr>
-        <p:style>
-          <a:lnRef idx="2">
-            <a:schemeClr val="accent1">
-              <a:shade val="50000"/>
-            </a:schemeClr>
-          </a:lnRef>
-          <a:fillRef idx="1">
-            <a:schemeClr val="accent1"/>
-          </a:fillRef>
-          <a:effectRef idx="0">
-            <a:schemeClr val="accent1"/>
-          </a:effectRef>
-          <a:fontRef idx="minor">
-            <a:schemeClr val="lt1"/>
-          </a:fontRef>
-        </p:style>
-        <p:txBody>
-          <a:bodyPr rtlCol="0" anchor="ctr"/>
-          <a:lstStyle/>
-          <a:p>
-            <a:pPr algn="ctr"/>
-            <a:endParaRPr lang="pt-BR" dirty="0"/>
-          </a:p>
-        </p:txBody>
-      </p:sp>
-      <p:sp>
-        <p:nvSpPr>
-          <p:cNvPr id="5" name="CaixaDeTexto 4"/>
-          <p:cNvSpPr txBox="1"/>
+          </p:spPr>
+          <p:txBody>
+            <a:bodyPr wrap="square" rtlCol="0">
+              <a:spAutoFit/>
+            </a:bodyPr>
+            <a:lstStyle/>
+            <a:p>
+              <a:r>
+                <a:rPr lang="pt-BR" dirty="0">
+                  <a:solidFill>
+                    <a:schemeClr val="tx1">
+                      <a:lumMod val="50000"/>
+                    </a:schemeClr>
+                  </a:solidFill>
+                  <a:latin typeface="+mj-lt"/>
+                </a:rPr>
+                <a:t>// não está no padrão C++</a:t>
+              </a:r>
+              <a:br>
+                <a:rPr lang="pt-BR" dirty="0">
+                  <a:solidFill>
+                    <a:schemeClr val="tx1">
+                      <a:lumMod val="50000"/>
+                    </a:schemeClr>
+                  </a:solidFill>
+                  <a:latin typeface="+mj-lt"/>
+                </a:rPr>
+              </a:br>
+              <a:r>
+                <a:rPr lang="pt-BR" dirty="0">
+                  <a:solidFill>
+                    <a:schemeClr val="accent3">
+                      <a:lumMod val="75000"/>
+                    </a:schemeClr>
+                  </a:solidFill>
+                  <a:latin typeface="+mj-lt"/>
+                </a:rPr>
+                <a:t>void</a:t>
+              </a:r>
+              <a:r>
+                <a:rPr lang="pt-BR" dirty="0">
+                  <a:latin typeface="+mj-lt"/>
+                </a:rPr>
+                <a:t> </a:t>
+              </a:r>
+              <a:r>
+                <a:rPr lang="pt-BR" dirty="0" err="1">
+                  <a:latin typeface="+mj-lt"/>
+                </a:rPr>
+                <a:t>main</a:t>
+              </a:r>
+              <a:r>
+                <a:rPr lang="pt-BR" dirty="0">
+                  <a:latin typeface="+mj-lt"/>
+                </a:rPr>
+                <a:t>()                  </a:t>
+              </a:r>
+              <a:r>
+                <a:rPr lang="pt-BR" sz="3200" dirty="0">
+                  <a:solidFill>
+                    <a:srgbClr val="FF0000"/>
+                  </a:solidFill>
+                </a:rPr>
+                <a:t>×</a:t>
+              </a:r>
+            </a:p>
+            <a:p>
+              <a:r>
+                <a:rPr lang="pt-BR" dirty="0">
+                  <a:latin typeface="+mj-lt"/>
+                </a:rPr>
+                <a:t>{</a:t>
+              </a:r>
+              <a:br>
+                <a:rPr lang="pt-BR" dirty="0">
+                  <a:latin typeface="+mj-lt"/>
+                </a:rPr>
+              </a:br>
+              <a:r>
+                <a:rPr lang="pt-BR" dirty="0">
+                  <a:latin typeface="+mj-lt"/>
+                </a:rPr>
+                <a:t>}</a:t>
+              </a:r>
+            </a:p>
+          </p:txBody>
+        </p:sp>
+      </p:grpSp>
+      <p:grpSp>
+        <p:nvGrpSpPr>
+          <p:cNvPr id="7" name="Agrupar 6">
+            <a:extLst>
+              <a:ext uri="{FF2B5EF4-FFF2-40B4-BE49-F238E27FC236}">
+                <a16:creationId xmlns:a16="http://schemas.microsoft.com/office/drawing/2014/main" id="{596BDEC2-84A7-44C4-A82B-99C7F1916517}"/>
+              </a:ext>
+            </a:extLst>
+          </p:cNvPr>
+          <p:cNvGrpSpPr/>
           <p:nvPr/>
-        </p:nvSpPr>
-        <p:spPr>
+        </p:nvGrpSpPr>
+        <p:grpSpPr>
           <a:xfrm>
-            <a:off x="3309918" y="2928935"/>
-            <a:ext cx="6000792" cy="584775"/>
+            <a:off x="6965963" y="4221087"/>
+            <a:ext cx="4170597" cy="1584177"/>
+            <a:chOff x="6965963" y="4221087"/>
+            <a:chExt cx="4170597" cy="1584177"/>
           </a:xfrm>
-          <a:prstGeom prst="rect">
-            <a:avLst/>
-          </a:prstGeom>
-          <a:noFill/>
-        </p:spPr>
-        <p:txBody>
-          <a:bodyPr wrap="square" rtlCol="0">
-            <a:spAutoFit/>
-          </a:bodyPr>
-          <a:lstStyle/>
-          <a:p>
-            <a:r>
-              <a:rPr lang="pt-BR" dirty="0">
-                <a:solidFill>
-                  <a:schemeClr val="accent3">
-                    <a:lumMod val="75000"/>
-                  </a:schemeClr>
-                </a:solidFill>
+        </p:grpSpPr>
+        <p:sp>
+          <p:nvSpPr>
+            <p:cNvPr id="10" name="Retângulo 9"/>
+            <p:cNvSpPr/>
+            <p:nvPr/>
+          </p:nvSpPr>
+          <p:spPr>
+            <a:xfrm>
+              <a:off x="6965963" y="4221087"/>
+              <a:ext cx="3521955" cy="1584177"/>
+            </a:xfrm>
+            <a:prstGeom prst="rect">
+              <a:avLst/>
+            </a:prstGeom>
+            <a:solidFill>
+              <a:schemeClr val="bg2">
+                <a:lumMod val="50000"/>
+              </a:schemeClr>
+            </a:solidFill>
+            <a:ln>
+              <a:noFill/>
+            </a:ln>
+            <a:effectLst/>
+            <a:scene3d>
+              <a:camera prst="orthographicFront">
+                <a:rot lat="0" lon="0" rev="0"/>
+              </a:camera>
+              <a:lightRig rig="chilly" dir="t">
+                <a:rot lat="0" lon="0" rev="18480000"/>
+              </a:lightRig>
+            </a:scene3d>
+            <a:sp3d prstMaterial="clear">
+              <a:bevelT h="63500"/>
+            </a:sp3d>
+          </p:spPr>
+          <p:style>
+            <a:lnRef idx="2">
+              <a:schemeClr val="accent1">
+                <a:shade val="50000"/>
+              </a:schemeClr>
+            </a:lnRef>
+            <a:fillRef idx="1">
+              <a:schemeClr val="accent1"/>
+            </a:fillRef>
+            <a:effectRef idx="0">
+              <a:schemeClr val="accent1"/>
+            </a:effectRef>
+            <a:fontRef idx="minor">
+              <a:schemeClr val="lt1"/>
+            </a:fontRef>
+          </p:style>
+          <p:txBody>
+            <a:bodyPr rtlCol="0" anchor="ctr"/>
+            <a:lstStyle/>
+            <a:p>
+              <a:pPr algn="ctr"/>
+              <a:endParaRPr lang="pt-BR" dirty="0"/>
+            </a:p>
+          </p:txBody>
+        </p:sp>
+        <p:sp>
+          <p:nvSpPr>
+            <p:cNvPr id="11" name="CaixaDeTexto 10"/>
+            <p:cNvSpPr txBox="1"/>
+            <p:nvPr/>
+          </p:nvSpPr>
+          <p:spPr>
+            <a:xfrm>
+              <a:off x="6996466" y="4293096"/>
+              <a:ext cx="4140094" cy="1415772"/>
+            </a:xfrm>
+            <a:prstGeom prst="rect">
+              <a:avLst/>
+            </a:prstGeom>
+            <a:noFill/>
+          </p:spPr>
+          <p:txBody>
+            <a:bodyPr wrap="square" rtlCol="0">
+              <a:spAutoFit/>
+            </a:bodyPr>
+            <a:lstStyle/>
+            <a:p>
+              <a:r>
+                <a:rPr lang="pt-BR" dirty="0">
+                  <a:solidFill>
+                    <a:schemeClr val="tx1">
+                      <a:lumMod val="50000"/>
+                    </a:schemeClr>
+                  </a:solidFill>
+                  <a:latin typeface="+mj-lt"/>
+                </a:rPr>
+                <a:t>// sem retorno explícito</a:t>
+              </a:r>
+            </a:p>
+            <a:p>
+              <a:r>
+                <a:rPr lang="pt-BR" dirty="0" err="1">
+                  <a:solidFill>
+                    <a:schemeClr val="accent3">
+                      <a:lumMod val="75000"/>
+                    </a:schemeClr>
+                  </a:solidFill>
+                  <a:latin typeface="+mj-lt"/>
+                </a:rPr>
+                <a:t>int</a:t>
+              </a:r>
+              <a:r>
+                <a:rPr lang="pt-BR" dirty="0">
+                  <a:latin typeface="+mj-lt"/>
+                </a:rPr>
+                <a:t> </a:t>
+              </a:r>
+              <a:r>
+                <a:rPr lang="pt-BR" dirty="0" err="1">
+                  <a:latin typeface="+mj-lt"/>
+                </a:rPr>
+                <a:t>main</a:t>
+              </a:r>
+              <a:r>
+                <a:rPr lang="pt-BR" dirty="0">
+                  <a:latin typeface="+mj-lt"/>
+                </a:rPr>
+                <a:t>()                   </a:t>
+              </a:r>
+              <a:r>
+                <a:rPr lang="pt-BR" sz="3200" dirty="0">
+                  <a:solidFill>
+                    <a:srgbClr val="00B050"/>
+                  </a:solidFill>
+                </a:rPr>
+                <a:t>√</a:t>
+              </a:r>
+              <a:endParaRPr lang="pt-BR" dirty="0">
                 <a:latin typeface="+mj-lt"/>
-              </a:rPr>
-              <a:t>void</a:t>
-            </a:r>
-            <a:r>
-              <a:rPr lang="pt-BR" dirty="0">
-                <a:latin typeface="+mj-lt"/>
-              </a:rPr>
-              <a:t> main()  </a:t>
-            </a:r>
-            <a:r>
-              <a:rPr lang="pt-BR" dirty="0">
+              </a:endParaRPr>
+            </a:p>
+            <a:p>
+              <a:r>
+                <a:rPr lang="pt-BR" dirty="0">
+                  <a:latin typeface="+mj-lt"/>
+                </a:rPr>
+                <a:t>{</a:t>
+              </a:r>
+            </a:p>
+            <a:p>
+              <a:r>
+                <a:rPr lang="pt-BR" dirty="0">
+                  <a:latin typeface="+mj-lt"/>
+                </a:rPr>
+                <a:t>}</a:t>
+              </a:r>
+              <a:endParaRPr lang="pt-BR" dirty="0">
                 <a:solidFill>
                   <a:schemeClr val="tx1">
                     <a:lumMod val="50000"/>
                   </a:schemeClr>
                 </a:solidFill>
-                <a:latin typeface="+mj-lt"/>
-              </a:rPr>
-              <a:t>// não está no padrão C++    </a:t>
-            </a:r>
-            <a:r>
-              <a:rPr lang="pt-BR" sz="3200" dirty="0">
-                <a:solidFill>
-                  <a:srgbClr val="FF0000"/>
-                </a:solidFill>
-              </a:rPr>
-              <a:t>×</a:t>
-            </a:r>
-            <a:endParaRPr lang="pt-BR" sz="2800" dirty="0">
-              <a:solidFill>
-                <a:schemeClr val="tx1">
-                  <a:lumMod val="50000"/>
-                </a:schemeClr>
-              </a:solidFill>
-              <a:latin typeface="+mj-lt"/>
-            </a:endParaRPr>
-          </a:p>
-        </p:txBody>
-      </p:sp>
-      <p:sp>
-        <p:nvSpPr>
-          <p:cNvPr id="10" name="Retângulo 9"/>
-          <p:cNvSpPr/>
-          <p:nvPr/>
-        </p:nvSpPr>
-        <p:spPr>
-          <a:xfrm>
-            <a:off x="3238480" y="5085184"/>
-            <a:ext cx="5286412" cy="1214446"/>
-          </a:xfrm>
-          <a:prstGeom prst="rect">
-            <a:avLst/>
-          </a:prstGeom>
-          <a:solidFill>
-            <a:schemeClr val="bg2">
-              <a:lumMod val="50000"/>
-            </a:schemeClr>
-          </a:solidFill>
-          <a:ln>
-            <a:noFill/>
-          </a:ln>
-          <a:effectLst/>
-          <a:scene3d>
-            <a:camera prst="orthographicFront">
-              <a:rot lat="0" lon="0" rev="0"/>
-            </a:camera>
-            <a:lightRig rig="chilly" dir="t">
-              <a:rot lat="0" lon="0" rev="18480000"/>
-            </a:lightRig>
-          </a:scene3d>
-          <a:sp3d prstMaterial="clear">
-            <a:bevelT h="63500"/>
-          </a:sp3d>
-        </p:spPr>
-        <p:style>
-          <a:lnRef idx="2">
-            <a:schemeClr val="accent1">
-              <a:shade val="50000"/>
-            </a:schemeClr>
-          </a:lnRef>
-          <a:fillRef idx="1">
-            <a:schemeClr val="accent1"/>
-          </a:fillRef>
-          <a:effectRef idx="0">
-            <a:schemeClr val="accent1"/>
-          </a:effectRef>
-          <a:fontRef idx="minor">
-            <a:schemeClr val="lt1"/>
-          </a:fontRef>
-        </p:style>
-        <p:txBody>
-          <a:bodyPr rtlCol="0" anchor="ctr"/>
-          <a:lstStyle/>
-          <a:p>
-            <a:pPr algn="ctr"/>
-            <a:endParaRPr lang="pt-BR" dirty="0"/>
-          </a:p>
-        </p:txBody>
-      </p:sp>
-      <p:sp>
-        <p:nvSpPr>
-          <p:cNvPr id="11" name="CaixaDeTexto 10"/>
-          <p:cNvSpPr txBox="1"/>
-          <p:nvPr/>
-        </p:nvSpPr>
-        <p:spPr>
-          <a:xfrm>
-            <a:off x="3381356" y="5085185"/>
-            <a:ext cx="6215106" cy="1138773"/>
-          </a:xfrm>
-          <a:prstGeom prst="rect">
-            <a:avLst/>
-          </a:prstGeom>
-          <a:noFill/>
-        </p:spPr>
-        <p:txBody>
-          <a:bodyPr wrap="square" rtlCol="0">
-            <a:spAutoFit/>
-          </a:bodyPr>
-          <a:lstStyle/>
-          <a:p>
-            <a:r>
-              <a:rPr lang="pt-BR" dirty="0">
-                <a:solidFill>
-                  <a:schemeClr val="accent3">
-                    <a:lumMod val="75000"/>
-                  </a:schemeClr>
-                </a:solidFill>
-                <a:latin typeface="+mj-lt"/>
-              </a:rPr>
-              <a:t>int</a:t>
-            </a:r>
-            <a:r>
-              <a:rPr lang="pt-BR" dirty="0">
-                <a:latin typeface="+mj-lt"/>
-              </a:rPr>
-              <a:t> main()</a:t>
-            </a:r>
-          </a:p>
-          <a:p>
-            <a:r>
-              <a:rPr lang="pt-BR" dirty="0">
-                <a:latin typeface="+mj-lt"/>
-              </a:rPr>
-              <a:t>{</a:t>
-            </a:r>
-          </a:p>
-          <a:p>
-            <a:r>
-              <a:rPr lang="pt-BR" dirty="0">
-                <a:latin typeface="+mj-lt"/>
-              </a:rPr>
-              <a:t>}  </a:t>
-            </a:r>
-            <a:r>
-              <a:rPr lang="pt-BR" dirty="0">
-                <a:solidFill>
-                  <a:schemeClr val="tx1">
-                    <a:lumMod val="50000"/>
-                  </a:schemeClr>
-                </a:solidFill>
-                <a:latin typeface="+mj-lt"/>
-              </a:rPr>
-              <a:t>// sem retorno explícito = return 0;   </a:t>
-            </a:r>
-            <a:r>
-              <a:rPr lang="pt-BR" sz="3200" dirty="0">
-                <a:solidFill>
-                  <a:srgbClr val="00B050"/>
-                </a:solidFill>
-              </a:rPr>
-              <a:t>√</a:t>
-            </a:r>
-            <a:endParaRPr lang="pt-BR" dirty="0">
-              <a:solidFill>
-                <a:schemeClr val="tx1">
-                  <a:lumMod val="50000"/>
-                </a:schemeClr>
-              </a:solidFill>
-            </a:endParaRPr>
-          </a:p>
-        </p:txBody>
-      </p:sp>
+              </a:endParaRPr>
+            </a:p>
+          </p:txBody>
+        </p:sp>
+      </p:grpSp>
     </p:spTree>
   </p:cSld>
   <p:clrMapOvr>
@@ -10233,16 +11191,13 @@
               </a:rPr>
               <a:t>barras duplas</a:t>
             </a:r>
-            <a:r>
-              <a:rPr lang="pt-BR" baseline="30000" dirty="0">
-                <a:solidFill>
-                  <a:schemeClr val="accent3">
-                    <a:lumMod val="75000"/>
-                  </a:schemeClr>
-                </a:solidFill>
-              </a:rPr>
-              <a:t>*</a:t>
-            </a:r>
+            <a:endParaRPr lang="pt-BR" baseline="30000" dirty="0">
+              <a:solidFill>
+                <a:schemeClr val="accent3">
+                  <a:lumMod val="75000"/>
+                </a:schemeClr>
+              </a:solidFill>
+            </a:endParaRPr>
           </a:p>
           <a:p>
             <a:endParaRPr lang="pt-BR" dirty="0"/>
@@ -10360,6 +11315,87 @@
       </p:grpSpPr>
       <p:sp>
         <p:nvSpPr>
+          <p:cNvPr id="3" name="Espaço Reservado para Conteúdo 2"/>
+          <p:cNvSpPr>
+            <a:spLocks noGrp="1"/>
+          </p:cNvSpPr>
+          <p:nvPr>
+            <p:ph idx="1"/>
+          </p:nvPr>
+        </p:nvSpPr>
+        <p:spPr/>
+        <p:txBody>
+          <a:bodyPr/>
+          <a:lstStyle/>
+          <a:p>
+            <a:r>
+              <a:rPr lang="pt-BR" dirty="0"/>
+              <a:t>C++ também aceita comentários no </a:t>
+            </a:r>
+            <a:r>
+              <a:rPr lang="pt-BR" dirty="0">
+                <a:solidFill>
+                  <a:schemeClr val="accent3">
+                    <a:lumMod val="75000"/>
+                  </a:schemeClr>
+                </a:solidFill>
+              </a:rPr>
+              <a:t>estilo da linguagem C</a:t>
+            </a:r>
+          </a:p>
+          <a:p>
+            <a:pPr lvl="1"/>
+            <a:r>
+              <a:rPr lang="pt-BR" baseline="0" dirty="0"/>
+              <a:t>Iniciando com </a:t>
+            </a:r>
+            <a:r>
+              <a:rPr lang="pt-BR" baseline="0" dirty="0">
+                <a:latin typeface="+mj-lt"/>
+              </a:rPr>
+              <a:t>/*</a:t>
+            </a:r>
+            <a:endParaRPr lang="pt-BR" dirty="0">
+              <a:latin typeface="+mj-lt"/>
+            </a:endParaRPr>
+          </a:p>
+          <a:p>
+            <a:pPr lvl="1"/>
+            <a:r>
+              <a:rPr lang="pt-BR" baseline="0" dirty="0">
+                <a:latin typeface="+mj-lt"/>
+              </a:rPr>
+              <a:t>F</a:t>
+            </a:r>
+            <a:r>
+              <a:rPr lang="pt-BR" baseline="0" dirty="0"/>
+              <a:t>inalizando com </a:t>
+            </a:r>
+            <a:r>
+              <a:rPr lang="pt-BR" baseline="0" dirty="0">
+                <a:latin typeface="+mj-lt"/>
+              </a:rPr>
+              <a:t>*/</a:t>
+            </a:r>
+            <a:endParaRPr lang="pt-BR" baseline="30000" dirty="0">
+              <a:solidFill>
+                <a:schemeClr val="accent3">
+                  <a:lumMod val="75000"/>
+                </a:schemeClr>
+              </a:solidFill>
+              <a:latin typeface="+mj-lt"/>
+            </a:endParaRPr>
+          </a:p>
+          <a:p>
+            <a:endParaRPr lang="pt-BR" dirty="0"/>
+          </a:p>
+          <a:p>
+            <a:endParaRPr lang="pt-BR" dirty="0"/>
+          </a:p>
+        </p:txBody>
+      </p:sp>
+      <p:sp>
+        <p:nvSpPr>
           <p:cNvPr id="2" name="Título 1"/>
           <p:cNvSpPr>
             <a:spLocks noGrp="1"/>
@@ -10375,115 +11411,8 @@
           <a:p>
             <a:r>
               <a:rPr lang="pt-BR" dirty="0"/>
-              <a:t>O Pré-processador de C++</a:t>
-            </a:r>
-          </a:p>
-        </p:txBody>
-      </p:sp>
-      <p:sp>
-        <p:nvSpPr>
-          <p:cNvPr id="3" name="Espaço Reservado para Conteúdo 2"/>
-          <p:cNvSpPr>
-            <a:spLocks noGrp="1"/>
-          </p:cNvSpPr>
-          <p:nvPr>
-            <p:ph idx="1"/>
-          </p:nvPr>
-        </p:nvSpPr>
-        <p:spPr/>
-        <p:txBody>
-          <a:bodyPr/>
-          <a:lstStyle/>
-          <a:p>
-            <a:r>
-              <a:rPr lang="pt-BR" dirty="0"/>
-              <a:t>Um </a:t>
-            </a:r>
-            <a:r>
-              <a:rPr lang="pt-BR" dirty="0">
-                <a:solidFill>
-                  <a:schemeClr val="accent3">
-                    <a:lumMod val="75000"/>
-                  </a:schemeClr>
-                </a:solidFill>
-              </a:rPr>
-              <a:t>pré-processador</a:t>
-            </a:r>
-            <a:r>
-              <a:rPr lang="pt-BR" dirty="0"/>
-              <a:t> é um programa que processa (modifica) o código fonte antes da compilação</a:t>
-            </a:r>
-          </a:p>
-          <a:p>
-            <a:pPr lvl="1"/>
-            <a:r>
-              <a:rPr lang="pt-BR" dirty="0"/>
-              <a:t>O </a:t>
-            </a:r>
-            <a:r>
-              <a:rPr lang="pt-BR" dirty="0" err="1"/>
-              <a:t>pré</a:t>
-            </a:r>
-            <a:r>
-              <a:rPr lang="pt-BR" dirty="0"/>
-              <a:t>-processador trata as </a:t>
-            </a:r>
-            <a:r>
-              <a:rPr lang="pt-BR" dirty="0">
-                <a:solidFill>
-                  <a:schemeClr val="accent3">
-                    <a:lumMod val="75000"/>
-                  </a:schemeClr>
-                </a:solidFill>
-              </a:rPr>
-              <a:t>diretivas</a:t>
-            </a:r>
-            <a:r>
-              <a:rPr lang="pt-BR" dirty="0"/>
-              <a:t> que iniciam com o símbolo </a:t>
-            </a:r>
-            <a:r>
-              <a:rPr lang="pt-BR" dirty="0">
-                <a:solidFill>
-                  <a:schemeClr val="accent3">
-                    <a:lumMod val="75000"/>
-                  </a:schemeClr>
-                </a:solidFill>
-              </a:rPr>
-              <a:t>#</a:t>
-            </a:r>
-          </a:p>
-          <a:p>
-            <a:endParaRPr lang="pt-BR" dirty="0"/>
-          </a:p>
-          <a:p>
-            <a:r>
-              <a:rPr lang="pt-BR" dirty="0"/>
-              <a:t>A diretiva </a:t>
-            </a:r>
-            <a:r>
-              <a:rPr lang="pt-BR" dirty="0">
-                <a:solidFill>
-                  <a:schemeClr val="accent3">
-                    <a:lumMod val="75000"/>
-                  </a:schemeClr>
-                </a:solidFill>
-              </a:rPr>
-              <a:t>#include</a:t>
-            </a:r>
-            <a:r>
-              <a:rPr lang="pt-BR" dirty="0"/>
-              <a:t> adiciona o conteúdo de um arquivo ao código fonte do programa</a:t>
-            </a:r>
-          </a:p>
-          <a:p>
-            <a:endParaRPr lang="pt-BR" dirty="0">
-              <a:solidFill>
-                <a:schemeClr val="accent3">
-                  <a:lumMod val="75000"/>
-                </a:schemeClr>
-              </a:solidFill>
-            </a:endParaRPr>
+              <a:t>Comentários</a:t>
+            </a:r>
           </a:p>
         </p:txBody>
       </p:sp>
@@ -10495,8 +11424,8 @@
         </p:nvSpPr>
         <p:spPr>
           <a:xfrm>
-            <a:off x="1631504" y="4941168"/>
-            <a:ext cx="5602816" cy="830997"/>
+            <a:off x="2135560" y="3541658"/>
+            <a:ext cx="3857146" cy="1477328"/>
           </a:xfrm>
           <a:prstGeom prst="rect">
             <a:avLst/>
@@ -10509,52 +11438,408 @@
           <a:lstStyle/>
           <a:p>
             <a:r>
-              <a:rPr lang="pt-BR" sz="2400" dirty="0">
+              <a:rPr lang="pt-BR" dirty="0">
                 <a:solidFill>
                   <a:schemeClr val="tx1">
                     <a:lumMod val="50000"/>
                   </a:schemeClr>
                 </a:solidFill>
-              </a:rPr>
-              <a:t>// adiciona o arquivo iostream ao programa</a:t>
-            </a:r>
-          </a:p>
-          <a:p>
-            <a:r>
-              <a:rPr lang="pt-BR" sz="2400" dirty="0">
-                <a:solidFill>
-                  <a:schemeClr val="accent3">
-                    <a:lumMod val="75000"/>
-                  </a:schemeClr>
-                </a:solidFill>
                 <a:latin typeface="+mj-lt"/>
               </a:rPr>
-              <a:t>#include </a:t>
-            </a:r>
-            <a:r>
-              <a:rPr lang="pt-BR" sz="2400" dirty="0">
-                <a:solidFill>
-                  <a:schemeClr val="accent2">
-                    <a:lumMod val="60000"/>
-                    <a:lumOff val="40000"/>
+              <a:t>/* </a:t>
+            </a:r>
+          </a:p>
+          <a:p>
+            <a:r>
+              <a:rPr lang="pt-BR" dirty="0">
+                <a:solidFill>
+                  <a:schemeClr val="tx1">
+                    <a:lumMod val="50000"/>
                   </a:schemeClr>
                 </a:solidFill>
                 <a:latin typeface="+mj-lt"/>
               </a:rPr>
-              <a:t>&lt;iostream&gt;</a:t>
-            </a:r>
-            <a:endParaRPr lang="pt-BR" sz="2400" dirty="0">
-              <a:solidFill>
-                <a:schemeClr val="tx1">
-                  <a:lumMod val="50000"/>
-                </a:schemeClr>
-              </a:solidFill>
+              <a:t>   comentários na linguagem C</a:t>
+            </a:r>
+            <a:br>
+              <a:rPr lang="pt-BR" dirty="0">
+                <a:solidFill>
+                  <a:schemeClr val="tx1">
+                    <a:lumMod val="50000"/>
+                  </a:schemeClr>
+                </a:solidFill>
+                <a:latin typeface="+mj-lt"/>
+              </a:rPr>
+            </a:br>
+            <a:r>
+              <a:rPr lang="pt-BR" dirty="0">
+                <a:solidFill>
+                  <a:schemeClr val="tx1">
+                    <a:lumMod val="50000"/>
+                  </a:schemeClr>
+                </a:solidFill>
+                <a:latin typeface="+mj-lt"/>
+              </a:rPr>
+              <a:t>   podem ocupar várias</a:t>
+            </a:r>
+          </a:p>
+          <a:p>
+            <a:r>
+              <a:rPr lang="pt-BR" dirty="0">
+                <a:solidFill>
+                  <a:schemeClr val="tx1">
+                    <a:lumMod val="50000"/>
+                  </a:schemeClr>
+                </a:solidFill>
+                <a:latin typeface="+mj-lt"/>
+              </a:rPr>
+              <a:t>   linhas </a:t>
+            </a:r>
+          </a:p>
+          <a:p>
+            <a:r>
+              <a:rPr lang="pt-BR" dirty="0">
+                <a:solidFill>
+                  <a:schemeClr val="tx1">
+                    <a:lumMod val="50000"/>
+                  </a:schemeClr>
+                </a:solidFill>
+                <a:latin typeface="+mj-lt"/>
+              </a:rPr>
+              <a:t>*/</a:t>
+            </a:r>
+            <a:endParaRPr lang="pt-BR" dirty="0">
               <a:latin typeface="+mj-lt"/>
             </a:endParaRPr>
           </a:p>
         </p:txBody>
       </p:sp>
+      <p:sp>
+        <p:nvSpPr>
+          <p:cNvPr id="9" name="Retângulo 8">
+            <a:extLst>
+              <a:ext uri="{FF2B5EF4-FFF2-40B4-BE49-F238E27FC236}">
+                <a16:creationId xmlns:a16="http://schemas.microsoft.com/office/drawing/2014/main" id="{1AE3EC0B-EF55-488B-9F80-B7D8156992A9}"/>
+              </a:ext>
+            </a:extLst>
+          </p:cNvPr>
+          <p:cNvSpPr/>
+          <p:nvPr/>
+        </p:nvSpPr>
+        <p:spPr>
+          <a:xfrm>
+            <a:off x="6456040" y="2780928"/>
+            <a:ext cx="3730508" cy="923330"/>
+          </a:xfrm>
+          <a:prstGeom prst="rect">
+            <a:avLst/>
+          </a:prstGeom>
+        </p:spPr>
+        <p:txBody>
+          <a:bodyPr wrap="none">
+            <a:spAutoFit/>
+          </a:bodyPr>
+          <a:lstStyle/>
+          <a:p>
+            <a:r>
+              <a:rPr lang="pt-BR" dirty="0">
+                <a:solidFill>
+                  <a:schemeClr val="tx1">
+                    <a:lumMod val="50000"/>
+                  </a:schemeClr>
+                </a:solidFill>
+                <a:latin typeface="+mj-lt"/>
+              </a:rPr>
+              <a:t>/* comentários em C permitem</a:t>
+            </a:r>
+            <a:br>
+              <a:rPr lang="pt-BR" dirty="0">
+                <a:solidFill>
+                  <a:schemeClr val="tx1">
+                    <a:lumMod val="50000"/>
+                  </a:schemeClr>
+                </a:solidFill>
+                <a:latin typeface="+mj-lt"/>
+              </a:rPr>
+            </a:br>
+            <a:r>
+              <a:rPr lang="pt-BR" dirty="0">
+                <a:solidFill>
+                  <a:schemeClr val="tx1">
+                    <a:lumMod val="50000"/>
+                  </a:schemeClr>
+                </a:solidFill>
+                <a:latin typeface="+mj-lt"/>
+              </a:rPr>
+              <a:t>   vários estilos de </a:t>
+            </a:r>
+            <a:br>
+              <a:rPr lang="pt-BR" dirty="0">
+                <a:solidFill>
+                  <a:schemeClr val="tx1">
+                    <a:lumMod val="50000"/>
+                  </a:schemeClr>
+                </a:solidFill>
+                <a:latin typeface="+mj-lt"/>
+              </a:rPr>
+            </a:br>
+            <a:r>
+              <a:rPr lang="pt-BR" dirty="0">
+                <a:solidFill>
+                  <a:schemeClr val="tx1">
+                    <a:lumMod val="50000"/>
+                  </a:schemeClr>
+                </a:solidFill>
+                <a:latin typeface="+mj-lt"/>
+              </a:rPr>
+              <a:t>   organização */</a:t>
+            </a:r>
+            <a:endParaRPr lang="pt-BR" dirty="0">
+              <a:latin typeface="+mj-lt"/>
+            </a:endParaRPr>
+          </a:p>
+        </p:txBody>
+      </p:sp>
+      <p:sp>
+        <p:nvSpPr>
+          <p:cNvPr id="10" name="Retângulo 9">
+            <a:extLst>
+              <a:ext uri="{FF2B5EF4-FFF2-40B4-BE49-F238E27FC236}">
+                <a16:creationId xmlns:a16="http://schemas.microsoft.com/office/drawing/2014/main" id="{007CF883-1194-4BC5-AC7F-FDF09580709A}"/>
+              </a:ext>
+            </a:extLst>
+          </p:cNvPr>
+          <p:cNvSpPr/>
+          <p:nvPr/>
+        </p:nvSpPr>
+        <p:spPr>
+          <a:xfrm>
+            <a:off x="7320136" y="5031115"/>
+            <a:ext cx="3223959" cy="923330"/>
+          </a:xfrm>
+          <a:prstGeom prst="rect">
+            <a:avLst/>
+          </a:prstGeom>
+        </p:spPr>
+        <p:txBody>
+          <a:bodyPr wrap="none">
+            <a:spAutoFit/>
+          </a:bodyPr>
+          <a:lstStyle/>
+          <a:p>
+            <a:r>
+              <a:rPr lang="pt-BR" dirty="0">
+                <a:solidFill>
+                  <a:schemeClr val="tx1">
+                    <a:lumMod val="50000"/>
+                  </a:schemeClr>
+                </a:solidFill>
+                <a:latin typeface="+mj-lt"/>
+              </a:rPr>
+              <a:t>/* porém é preciso ficar</a:t>
+            </a:r>
+            <a:br>
+              <a:rPr lang="pt-BR" dirty="0">
+                <a:solidFill>
+                  <a:schemeClr val="tx1">
+                    <a:lumMod val="50000"/>
+                  </a:schemeClr>
+                </a:solidFill>
+                <a:latin typeface="+mj-lt"/>
+              </a:rPr>
+            </a:br>
+            <a:r>
+              <a:rPr lang="pt-BR" dirty="0">
+                <a:solidFill>
+                  <a:schemeClr val="tx1">
+                    <a:lumMod val="50000"/>
+                  </a:schemeClr>
+                </a:solidFill>
+                <a:latin typeface="+mj-lt"/>
+              </a:rPr>
+              <a:t>   atento para não</a:t>
+            </a:r>
+            <a:br>
+              <a:rPr lang="pt-BR" dirty="0">
+                <a:solidFill>
+                  <a:schemeClr val="tx1">
+                    <a:lumMod val="50000"/>
+                  </a:schemeClr>
+                </a:solidFill>
+                <a:latin typeface="+mj-lt"/>
+              </a:rPr>
+            </a:br>
+            <a:r>
+              <a:rPr lang="pt-BR" dirty="0">
+                <a:solidFill>
+                  <a:schemeClr val="tx1">
+                    <a:lumMod val="50000"/>
+                  </a:schemeClr>
+                </a:solidFill>
+                <a:latin typeface="+mj-lt"/>
+              </a:rPr>
+              <a:t>   cometer erros /*</a:t>
+            </a:r>
+            <a:endParaRPr lang="pt-BR" dirty="0">
+              <a:latin typeface="+mj-lt"/>
+            </a:endParaRPr>
+          </a:p>
+        </p:txBody>
+      </p:sp>
+      <p:sp>
+        <p:nvSpPr>
+          <p:cNvPr id="11" name="Retângulo 10">
+            <a:extLst>
+              <a:ext uri="{FF2B5EF4-FFF2-40B4-BE49-F238E27FC236}">
+                <a16:creationId xmlns:a16="http://schemas.microsoft.com/office/drawing/2014/main" id="{00F4F81E-244D-4601-B41D-EA608826E798}"/>
+              </a:ext>
+            </a:extLst>
+          </p:cNvPr>
+          <p:cNvSpPr/>
+          <p:nvPr/>
+        </p:nvSpPr>
+        <p:spPr>
+          <a:xfrm>
+            <a:off x="6456040" y="4103072"/>
+            <a:ext cx="3603872" cy="369332"/>
+          </a:xfrm>
+          <a:prstGeom prst="rect">
+            <a:avLst/>
+          </a:prstGeom>
+        </p:spPr>
+        <p:txBody>
+          <a:bodyPr wrap="none">
+            <a:spAutoFit/>
+          </a:bodyPr>
+          <a:lstStyle/>
+          <a:p>
+            <a:r>
+              <a:rPr lang="pt-BR" dirty="0">
+                <a:solidFill>
+                  <a:schemeClr val="tx1">
+                    <a:lumMod val="50000"/>
+                  </a:schemeClr>
+                </a:solidFill>
+                <a:latin typeface="+mj-lt"/>
+              </a:rPr>
+              <a:t>/*** comentário válido ***/</a:t>
+            </a:r>
+            <a:endParaRPr lang="pt-BR" dirty="0">
+              <a:latin typeface="+mj-lt"/>
+            </a:endParaRPr>
+          </a:p>
+        </p:txBody>
+      </p:sp>
+      <p:sp>
+        <p:nvSpPr>
+          <p:cNvPr id="12" name="Retângulo 11">
+            <a:extLst>
+              <a:ext uri="{FF2B5EF4-FFF2-40B4-BE49-F238E27FC236}">
+                <a16:creationId xmlns:a16="http://schemas.microsoft.com/office/drawing/2014/main" id="{F74EC1B5-4311-44F2-8595-33E9C9B4E719}"/>
+              </a:ext>
+            </a:extLst>
+          </p:cNvPr>
+          <p:cNvSpPr/>
+          <p:nvPr/>
+        </p:nvSpPr>
+        <p:spPr>
+          <a:xfrm>
+            <a:off x="3621107" y="4807855"/>
+            <a:ext cx="3097323" cy="1477328"/>
+          </a:xfrm>
+          <a:prstGeom prst="rect">
+            <a:avLst/>
+          </a:prstGeom>
+        </p:spPr>
+        <p:txBody>
+          <a:bodyPr wrap="none">
+            <a:spAutoFit/>
+          </a:bodyPr>
+          <a:lstStyle/>
+          <a:p>
+            <a:r>
+              <a:rPr lang="pt-BR" dirty="0">
+                <a:solidFill>
+                  <a:schemeClr val="tx1">
+                    <a:lumMod val="50000"/>
+                  </a:schemeClr>
+                </a:solidFill>
+                <a:latin typeface="+mj-lt"/>
+              </a:rPr>
+              <a:t>/* </a:t>
+            </a:r>
+          </a:p>
+          <a:p>
+            <a:r>
+              <a:rPr lang="pt-BR" dirty="0">
+                <a:solidFill>
+                  <a:schemeClr val="tx1">
+                    <a:lumMod val="50000"/>
+                  </a:schemeClr>
+                </a:solidFill>
+                <a:latin typeface="+mj-lt"/>
+              </a:rPr>
+              <a:t>======================</a:t>
+            </a:r>
+          </a:p>
+          <a:p>
+            <a:r>
+              <a:rPr lang="pt-BR" dirty="0">
+                <a:solidFill>
+                  <a:schemeClr val="tx1">
+                    <a:lumMod val="50000"/>
+                  </a:schemeClr>
+                </a:solidFill>
+                <a:latin typeface="+mj-lt"/>
+              </a:rPr>
+              <a:t>comentário em destaque </a:t>
+            </a:r>
+            <a:br>
+              <a:rPr lang="pt-BR" dirty="0">
+                <a:solidFill>
+                  <a:schemeClr val="tx1">
+                    <a:lumMod val="50000"/>
+                  </a:schemeClr>
+                </a:solidFill>
+                <a:latin typeface="+mj-lt"/>
+              </a:rPr>
+            </a:br>
+            <a:r>
+              <a:rPr lang="pt-BR" dirty="0">
+                <a:solidFill>
+                  <a:schemeClr val="tx1">
+                    <a:lumMod val="50000"/>
+                  </a:schemeClr>
+                </a:solidFill>
+                <a:latin typeface="+mj-lt"/>
+              </a:rPr>
+              <a:t>======================</a:t>
+            </a:r>
+          </a:p>
+          <a:p>
+            <a:r>
+              <a:rPr lang="pt-BR" dirty="0">
+                <a:solidFill>
+                  <a:schemeClr val="tx1">
+                    <a:lumMod val="50000"/>
+                  </a:schemeClr>
+                </a:solidFill>
+                <a:latin typeface="+mj-lt"/>
+              </a:rPr>
+              <a:t>*/</a:t>
+            </a:r>
+            <a:endParaRPr lang="pt-BR" dirty="0">
+              <a:latin typeface="+mj-lt"/>
+            </a:endParaRPr>
+          </a:p>
+        </p:txBody>
+      </p:sp>
     </p:spTree>
+    <p:extLst>
+      <p:ext uri="{BB962C8B-B14F-4D97-AF65-F5344CB8AC3E}">
+        <p14:creationId xmlns:p14="http://schemas.microsoft.com/office/powerpoint/2010/main" val="4240368100"/>
+      </p:ext>
+    </p:extLst>
   </p:cSld>
   <p:clrMapOvr>
     <a:masterClrMapping/>
@@ -10596,7 +11881,7 @@
           <a:p>
             <a:r>
               <a:rPr lang="pt-BR" dirty="0"/>
-              <a:t>O Arquivo iostream</a:t>
+              <a:t>O Pré-processador de C++</a:t>
             </a:r>
           </a:p>
         </p:txBody>
@@ -10618,7 +11903,7 @@
           <a:p>
             <a:r>
               <a:rPr lang="pt-BR" dirty="0"/>
-              <a:t>O arquivo </a:t>
+              <a:t>Um </a:t>
             </a:r>
             <a:r>
               <a:rPr lang="pt-BR" dirty="0">
@@ -10628,15 +11913,34 @@
                   </a:schemeClr>
                 </a:solidFill>
               </a:rPr>
-              <a:t>iostream</a:t>
+              <a:t>pré-processador</a:t>
             </a:r>
             <a:r>
               <a:rPr lang="pt-BR" dirty="0"/>
-              <a:t> contém as definições das funções de entrada e saída de dados</a:t>
+              <a:t> é um programa que processa </a:t>
+            </a:r>
+            <a:br>
+              <a:rPr lang="pt-BR" dirty="0"/>
+            </a:br>
+            <a:r>
+              <a:rPr lang="pt-BR" dirty="0"/>
+              <a:t>(modifica) o código fonte antes da compilação</a:t>
             </a:r>
           </a:p>
           <a:p>
             <a:pPr lvl="1"/>
+            <a:r>
+              <a:rPr lang="pt-BR" dirty="0"/>
+              <a:t>O </a:t>
+            </a:r>
+            <a:r>
+              <a:rPr lang="pt-BR" dirty="0" err="1"/>
+              <a:t>pré</a:t>
+            </a:r>
+            <a:r>
+              <a:rPr lang="pt-BR" dirty="0"/>
+              <a:t>-processador trata as </a:t>
+            </a:r>
             <a:r>
               <a:rPr lang="pt-BR" dirty="0">
                 <a:solidFill>
@@ -10645,15 +11949,12 @@
                   </a:schemeClr>
                 </a:solidFill>
               </a:rPr>
-              <a:t>i</a:t>
+              <a:t>diretivas</a:t>
             </a:r>
             <a:r>
               <a:rPr lang="pt-BR" dirty="0"/>
-              <a:t> = input (entrada)</a:t>
-            </a:r>
-          </a:p>
-          <a:p>
-            <a:pPr lvl="1"/>
+              <a:t> que iniciam com </a:t>
+            </a:r>
             <a:r>
               <a:rPr lang="pt-BR" dirty="0">
                 <a:solidFill>
@@ -10662,15 +11963,17 @@
                   </a:schemeClr>
                 </a:solidFill>
               </a:rPr>
-              <a:t>o</a:t>
-            </a:r>
+              <a:t>#</a:t>
+            </a:r>
+          </a:p>
+          <a:p>
+            <a:endParaRPr lang="pt-BR" dirty="0"/>
+          </a:p>
+          <a:p>
             <a:r>
               <a:rPr lang="pt-BR" dirty="0"/>
-              <a:t> = output (saída)</a:t>
-            </a:r>
-          </a:p>
-          <a:p>
-            <a:pPr lvl="1"/>
+              <a:t>A diretiva </a:t>
+            </a:r>
             <a:r>
               <a:rPr lang="pt-BR" dirty="0">
                 <a:solidFill>
@@ -10679,60 +11982,21 @@
                   </a:schemeClr>
                 </a:solidFill>
               </a:rPr>
-              <a:t>stream</a:t>
+              <a:t>#include</a:t>
             </a:r>
             <a:r>
               <a:rPr lang="pt-BR" dirty="0"/>
-              <a:t> = fluxo ou canal</a:t>
-            </a:r>
-          </a:p>
-          <a:p>
-            <a:r>
-              <a:rPr lang="pt-BR" dirty="0"/>
-              <a:t>Programas que usam </a:t>
-            </a:r>
-            <a:r>
-              <a:rPr lang="pt-BR" dirty="0">
-                <a:solidFill>
-                  <a:schemeClr val="accent3">
-                    <a:lumMod val="75000"/>
-                  </a:schemeClr>
-                </a:solidFill>
-              </a:rPr>
-              <a:t>cin</a:t>
-            </a:r>
-            <a:r>
-              <a:rPr lang="pt-BR" dirty="0"/>
-              <a:t> e </a:t>
-            </a:r>
-            <a:r>
-              <a:rPr lang="pt-BR" dirty="0">
-                <a:solidFill>
-                  <a:schemeClr val="accent3">
-                    <a:lumMod val="75000"/>
-                  </a:schemeClr>
-                </a:solidFill>
-              </a:rPr>
-              <a:t>cout</a:t>
-            </a:r>
-            <a:r>
-              <a:rPr lang="pt-BR" dirty="0"/>
-              <a:t> para </a:t>
-            </a:r>
-            <a:r>
-              <a:rPr lang="pt-BR" dirty="0">
-                <a:solidFill>
-                  <a:schemeClr val="accent3">
-                    <a:lumMod val="75000"/>
-                  </a:schemeClr>
-                </a:solidFill>
-              </a:rPr>
-              <a:t>entrada e saída</a:t>
-            </a:r>
-            <a:r>
-              <a:rPr lang="pt-BR" dirty="0"/>
-              <a:t> de dados devem incluir o arquivo iostream</a:t>
-            </a:r>
+              <a:t> adiciona o conteúdo de um arquivo ao código fonte do programa</a:t>
+            </a:r>
+          </a:p>
+          <a:p>
+            <a:endParaRPr lang="pt-BR" dirty="0">
+              <a:solidFill>
+                <a:schemeClr val="accent3">
+                  <a:lumMod val="75000"/>
+                </a:schemeClr>
+              </a:solidFill>
+            </a:endParaRPr>
           </a:p>
         </p:txBody>
       </p:sp>
@@ -10744,8 +12008,8 @@
         </p:nvSpPr>
         <p:spPr>
           <a:xfrm>
-            <a:off x="1703512" y="5301208"/>
-            <a:ext cx="4315605" cy="830997"/>
+            <a:off x="1919536" y="5085184"/>
+            <a:ext cx="5503430" cy="646331"/>
           </a:xfrm>
           <a:prstGeom prst="rect">
             <a:avLst/>
@@ -10758,19 +12022,20 @@
           <a:lstStyle/>
           <a:p>
             <a:r>
-              <a:rPr lang="pt-BR" sz="2400" dirty="0">
+              <a:rPr lang="pt-BR" dirty="0">
                 <a:solidFill>
                   <a:schemeClr val="tx1">
                     <a:lumMod val="50000"/>
                   </a:schemeClr>
                 </a:solidFill>
-              </a:rPr>
-              <a:t>//  necessário para usar cin e cout</a:t>
-            </a:r>
-          </a:p>
-          <a:p>
-            <a:r>
-              <a:rPr lang="pt-BR" sz="2400" dirty="0">
+                <a:latin typeface="+mj-lt"/>
+              </a:rPr>
+              <a:t>// adiciona o arquivo iostream ao programa</a:t>
+            </a:r>
+          </a:p>
+          <a:p>
+            <a:r>
+              <a:rPr lang="pt-BR" dirty="0">
                 <a:solidFill>
                   <a:schemeClr val="accent3">
                     <a:lumMod val="75000"/>
@@ -10781,7 +12046,7 @@
               <a:t>#include </a:t>
             </a:r>
             <a:r>
-              <a:rPr lang="pt-BR" sz="2400" dirty="0">
+              <a:rPr lang="pt-BR" dirty="0">
                 <a:solidFill>
                   <a:schemeClr val="accent2">
                     <a:lumMod val="60000"/>
@@ -10792,7 +12057,7 @@
               </a:rPr>
               <a:t>&lt;iostream&gt;</a:t>
             </a:r>
-            <a:endParaRPr lang="pt-BR" sz="2400" dirty="0">
+            <a:endParaRPr lang="pt-BR" dirty="0">
               <a:solidFill>
                 <a:schemeClr val="tx1">
                   <a:lumMod val="50000"/>
@@ -10845,7 +12110,7 @@
           <a:p>
             <a:r>
               <a:rPr lang="pt-BR" dirty="0"/>
-              <a:t>Arquivos de Cabeçalho</a:t>
+              <a:t>O Arquivo iostream</a:t>
             </a:r>
           </a:p>
         </p:txBody>
@@ -10862,14 +12127,12 @@
         </p:nvSpPr>
         <p:spPr/>
         <p:txBody>
-          <a:bodyPr>
-            <a:normAutofit/>
-          </a:bodyPr>
+          <a:bodyPr/>
           <a:lstStyle/>
           <a:p>
             <a:r>
               <a:rPr lang="pt-BR" dirty="0"/>
-              <a:t>Arquivos como </a:t>
+              <a:t>O arquivo </a:t>
             </a:r>
             <a:r>
               <a:rPr lang="pt-BR" dirty="0">
@@ -10883,15 +12146,18 @@
             </a:r>
             <a:r>
               <a:rPr lang="pt-BR" dirty="0"/>
-              <a:t> são chamados:</a:t>
-            </a:r>
-          </a:p>
-          <a:p>
-            <a:pPr lvl="1"/>
-            <a:r>
+              <a:t> contém as definições das funções </a:t>
+            </a:r>
+            <a:br>
               <a:rPr lang="pt-BR" dirty="0"/>
-              <a:t>Arquivos de cabeçalho (</a:t>
-            </a:r>
+            </a:br>
+            <a:r>
+              <a:rPr lang="pt-BR" dirty="0"/>
+              <a:t>de entrada e saída de dados</a:t>
+            </a:r>
+          </a:p>
+          <a:p>
+            <a:pPr lvl="2"/>
             <a:r>
               <a:rPr lang="pt-BR" dirty="0">
                 <a:solidFill>
@@ -10900,19 +12166,15 @@
                   </a:schemeClr>
                 </a:solidFill>
               </a:rPr>
-              <a:t>header files</a:t>
+              <a:t>i</a:t>
             </a:r>
             <a:r>
               <a:rPr lang="pt-BR" dirty="0"/>
-              <a:t>) ou</a:t>
-            </a:r>
-          </a:p>
-          <a:p>
-            <a:pPr lvl="1"/>
-            <a:r>
-              <a:rPr lang="pt-BR" dirty="0"/>
-              <a:t>Arquivos de inclusão (</a:t>
-            </a:r>
+              <a:t> = input (entrada)</a:t>
+            </a:r>
+          </a:p>
+          <a:p>
+            <a:pPr lvl="2"/>
             <a:r>
               <a:rPr lang="pt-BR" dirty="0">
                 <a:solidFill>
@@ -10921,18 +12183,15 @@
                   </a:schemeClr>
                 </a:solidFill>
               </a:rPr>
-              <a:t>include files</a:t>
+              <a:t>o</a:t>
             </a:r>
             <a:r>
               <a:rPr lang="pt-BR" dirty="0"/>
-              <a:t>) </a:t>
-            </a:r>
-          </a:p>
-          <a:p>
-            <a:r>
-              <a:rPr lang="pt-BR" dirty="0"/>
-              <a:t>A tradição era usar a </a:t>
-            </a:r>
+              <a:t> = output (saída)</a:t>
+            </a:r>
+          </a:p>
+          <a:p>
+            <a:pPr lvl="2"/>
             <a:r>
               <a:rPr lang="pt-BR" dirty="0">
                 <a:solidFill>
@@ -10941,80 +12200,253 @@
                   </a:schemeClr>
                 </a:solidFill>
               </a:rPr>
-              <a:t>extensão .h </a:t>
+              <a:t>stream</a:t>
             </a:r>
             <a:r>
               <a:rPr lang="pt-BR" dirty="0"/>
-              <a:t>para estes arquivos</a:t>
-            </a:r>
-          </a:p>
-          <a:p>
-            <a:pPr lvl="1"/>
-            <a:r>
-              <a:rPr lang="pt-BR" dirty="0"/>
-              <a:t>iostream.h – funções de entrada/saída</a:t>
-            </a:r>
-          </a:p>
-          <a:p>
-            <a:pPr lvl="1"/>
-            <a:r>
-              <a:rPr lang="pt-BR" dirty="0"/>
-              <a:t>math.h – funções matemáticas</a:t>
-            </a:r>
-          </a:p>
-          <a:p>
-            <a:r>
-              <a:rPr lang="pt-BR" dirty="0"/>
-              <a:t>A convenção atual é </a:t>
-            </a:r>
-            <a:r>
-              <a:rPr lang="pt-BR" dirty="0">
+              <a:t> = fluxo ou canal</a:t>
+            </a:r>
+          </a:p>
+        </p:txBody>
+      </p:sp>
+      <p:sp>
+        <p:nvSpPr>
+          <p:cNvPr id="6" name="CaixaDeTexto 5">
+            <a:extLst>
+              <a:ext uri="{FF2B5EF4-FFF2-40B4-BE49-F238E27FC236}">
+                <a16:creationId xmlns:a16="http://schemas.microsoft.com/office/drawing/2014/main" id="{0B46B278-4EDD-4F31-8F5A-B23631B92933}"/>
+              </a:ext>
+            </a:extLst>
+          </p:cNvPr>
+          <p:cNvSpPr txBox="1"/>
+          <p:nvPr/>
+        </p:nvSpPr>
+        <p:spPr>
+          <a:xfrm>
+            <a:off x="7176120" y="4437111"/>
+            <a:ext cx="3528392" cy="1323439"/>
+          </a:xfrm>
+          <a:prstGeom prst="rect">
+            <a:avLst/>
+          </a:prstGeom>
+          <a:noFill/>
+        </p:spPr>
+        <p:txBody>
+          <a:bodyPr wrap="square">
+            <a:spAutoFit/>
+          </a:bodyPr>
+          <a:lstStyle/>
+          <a:p>
+            <a:pPr algn="ctr"/>
+            <a:r>
+              <a:rPr lang="pt-BR" sz="2000" dirty="0"/>
+              <a:t>Programas que usam </a:t>
+            </a:r>
+            <a:r>
+              <a:rPr lang="pt-BR" sz="2000" dirty="0" err="1">
                 <a:solidFill>
                   <a:schemeClr val="accent3">
                     <a:lumMod val="75000"/>
                   </a:schemeClr>
                 </a:solidFill>
               </a:rPr>
-              <a:t>não usar extensão</a:t>
-            </a:r>
-            <a:r>
-              <a:rPr lang="pt-BR" dirty="0"/>
-              <a:t> </a:t>
-            </a:r>
-            <a:r>
-              <a:rPr lang="pt-BR" dirty="0">
+              <a:t>cin</a:t>
+            </a:r>
+            <a:r>
+              <a:rPr lang="pt-BR" sz="2000" dirty="0"/>
+              <a:t> e </a:t>
+            </a:r>
+            <a:r>
+              <a:rPr lang="pt-BR" sz="2000" dirty="0">
                 <a:solidFill>
                   <a:schemeClr val="accent3">
                     <a:lumMod val="75000"/>
                   </a:schemeClr>
                 </a:solidFill>
               </a:rPr>
-              <a:t>nos arquivos padrão</a:t>
-            </a:r>
-          </a:p>
-          <a:p>
-            <a:pPr lvl="1"/>
-            <a:r>
-              <a:rPr lang="pt-BR" dirty="0"/>
-              <a:t>As extensões são usadas nos arquivos</a:t>
-            </a:r>
-            <a:r>
-              <a:rPr lang="pt-BR" dirty="0">
+              <a:t>cout</a:t>
+            </a:r>
+            <a:r>
+              <a:rPr lang="pt-BR" sz="2000" dirty="0"/>
+              <a:t> para </a:t>
+            </a:r>
+            <a:r>
+              <a:rPr lang="pt-BR" sz="2000" dirty="0">
                 <a:solidFill>
                   <a:schemeClr val="accent3">
                     <a:lumMod val="75000"/>
                   </a:schemeClr>
                 </a:solidFill>
               </a:rPr>
-              <a:t> </a:t>
-            </a:r>
-            <a:r>
-              <a:rPr lang="pt-BR" dirty="0"/>
-              <a:t>criados pelo programador</a:t>
-            </a:r>
-          </a:p>
-        </p:txBody>
-      </p:sp>
+              <a:t>entrada e saída</a:t>
+            </a:r>
+            <a:r>
+              <a:rPr lang="pt-BR" sz="2000" dirty="0"/>
+              <a:t> de dados devem incluir o arquivo </a:t>
+            </a:r>
+            <a:r>
+              <a:rPr lang="pt-BR" sz="2000" dirty="0" err="1"/>
+              <a:t>iostream</a:t>
+            </a:r>
+            <a:endParaRPr lang="pt-BR" sz="2000" dirty="0"/>
+          </a:p>
+        </p:txBody>
+      </p:sp>
+      <p:grpSp>
+        <p:nvGrpSpPr>
+          <p:cNvPr id="8" name="Agrupar 7">
+            <a:extLst>
+              <a:ext uri="{FF2B5EF4-FFF2-40B4-BE49-F238E27FC236}">
+                <a16:creationId xmlns:a16="http://schemas.microsoft.com/office/drawing/2014/main" id="{FBD70CE1-04E7-43E7-B962-4A4466C3DB4A}"/>
+              </a:ext>
+            </a:extLst>
+          </p:cNvPr>
+          <p:cNvGrpSpPr/>
+          <p:nvPr/>
+        </p:nvGrpSpPr>
+        <p:grpSpPr>
+          <a:xfrm>
+            <a:off x="2063552" y="4581128"/>
+            <a:ext cx="4752528" cy="1035407"/>
+            <a:chOff x="1847528" y="4509120"/>
+            <a:chExt cx="4752528" cy="1035407"/>
+          </a:xfrm>
+        </p:grpSpPr>
+        <p:sp>
+          <p:nvSpPr>
+            <p:cNvPr id="4" name="Retângulo 3"/>
+            <p:cNvSpPr/>
+            <p:nvPr/>
+          </p:nvSpPr>
+          <p:spPr>
+            <a:xfrm>
+              <a:off x="1991544" y="4653136"/>
+              <a:ext cx="4490332" cy="646331"/>
+            </a:xfrm>
+            <a:prstGeom prst="rect">
+              <a:avLst/>
+            </a:prstGeom>
+          </p:spPr>
+          <p:txBody>
+            <a:bodyPr wrap="none">
+              <a:spAutoFit/>
+            </a:bodyPr>
+            <a:lstStyle/>
+            <a:p>
+              <a:r>
+                <a:rPr lang="pt-BR" dirty="0">
+                  <a:solidFill>
+                    <a:schemeClr val="tx1">
+                      <a:lumMod val="50000"/>
+                    </a:schemeClr>
+                  </a:solidFill>
+                  <a:latin typeface="+mj-lt"/>
+                </a:rPr>
+                <a:t>// necessário para usar cin e cout</a:t>
+              </a:r>
+            </a:p>
+            <a:p>
+              <a:r>
+                <a:rPr lang="pt-BR" dirty="0">
+                  <a:solidFill>
+                    <a:schemeClr val="accent3">
+                      <a:lumMod val="75000"/>
+                    </a:schemeClr>
+                  </a:solidFill>
+                  <a:latin typeface="+mj-lt"/>
+                </a:rPr>
+                <a:t>#include </a:t>
+              </a:r>
+              <a:r>
+                <a:rPr lang="pt-BR" dirty="0">
+                  <a:solidFill>
+                    <a:schemeClr val="accent2">
+                      <a:lumMod val="60000"/>
+                      <a:lumOff val="40000"/>
+                    </a:schemeClr>
+                  </a:solidFill>
+                  <a:latin typeface="+mj-lt"/>
+                </a:rPr>
+                <a:t>&lt;iostream&gt;</a:t>
+              </a:r>
+              <a:endParaRPr lang="pt-BR" dirty="0">
+                <a:solidFill>
+                  <a:schemeClr val="tx1">
+                    <a:lumMod val="50000"/>
+                  </a:schemeClr>
+                </a:solidFill>
+                <a:latin typeface="+mj-lt"/>
+              </a:endParaRPr>
+            </a:p>
+          </p:txBody>
+        </p:sp>
+        <p:sp>
+          <p:nvSpPr>
+            <p:cNvPr id="7" name="Retângulo 6">
+              <a:extLst>
+                <a:ext uri="{FF2B5EF4-FFF2-40B4-BE49-F238E27FC236}">
+                  <a16:creationId xmlns:a16="http://schemas.microsoft.com/office/drawing/2014/main" id="{F934BD5C-A28D-46A5-8FCD-F9B71FF4801D}"/>
+                </a:ext>
+              </a:extLst>
+            </p:cNvPr>
+            <p:cNvSpPr/>
+            <p:nvPr/>
+          </p:nvSpPr>
+          <p:spPr>
+            <a:xfrm>
+              <a:off x="1847528" y="4509120"/>
+              <a:ext cx="4752528" cy="1035407"/>
+            </a:xfrm>
+            <a:prstGeom prst="rect">
+              <a:avLst/>
+            </a:prstGeom>
+            <a:solidFill>
+              <a:schemeClr val="bg2">
+                <a:lumMod val="50000"/>
+              </a:schemeClr>
+            </a:solidFill>
+            <a:ln>
+              <a:noFill/>
+            </a:ln>
+            <a:effectLst/>
+            <a:scene3d>
+              <a:camera prst="orthographicFront">
+                <a:rot lat="0" lon="0" rev="0"/>
+              </a:camera>
+              <a:lightRig rig="chilly" dir="t">
+                <a:rot lat="0" lon="0" rev="18480000"/>
+              </a:lightRig>
+            </a:scene3d>
+            <a:sp3d prstMaterial="clear">
+              <a:bevelT h="63500"/>
+            </a:sp3d>
+          </p:spPr>
+          <p:style>
+            <a:lnRef idx="2">
+              <a:schemeClr val="accent1">
+                <a:shade val="50000"/>
+              </a:schemeClr>
+            </a:lnRef>
+            <a:fillRef idx="1">
+              <a:schemeClr val="accent1"/>
+            </a:fillRef>
+            <a:effectRef idx="0">
+              <a:schemeClr val="accent1"/>
+            </a:effectRef>
+            <a:fontRef idx="minor">
+              <a:schemeClr val="lt1"/>
+            </a:fontRef>
+          </p:style>
+          <p:txBody>
+            <a:bodyPr rtlCol="0" anchor="ctr"/>
+            <a:lstStyle/>
+            <a:p>
+              <a:pPr algn="ctr"/>
+              <a:endParaRPr lang="pt-BR" dirty="0"/>
+            </a:p>
+          </p:txBody>
+        </p:sp>
+      </p:grpSp>
     </p:spTree>
   </p:cSld>
   <p:clrMapOvr>
@@ -11024,6 +12456,606 @@
 </file>
 
 <file path=ppt/slides/slide17.xml><?xml version="1.0" encoding="utf-8"?>
+<p:sld xmlns:a="http://schemas.openxmlformats.org/drawingml/2006/main" xmlns:r="http://schemas.openxmlformats.org/officeDocument/2006/relationships" xmlns:p="http://schemas.openxmlformats.org/presentationml/2006/main">
+  <p:cSld>
+    <p:spTree>
+      <p:nvGrpSpPr>
+        <p:cNvPr id="1" name=""/>
+        <p:cNvGrpSpPr/>
+        <p:nvPr/>
+      </p:nvGrpSpPr>
+      <p:grpSpPr>
+        <a:xfrm>
+          <a:off x="0" y="0"/>
+          <a:ext cx="0" cy="0"/>
+          <a:chOff x="0" y="0"/>
+          <a:chExt cx="0" cy="0"/>
+        </a:xfrm>
+      </p:grpSpPr>
+      <p:sp>
+        <p:nvSpPr>
+          <p:cNvPr id="6" name="Retângulo 5">
+            <a:extLst>
+              <a:ext uri="{FF2B5EF4-FFF2-40B4-BE49-F238E27FC236}">
+                <a16:creationId xmlns:a16="http://schemas.microsoft.com/office/drawing/2014/main" id="{96D6080F-8B64-43C7-805A-E9B93CFD456D}"/>
+              </a:ext>
+            </a:extLst>
+          </p:cNvPr>
+          <p:cNvSpPr/>
+          <p:nvPr/>
+        </p:nvSpPr>
+        <p:spPr>
+          <a:xfrm>
+            <a:off x="2279576" y="3645025"/>
+            <a:ext cx="3527822" cy="1944216"/>
+          </a:xfrm>
+          <a:prstGeom prst="rect">
+            <a:avLst/>
+          </a:prstGeom>
+          <a:solidFill>
+            <a:schemeClr val="bg2">
+              <a:lumMod val="50000"/>
+            </a:schemeClr>
+          </a:solidFill>
+          <a:ln>
+            <a:noFill/>
+          </a:ln>
+          <a:effectLst/>
+          <a:scene3d>
+            <a:camera prst="orthographicFront">
+              <a:rot lat="0" lon="0" rev="0"/>
+            </a:camera>
+            <a:lightRig rig="chilly" dir="t">
+              <a:rot lat="0" lon="0" rev="18480000"/>
+            </a:lightRig>
+          </a:scene3d>
+          <a:sp3d prstMaterial="clear">
+            <a:bevelT h="63500"/>
+          </a:sp3d>
+        </p:spPr>
+        <p:style>
+          <a:lnRef idx="2">
+            <a:schemeClr val="accent1">
+              <a:shade val="50000"/>
+            </a:schemeClr>
+          </a:lnRef>
+          <a:fillRef idx="1">
+            <a:schemeClr val="accent1"/>
+          </a:fillRef>
+          <a:effectRef idx="0">
+            <a:schemeClr val="accent1"/>
+          </a:effectRef>
+          <a:fontRef idx="minor">
+            <a:schemeClr val="lt1"/>
+          </a:fontRef>
+        </p:style>
+        <p:txBody>
+          <a:bodyPr rtlCol="0" anchor="ctr"/>
+          <a:lstStyle/>
+          <a:p>
+            <a:pPr algn="ctr"/>
+            <a:endParaRPr lang="pt-BR" dirty="0"/>
+          </a:p>
+        </p:txBody>
+      </p:sp>
+      <p:sp>
+        <p:nvSpPr>
+          <p:cNvPr id="2" name="Título 1"/>
+          <p:cNvSpPr>
+            <a:spLocks noGrp="1"/>
+          </p:cNvSpPr>
+          <p:nvPr>
+            <p:ph type="title"/>
+          </p:nvPr>
+        </p:nvSpPr>
+        <p:spPr/>
+        <p:txBody>
+          <a:bodyPr/>
+          <a:lstStyle/>
+          <a:p>
+            <a:r>
+              <a:rPr lang="pt-BR" dirty="0"/>
+              <a:t>Arquivos de Cabeçalho</a:t>
+            </a:r>
+          </a:p>
+        </p:txBody>
+      </p:sp>
+      <p:sp>
+        <p:nvSpPr>
+          <p:cNvPr id="3" name="Espaço Reservado para Conteúdo 2"/>
+          <p:cNvSpPr>
+            <a:spLocks noGrp="1"/>
+          </p:cNvSpPr>
+          <p:nvPr>
+            <p:ph idx="1"/>
+          </p:nvPr>
+        </p:nvSpPr>
+        <p:spPr/>
+        <p:txBody>
+          <a:bodyPr>
+            <a:normAutofit/>
+          </a:bodyPr>
+          <a:lstStyle/>
+          <a:p>
+            <a:r>
+              <a:rPr lang="pt-BR" dirty="0"/>
+              <a:t>Arquivos como </a:t>
+            </a:r>
+            <a:r>
+              <a:rPr lang="pt-BR" dirty="0">
+                <a:solidFill>
+                  <a:schemeClr val="accent3">
+                    <a:lumMod val="75000"/>
+                  </a:schemeClr>
+                </a:solidFill>
+              </a:rPr>
+              <a:t>iostream</a:t>
+            </a:r>
+            <a:r>
+              <a:rPr lang="pt-BR" dirty="0"/>
+              <a:t> são chamados:</a:t>
+            </a:r>
+          </a:p>
+          <a:p>
+            <a:pPr lvl="2"/>
+            <a:r>
+              <a:rPr lang="pt-BR" dirty="0"/>
+              <a:t>Arquivos de cabeçalho (</a:t>
+            </a:r>
+            <a:r>
+              <a:rPr lang="pt-BR" dirty="0">
+                <a:solidFill>
+                  <a:schemeClr val="accent3">
+                    <a:lumMod val="75000"/>
+                  </a:schemeClr>
+                </a:solidFill>
+              </a:rPr>
+              <a:t>header files</a:t>
+            </a:r>
+            <a:r>
+              <a:rPr lang="pt-BR" dirty="0"/>
+              <a:t>) ou</a:t>
+            </a:r>
+          </a:p>
+          <a:p>
+            <a:pPr lvl="2"/>
+            <a:r>
+              <a:rPr lang="pt-BR" dirty="0"/>
+              <a:t>Arquivos de inclusão (</a:t>
+            </a:r>
+            <a:r>
+              <a:rPr lang="pt-BR" dirty="0">
+                <a:solidFill>
+                  <a:schemeClr val="accent3">
+                    <a:lumMod val="75000"/>
+                  </a:schemeClr>
+                </a:solidFill>
+              </a:rPr>
+              <a:t>include files</a:t>
+            </a:r>
+            <a:r>
+              <a:rPr lang="pt-BR" dirty="0"/>
+              <a:t>) </a:t>
+            </a:r>
+          </a:p>
+        </p:txBody>
+      </p:sp>
+      <p:sp>
+        <p:nvSpPr>
+          <p:cNvPr id="4" name="Retângulo 3">
+            <a:extLst>
+              <a:ext uri="{FF2B5EF4-FFF2-40B4-BE49-F238E27FC236}">
+                <a16:creationId xmlns:a16="http://schemas.microsoft.com/office/drawing/2014/main" id="{3752E675-1A52-45FE-8135-BA187801E215}"/>
+              </a:ext>
+            </a:extLst>
+          </p:cNvPr>
+          <p:cNvSpPr/>
+          <p:nvPr/>
+        </p:nvSpPr>
+        <p:spPr>
+          <a:xfrm>
+            <a:off x="2423592" y="3695435"/>
+            <a:ext cx="3600400" cy="1754326"/>
+          </a:xfrm>
+          <a:prstGeom prst="rect">
+            <a:avLst/>
+          </a:prstGeom>
+        </p:spPr>
+        <p:txBody>
+          <a:bodyPr wrap="square">
+            <a:spAutoFit/>
+          </a:bodyPr>
+          <a:lstStyle/>
+          <a:p>
+            <a:r>
+              <a:rPr lang="pt-BR" dirty="0">
+                <a:solidFill>
+                  <a:schemeClr val="accent3">
+                    <a:lumMod val="75000"/>
+                  </a:schemeClr>
+                </a:solidFill>
+                <a:latin typeface="Consolas" panose="020B0609020204030204" pitchFamily="49" charset="0"/>
+              </a:rPr>
+              <a:t>#include </a:t>
+            </a:r>
+            <a:r>
+              <a:rPr lang="pt-BR" dirty="0">
+                <a:solidFill>
+                  <a:schemeClr val="accent2">
+                    <a:lumMod val="60000"/>
+                    <a:lumOff val="40000"/>
+                  </a:schemeClr>
+                </a:solidFill>
+                <a:latin typeface="Consolas" panose="020B0609020204030204" pitchFamily="49" charset="0"/>
+              </a:rPr>
+              <a:t>&lt;</a:t>
+            </a:r>
+            <a:r>
+              <a:rPr lang="pt-BR" dirty="0" err="1">
+                <a:solidFill>
+                  <a:schemeClr val="accent2">
+                    <a:lumMod val="60000"/>
+                    <a:lumOff val="40000"/>
+                  </a:schemeClr>
+                </a:solidFill>
+                <a:latin typeface="Consolas" panose="020B0609020204030204" pitchFamily="49" charset="0"/>
+              </a:rPr>
+              <a:t>iostream</a:t>
+            </a:r>
+            <a:r>
+              <a:rPr lang="pt-BR" dirty="0">
+                <a:solidFill>
+                  <a:schemeClr val="accent2">
+                    <a:lumMod val="60000"/>
+                    <a:lumOff val="40000"/>
+                  </a:schemeClr>
+                </a:solidFill>
+                <a:latin typeface="Consolas" panose="020B0609020204030204" pitchFamily="49" charset="0"/>
+              </a:rPr>
+              <a:t>&gt;</a:t>
+            </a:r>
+          </a:p>
+          <a:p>
+            <a:r>
+              <a:rPr lang="pt-BR" dirty="0" err="1">
+                <a:solidFill>
+                  <a:schemeClr val="accent3">
+                    <a:lumMod val="75000"/>
+                  </a:schemeClr>
+                </a:solidFill>
+                <a:latin typeface="Consolas" panose="020B0609020204030204" pitchFamily="49" charset="0"/>
+              </a:rPr>
+              <a:t>using</a:t>
+            </a:r>
+            <a:r>
+              <a:rPr lang="pt-BR" dirty="0">
+                <a:solidFill>
+                  <a:schemeClr val="accent3">
+                    <a:lumMod val="75000"/>
+                  </a:schemeClr>
+                </a:solidFill>
+                <a:latin typeface="Consolas" panose="020B0609020204030204" pitchFamily="49" charset="0"/>
+              </a:rPr>
+              <a:t> </a:t>
+            </a:r>
+            <a:r>
+              <a:rPr lang="pt-BR" dirty="0" err="1">
+                <a:solidFill>
+                  <a:schemeClr val="accent3">
+                    <a:lumMod val="75000"/>
+                  </a:schemeClr>
+                </a:solidFill>
+                <a:latin typeface="Consolas" panose="020B0609020204030204" pitchFamily="49" charset="0"/>
+              </a:rPr>
+              <a:t>namespace</a:t>
+            </a:r>
+            <a:r>
+              <a:rPr lang="pt-BR" dirty="0">
+                <a:solidFill>
+                  <a:schemeClr val="accent3">
+                    <a:lumMod val="75000"/>
+                  </a:schemeClr>
+                </a:solidFill>
+                <a:latin typeface="Consolas" panose="020B0609020204030204" pitchFamily="49" charset="0"/>
+              </a:rPr>
+              <a:t> </a:t>
+            </a:r>
+            <a:r>
+              <a:rPr lang="pt-BR" dirty="0" err="1">
+                <a:latin typeface="Consolas" panose="020B0609020204030204" pitchFamily="49" charset="0"/>
+              </a:rPr>
+              <a:t>std</a:t>
+            </a:r>
+            <a:r>
+              <a:rPr lang="pt-BR" dirty="0">
+                <a:latin typeface="Consolas" panose="020B0609020204030204" pitchFamily="49" charset="0"/>
+              </a:rPr>
+              <a:t>;</a:t>
+            </a:r>
+          </a:p>
+          <a:p>
+            <a:endParaRPr lang="pt-BR" dirty="0">
+              <a:latin typeface="Consolas" panose="020B0609020204030204" pitchFamily="49" charset="0"/>
+            </a:endParaRPr>
+          </a:p>
+          <a:p>
+            <a:r>
+              <a:rPr lang="pt-BR" dirty="0" err="1">
+                <a:solidFill>
+                  <a:schemeClr val="accent3">
+                    <a:lumMod val="75000"/>
+                  </a:schemeClr>
+                </a:solidFill>
+                <a:latin typeface="Consolas" panose="020B0609020204030204" pitchFamily="49" charset="0"/>
+              </a:rPr>
+              <a:t>int</a:t>
+            </a:r>
+            <a:r>
+              <a:rPr lang="pt-BR" dirty="0">
+                <a:latin typeface="Consolas" panose="020B0609020204030204" pitchFamily="49" charset="0"/>
+              </a:rPr>
+              <a:t> </a:t>
+            </a:r>
+            <a:r>
+              <a:rPr lang="pt-BR" dirty="0" err="1">
+                <a:latin typeface="Consolas" panose="020B0609020204030204" pitchFamily="49" charset="0"/>
+              </a:rPr>
+              <a:t>main</a:t>
+            </a:r>
+            <a:r>
+              <a:rPr lang="pt-BR" dirty="0">
+                <a:latin typeface="Consolas" panose="020B0609020204030204" pitchFamily="49" charset="0"/>
+              </a:rPr>
+              <a:t>()</a:t>
+            </a:r>
+          </a:p>
+          <a:p>
+            <a:r>
+              <a:rPr lang="pt-BR" dirty="0">
+                <a:latin typeface="Consolas" panose="020B0609020204030204" pitchFamily="49" charset="0"/>
+              </a:rPr>
+              <a:t>{</a:t>
+            </a:r>
+          </a:p>
+          <a:p>
+            <a:r>
+              <a:rPr lang="pt-BR" dirty="0">
+                <a:latin typeface="Consolas" panose="020B0609020204030204" pitchFamily="49" charset="0"/>
+              </a:rPr>
+              <a:t>}</a:t>
+            </a:r>
+            <a:endParaRPr lang="pt-BR" dirty="0"/>
+          </a:p>
+        </p:txBody>
+      </p:sp>
+      <p:sp>
+        <p:nvSpPr>
+          <p:cNvPr id="5" name="CaixaDeTexto 4">
+            <a:extLst>
+              <a:ext uri="{FF2B5EF4-FFF2-40B4-BE49-F238E27FC236}">
+                <a16:creationId xmlns:a16="http://schemas.microsoft.com/office/drawing/2014/main" id="{B2B40750-675A-4DBA-A038-05D2C8B84E77}"/>
+              </a:ext>
+            </a:extLst>
+          </p:cNvPr>
+          <p:cNvSpPr txBox="1"/>
+          <p:nvPr/>
+        </p:nvSpPr>
+        <p:spPr>
+          <a:xfrm>
+            <a:off x="6431542" y="4109301"/>
+            <a:ext cx="2448272" cy="1015663"/>
+          </a:xfrm>
+          <a:prstGeom prst="rect">
+            <a:avLst/>
+          </a:prstGeom>
+          <a:noFill/>
+        </p:spPr>
+        <p:txBody>
+          <a:bodyPr wrap="square" rtlCol="0">
+            <a:spAutoFit/>
+          </a:bodyPr>
+          <a:lstStyle/>
+          <a:p>
+            <a:pPr algn="ctr"/>
+            <a:r>
+              <a:rPr lang="pt-BR" sz="2000" dirty="0"/>
+              <a:t>Os includes são feitos no início (cabeçalho) do programa.</a:t>
+            </a:r>
+          </a:p>
+        </p:txBody>
+      </p:sp>
+    </p:spTree>
+  </p:cSld>
+  <p:clrMapOvr>
+    <a:masterClrMapping/>
+  </p:clrMapOvr>
+</p:sld>
+</file>
+
+<file path=ppt/slides/slide18.xml><?xml version="1.0" encoding="utf-8"?>
+<p:sld xmlns:a="http://schemas.openxmlformats.org/drawingml/2006/main" xmlns:r="http://schemas.openxmlformats.org/officeDocument/2006/relationships" xmlns:p="http://schemas.openxmlformats.org/presentationml/2006/main">
+  <p:cSld>
+    <p:spTree>
+      <p:nvGrpSpPr>
+        <p:cNvPr id="1" name=""/>
+        <p:cNvGrpSpPr/>
+        <p:nvPr/>
+      </p:nvGrpSpPr>
+      <p:grpSpPr>
+        <a:xfrm>
+          <a:off x="0" y="0"/>
+          <a:ext cx="0" cy="0"/>
+          <a:chOff x="0" y="0"/>
+          <a:chExt cx="0" cy="0"/>
+        </a:xfrm>
+      </p:grpSpPr>
+      <p:sp>
+        <p:nvSpPr>
+          <p:cNvPr id="2" name="Título 1"/>
+          <p:cNvSpPr>
+            <a:spLocks noGrp="1"/>
+          </p:cNvSpPr>
+          <p:nvPr>
+            <p:ph type="title"/>
+          </p:nvPr>
+        </p:nvSpPr>
+        <p:spPr/>
+        <p:txBody>
+          <a:bodyPr/>
+          <a:lstStyle/>
+          <a:p>
+            <a:r>
+              <a:rPr lang="pt-BR" dirty="0"/>
+              <a:t>Arquivos de Cabeçalho</a:t>
+            </a:r>
+          </a:p>
+        </p:txBody>
+      </p:sp>
+      <p:sp>
+        <p:nvSpPr>
+          <p:cNvPr id="3" name="Espaço Reservado para Conteúdo 2"/>
+          <p:cNvSpPr>
+            <a:spLocks noGrp="1"/>
+          </p:cNvSpPr>
+          <p:nvPr>
+            <p:ph idx="1"/>
+          </p:nvPr>
+        </p:nvSpPr>
+        <p:spPr/>
+        <p:txBody>
+          <a:bodyPr>
+            <a:normAutofit/>
+          </a:bodyPr>
+          <a:lstStyle/>
+          <a:p>
+            <a:r>
+              <a:rPr lang="pt-BR" dirty="0"/>
+              <a:t>A tradição sempre foi usar a </a:t>
+            </a:r>
+            <a:r>
+              <a:rPr lang="pt-BR" dirty="0">
+                <a:solidFill>
+                  <a:schemeClr val="accent3">
+                    <a:lumMod val="75000"/>
+                  </a:schemeClr>
+                </a:solidFill>
+              </a:rPr>
+              <a:t>extensão .h </a:t>
+            </a:r>
+            <a:r>
+              <a:rPr lang="pt-BR" dirty="0"/>
+              <a:t>para </a:t>
+            </a:r>
+            <a:br>
+              <a:rPr lang="pt-BR" dirty="0"/>
+            </a:br>
+            <a:r>
+              <a:rPr lang="pt-BR" dirty="0"/>
+              <a:t>estes tipos de arquivos:</a:t>
+            </a:r>
+          </a:p>
+          <a:p>
+            <a:pPr lvl="1"/>
+            <a:r>
+              <a:rPr lang="pt-BR" dirty="0" err="1"/>
+              <a:t>iostream.h</a:t>
+            </a:r>
+            <a:r>
+              <a:rPr lang="pt-BR" dirty="0"/>
+              <a:t> – funções de entrada/saída</a:t>
+            </a:r>
+          </a:p>
+          <a:p>
+            <a:pPr lvl="1"/>
+            <a:r>
+              <a:rPr lang="pt-BR" dirty="0"/>
+              <a:t>math.h – funções matemáticas</a:t>
+            </a:r>
+          </a:p>
+          <a:p>
+            <a:pPr lvl="2"/>
+            <a:endParaRPr lang="pt-BR" dirty="0"/>
+          </a:p>
+          <a:p>
+            <a:r>
+              <a:rPr lang="pt-BR" dirty="0"/>
+              <a:t>A convenção atual é:</a:t>
+            </a:r>
+          </a:p>
+          <a:p>
+            <a:pPr lvl="1"/>
+            <a:r>
+              <a:rPr lang="pt-BR" dirty="0"/>
+              <a:t>Não usar extensão nos </a:t>
+            </a:r>
+            <a:r>
+              <a:rPr lang="pt-BR" b="1" dirty="0">
+                <a:solidFill>
+                  <a:schemeClr val="accent3">
+                    <a:lumMod val="75000"/>
+                  </a:schemeClr>
+                </a:solidFill>
+              </a:rPr>
+              <a:t>arquivos</a:t>
+            </a:r>
+            <a:r>
+              <a:rPr lang="pt-BR" dirty="0">
+                <a:solidFill>
+                  <a:schemeClr val="accent3">
+                    <a:lumMod val="75000"/>
+                  </a:schemeClr>
+                </a:solidFill>
+              </a:rPr>
+              <a:t> </a:t>
+            </a:r>
+            <a:r>
+              <a:rPr lang="pt-BR" b="1" dirty="0">
+                <a:solidFill>
+                  <a:schemeClr val="accent3">
+                    <a:lumMod val="75000"/>
+                  </a:schemeClr>
+                </a:solidFill>
+              </a:rPr>
+              <a:t>padrão</a:t>
+            </a:r>
+          </a:p>
+          <a:p>
+            <a:pPr lvl="1"/>
+            <a:r>
+              <a:rPr lang="pt-BR" dirty="0"/>
+              <a:t>Usar nos arquivos</a:t>
+            </a:r>
+            <a:r>
+              <a:rPr lang="pt-BR" dirty="0">
+                <a:solidFill>
+                  <a:schemeClr val="accent3">
+                    <a:lumMod val="75000"/>
+                  </a:schemeClr>
+                </a:solidFill>
+              </a:rPr>
+              <a:t> </a:t>
+            </a:r>
+            <a:r>
+              <a:rPr lang="pt-BR" dirty="0"/>
+              <a:t>criados pelo programador</a:t>
+            </a:r>
+          </a:p>
+        </p:txBody>
+      </p:sp>
+    </p:spTree>
+    <p:extLst>
+      <p:ext uri="{BB962C8B-B14F-4D97-AF65-F5344CB8AC3E}">
+        <p14:creationId xmlns:p14="http://schemas.microsoft.com/office/powerpoint/2010/main" val="1872575861"/>
+      </p:ext>
+    </p:extLst>
+  </p:cSld>
+  <p:clrMapOvr>
+    <a:masterClrMapping/>
+  </p:clrMapOvr>
+</p:sld>
+</file>
+
+<file path=ppt/slides/slide19.xml><?xml version="1.0" encoding="utf-8"?>
 <p:sld xmlns:a="http://schemas.openxmlformats.org/drawingml/2006/main" xmlns:r="http://schemas.openxmlformats.org/officeDocument/2006/relationships" xmlns:p="http://schemas.openxmlformats.org/presentationml/2006/main">
   <p:cSld>
     <p:spTree>
@@ -11591,479 +13623,6 @@
             <a:r>
               <a:rPr lang="pt-BR" sz="2600" dirty="0"/>
               <a:t>)</a:t>
-            </a:r>
-          </a:p>
-        </p:txBody>
-      </p:sp>
-    </p:spTree>
-  </p:cSld>
-  <p:clrMapOvr>
-    <a:masterClrMapping/>
-  </p:clrMapOvr>
-</p:sld>
-</file>
-
-<file path=ppt/slides/slide18.xml><?xml version="1.0" encoding="utf-8"?>
-<p:sld xmlns:a="http://schemas.openxmlformats.org/drawingml/2006/main" xmlns:r="http://schemas.openxmlformats.org/officeDocument/2006/relationships" xmlns:p="http://schemas.openxmlformats.org/presentationml/2006/main">
-  <p:cSld>
-    <p:spTree>
-      <p:nvGrpSpPr>
-        <p:cNvPr id="1" name=""/>
-        <p:cNvGrpSpPr/>
-        <p:nvPr/>
-      </p:nvGrpSpPr>
-      <p:grpSpPr>
-        <a:xfrm>
-          <a:off x="0" y="0"/>
-          <a:ext cx="0" cy="0"/>
-          <a:chOff x="0" y="0"/>
-          <a:chExt cx="0" cy="0"/>
-        </a:xfrm>
-      </p:grpSpPr>
-      <p:sp>
-        <p:nvSpPr>
-          <p:cNvPr id="2" name="Título 1"/>
-          <p:cNvSpPr>
-            <a:spLocks noGrp="1"/>
-          </p:cNvSpPr>
-          <p:nvPr>
-            <p:ph type="title"/>
-          </p:nvPr>
-        </p:nvSpPr>
-        <p:spPr/>
-        <p:txBody>
-          <a:bodyPr/>
-          <a:lstStyle/>
-          <a:p>
-            <a:r>
-              <a:rPr lang="pt-BR" dirty="0"/>
-              <a:t>Namespaces</a:t>
-            </a:r>
-          </a:p>
-        </p:txBody>
-      </p:sp>
-      <p:sp>
-        <p:nvSpPr>
-          <p:cNvPr id="3" name="Espaço Reservado para Conteúdo 2"/>
-          <p:cNvSpPr>
-            <a:spLocks noGrp="1"/>
-          </p:cNvSpPr>
-          <p:nvPr>
-            <p:ph idx="1"/>
-          </p:nvPr>
-        </p:nvSpPr>
-        <p:spPr/>
-        <p:txBody>
-          <a:bodyPr>
-            <a:normAutofit/>
-          </a:bodyPr>
-          <a:lstStyle/>
-          <a:p>
-            <a:r>
-              <a:rPr lang="pt-BR" dirty="0"/>
-              <a:t>Ao incluir </a:t>
-            </a:r>
-            <a:r>
-              <a:rPr lang="pt-BR" dirty="0">
-                <a:solidFill>
-                  <a:schemeClr val="accent3">
-                    <a:lumMod val="75000"/>
-                  </a:schemeClr>
-                </a:solidFill>
-              </a:rPr>
-              <a:t>iostream</a:t>
-            </a:r>
-            <a:r>
-              <a:rPr lang="pt-BR" dirty="0"/>
-              <a:t> em um programa é preciso acrescentar a seguinte diretiva </a:t>
-            </a:r>
-            <a:r>
-              <a:rPr lang="pt-BR" dirty="0">
-                <a:solidFill>
-                  <a:schemeClr val="accent3">
-                    <a:lumMod val="75000"/>
-                  </a:schemeClr>
-                </a:solidFill>
-              </a:rPr>
-              <a:t>using</a:t>
-            </a:r>
-            <a:r>
-              <a:rPr lang="pt-BR" dirty="0"/>
-              <a:t>:</a:t>
-            </a:r>
-          </a:p>
-          <a:p>
-            <a:endParaRPr lang="pt-BR" dirty="0"/>
-          </a:p>
-          <a:p>
-            <a:endParaRPr lang="pt-BR" dirty="0"/>
-          </a:p>
-          <a:p>
-            <a:r>
-              <a:rPr lang="pt-BR" dirty="0"/>
-              <a:t>Isto permite usar os objetos </a:t>
-            </a:r>
-            <a:r>
-              <a:rPr lang="pt-BR" dirty="0">
-                <a:solidFill>
-                  <a:schemeClr val="accent3">
-                    <a:lumMod val="75000"/>
-                  </a:schemeClr>
-                </a:solidFill>
-              </a:rPr>
-              <a:t>cin</a:t>
-            </a:r>
-            <a:r>
-              <a:rPr lang="pt-BR" dirty="0"/>
-              <a:t> e </a:t>
-            </a:r>
-            <a:r>
-              <a:rPr lang="pt-BR" dirty="0">
-                <a:solidFill>
-                  <a:schemeClr val="accent3">
-                    <a:lumMod val="75000"/>
-                  </a:schemeClr>
-                </a:solidFill>
-              </a:rPr>
-              <a:t>cout</a:t>
-            </a:r>
-            <a:r>
-              <a:rPr lang="pt-BR" dirty="0"/>
-              <a:t> sem a designação do espaço de nome ao qual eles pertencem</a:t>
-            </a:r>
-          </a:p>
-        </p:txBody>
-      </p:sp>
-      <p:sp>
-        <p:nvSpPr>
-          <p:cNvPr id="4" name="Retângulo 3"/>
-          <p:cNvSpPr/>
-          <p:nvPr/>
-        </p:nvSpPr>
-        <p:spPr>
-          <a:xfrm>
-            <a:off x="1703512" y="2934245"/>
-            <a:ext cx="3000396" cy="707886"/>
-          </a:xfrm>
-          <a:prstGeom prst="rect">
-            <a:avLst/>
-          </a:prstGeom>
-        </p:spPr>
-        <p:txBody>
-          <a:bodyPr wrap="square">
-            <a:spAutoFit/>
-          </a:bodyPr>
-          <a:lstStyle/>
-          <a:p>
-            <a:r>
-              <a:rPr lang="pt-BR" sz="2000" dirty="0">
-                <a:solidFill>
-                  <a:schemeClr val="accent3">
-                    <a:lumMod val="75000"/>
-                  </a:schemeClr>
-                </a:solidFill>
-                <a:latin typeface="+mj-lt"/>
-              </a:rPr>
-              <a:t>#include </a:t>
-            </a:r>
-            <a:r>
-              <a:rPr lang="pt-BR" sz="2000" dirty="0">
-                <a:solidFill>
-                  <a:schemeClr val="accent2">
-                    <a:lumMod val="60000"/>
-                    <a:lumOff val="40000"/>
-                  </a:schemeClr>
-                </a:solidFill>
-                <a:latin typeface="+mj-lt"/>
-              </a:rPr>
-              <a:t>&lt;iostream&gt;</a:t>
-            </a:r>
-          </a:p>
-          <a:p>
-            <a:r>
-              <a:rPr lang="pt-BR" sz="2000" dirty="0">
-                <a:solidFill>
-                  <a:schemeClr val="accent3">
-                    <a:lumMod val="75000"/>
-                  </a:schemeClr>
-                </a:solidFill>
-                <a:latin typeface="+mj-lt"/>
-              </a:rPr>
-              <a:t>using namespace </a:t>
-            </a:r>
-            <a:r>
-              <a:rPr lang="pt-BR" sz="2000" dirty="0">
-                <a:latin typeface="+mj-lt"/>
-              </a:rPr>
-              <a:t>std;</a:t>
-            </a:r>
-          </a:p>
-        </p:txBody>
-      </p:sp>
-      <p:sp>
-        <p:nvSpPr>
-          <p:cNvPr id="5" name="CaixaDeTexto 4"/>
-          <p:cNvSpPr txBox="1"/>
-          <p:nvPr/>
-        </p:nvSpPr>
-        <p:spPr>
-          <a:xfrm>
-            <a:off x="1703512" y="5229200"/>
-            <a:ext cx="5572164" cy="707886"/>
-          </a:xfrm>
-          <a:prstGeom prst="rect">
-            <a:avLst/>
-          </a:prstGeom>
-          <a:noFill/>
-        </p:spPr>
-        <p:txBody>
-          <a:bodyPr wrap="square" rtlCol="0">
-            <a:spAutoFit/>
-          </a:bodyPr>
-          <a:lstStyle/>
-          <a:p>
-            <a:r>
-              <a:rPr lang="pt-BR" sz="2000" dirty="0">
-                <a:solidFill>
-                  <a:schemeClr val="tx1">
-                    <a:lumMod val="50000"/>
-                  </a:schemeClr>
-                </a:solidFill>
-                <a:latin typeface="+mj-lt"/>
-              </a:rPr>
-              <a:t>// utilização sem a diretiva using</a:t>
-            </a:r>
-          </a:p>
-          <a:p>
-            <a:r>
-              <a:rPr lang="pt-BR" sz="2000" dirty="0">
-                <a:latin typeface="+mj-lt"/>
-              </a:rPr>
-              <a:t>std::cout &lt;&lt; </a:t>
-            </a:r>
-            <a:r>
-              <a:rPr lang="pt-BR" sz="2000" dirty="0">
-                <a:solidFill>
-                  <a:schemeClr val="accent2">
-                    <a:lumMod val="60000"/>
-                    <a:lumOff val="40000"/>
-                  </a:schemeClr>
-                </a:solidFill>
-                <a:latin typeface="+mj-lt"/>
-              </a:rPr>
-              <a:t>"Bem vindo ao C++."</a:t>
-            </a:r>
-            <a:r>
-              <a:rPr lang="pt-BR" sz="2000" dirty="0">
-                <a:latin typeface="+mj-lt"/>
-              </a:rPr>
-              <a:t>;</a:t>
-            </a:r>
-          </a:p>
-        </p:txBody>
-      </p:sp>
-    </p:spTree>
-  </p:cSld>
-  <p:clrMapOvr>
-    <a:masterClrMapping/>
-  </p:clrMapOvr>
-</p:sld>
-</file>
-
-<file path=ppt/slides/slide19.xml><?xml version="1.0" encoding="utf-8"?>
-<p:sld xmlns:a="http://schemas.openxmlformats.org/drawingml/2006/main" xmlns:r="http://schemas.openxmlformats.org/officeDocument/2006/relationships" xmlns:p="http://schemas.openxmlformats.org/presentationml/2006/main">
-  <p:cSld>
-    <p:spTree>
-      <p:nvGrpSpPr>
-        <p:cNvPr id="1" name=""/>
-        <p:cNvGrpSpPr/>
-        <p:nvPr/>
-      </p:nvGrpSpPr>
-      <p:grpSpPr>
-        <a:xfrm>
-          <a:off x="0" y="0"/>
-          <a:ext cx="0" cy="0"/>
-          <a:chOff x="0" y="0"/>
-          <a:chExt cx="0" cy="0"/>
-        </a:xfrm>
-      </p:grpSpPr>
-      <p:sp>
-        <p:nvSpPr>
-          <p:cNvPr id="2" name="Título 1"/>
-          <p:cNvSpPr>
-            <a:spLocks noGrp="1"/>
-          </p:cNvSpPr>
-          <p:nvPr>
-            <p:ph type="title"/>
-          </p:nvPr>
-        </p:nvSpPr>
-        <p:spPr/>
-        <p:txBody>
-          <a:bodyPr/>
-          <a:lstStyle/>
-          <a:p>
-            <a:r>
-              <a:rPr lang="pt-BR" dirty="0"/>
-              <a:t>Namespaces</a:t>
-            </a:r>
-          </a:p>
-        </p:txBody>
-      </p:sp>
-      <p:sp>
-        <p:nvSpPr>
-          <p:cNvPr id="3" name="Espaço Reservado para Conteúdo 2"/>
-          <p:cNvSpPr>
-            <a:spLocks noGrp="1"/>
-          </p:cNvSpPr>
-          <p:nvPr>
-            <p:ph idx="1"/>
-          </p:nvPr>
-        </p:nvSpPr>
-        <p:spPr/>
-        <p:txBody>
-          <a:bodyPr>
-            <a:normAutofit/>
-          </a:bodyPr>
-          <a:lstStyle/>
-          <a:p>
-            <a:r>
-              <a:rPr lang="pt-BR" dirty="0"/>
-              <a:t>É um recurso que permite </a:t>
-            </a:r>
-            <a:r>
-              <a:rPr lang="pt-BR" dirty="0">
-                <a:solidFill>
-                  <a:schemeClr val="accent3">
-                    <a:lumMod val="75000"/>
-                  </a:schemeClr>
-                </a:solidFill>
-              </a:rPr>
-              <a:t>combinar códigos existentes</a:t>
-            </a:r>
-            <a:r>
-              <a:rPr lang="pt-BR" dirty="0"/>
-              <a:t> de diferentes fornecedores.</a:t>
-            </a:r>
-          </a:p>
-          <a:p>
-            <a:r>
-              <a:rPr lang="pt-BR" dirty="0"/>
-              <a:t>Se duas empresas desenvolverem um objeto </a:t>
-            </a:r>
-            <a:r>
-              <a:rPr lang="pt-BR" dirty="0">
-                <a:solidFill>
-                  <a:schemeClr val="accent3">
-                    <a:lumMod val="75000"/>
-                  </a:schemeClr>
-                </a:solidFill>
-              </a:rPr>
-              <a:t>cout</a:t>
-            </a:r>
-            <a:r>
-              <a:rPr lang="pt-BR" dirty="0"/>
-              <a:t>, elas o farão sob diferentes namespaces</a:t>
-            </a:r>
-          </a:p>
-          <a:p>
-            <a:pPr lvl="1"/>
-            <a:r>
-              <a:rPr lang="pt-BR" dirty="0" err="1"/>
-              <a:t>Mioflop</a:t>
-            </a:r>
-            <a:r>
-              <a:rPr lang="pt-BR" dirty="0"/>
-              <a:t>::</a:t>
-            </a:r>
-            <a:r>
-              <a:rPr lang="pt-BR" dirty="0" err="1"/>
-              <a:t>cout</a:t>
-            </a:r>
-            <a:r>
-              <a:rPr lang="pt-BR" dirty="0"/>
-              <a:t> – objeto cout da </a:t>
-            </a:r>
-            <a:r>
-              <a:rPr lang="pt-BR" dirty="0" err="1"/>
-              <a:t>Mioflop</a:t>
-            </a:r>
-            <a:endParaRPr lang="pt-BR" dirty="0"/>
-          </a:p>
-          <a:p>
-            <a:pPr lvl="1"/>
-            <a:r>
-              <a:rPr lang="pt-BR" dirty="0"/>
-              <a:t>Wanda::</a:t>
-            </a:r>
-            <a:r>
-              <a:rPr lang="pt-BR" dirty="0" err="1"/>
-              <a:t>cout</a:t>
-            </a:r>
-            <a:r>
-              <a:rPr lang="pt-BR" dirty="0"/>
-              <a:t> – objeto cout da Wanda</a:t>
-            </a:r>
-          </a:p>
-          <a:p>
-            <a:r>
-              <a:rPr lang="pt-BR" dirty="0"/>
-              <a:t>Para usar todos os objetos da </a:t>
-            </a:r>
-            <a:r>
-              <a:rPr lang="pt-BR" dirty="0" err="1"/>
-              <a:t>Mioflop</a:t>
-            </a:r>
-            <a:r>
-              <a:rPr lang="pt-BR" dirty="0"/>
-              <a:t>:</a:t>
-            </a:r>
-          </a:p>
-          <a:p>
-            <a:pPr lvl="1"/>
-            <a:r>
-              <a:rPr lang="pt-BR" dirty="0">
-                <a:solidFill>
-                  <a:schemeClr val="accent3">
-                    <a:lumMod val="75000"/>
-                  </a:schemeClr>
-                </a:solidFill>
-                <a:latin typeface="+mj-lt"/>
-              </a:rPr>
-              <a:t>using </a:t>
-            </a:r>
-            <a:r>
-              <a:rPr lang="pt-BR" dirty="0" err="1">
-                <a:solidFill>
-                  <a:schemeClr val="accent3">
-                    <a:lumMod val="75000"/>
-                  </a:schemeClr>
-                </a:solidFill>
-                <a:latin typeface="+mj-lt"/>
-              </a:rPr>
-              <a:t>namespace</a:t>
-            </a:r>
-            <a:r>
-              <a:rPr lang="pt-BR" dirty="0">
-                <a:solidFill>
-                  <a:schemeClr val="accent3">
-                    <a:lumMod val="75000"/>
-                  </a:schemeClr>
-                </a:solidFill>
-                <a:latin typeface="+mj-lt"/>
-              </a:rPr>
-              <a:t> </a:t>
-            </a:r>
-            <a:r>
-              <a:rPr lang="pt-BR" dirty="0" err="1">
-                <a:latin typeface="+mj-lt"/>
-              </a:rPr>
-              <a:t>Mioflop</a:t>
-            </a:r>
-            <a:r>
-              <a:rPr lang="pt-BR" dirty="0">
-                <a:latin typeface="+mj-lt"/>
-              </a:rPr>
-              <a:t>;</a:t>
             </a:r>
           </a:p>
         </p:txBody>
@@ -14898,7 +16457,7 @@
           <a:p>
             <a:r>
               <a:rPr lang="pt-BR" dirty="0"/>
-              <a:t>As funções, classes e objetos  </a:t>
+              <a:t>Ao incluir </a:t>
             </a:r>
             <a:r>
               <a:rPr lang="pt-BR" dirty="0">
@@ -14908,11 +16467,18 @@
                   </a:schemeClr>
                 </a:solidFill>
               </a:rPr>
-              <a:t>padrões da linguagem C++</a:t>
+              <a:t>iostream</a:t>
             </a:r>
             <a:r>
               <a:rPr lang="pt-BR" dirty="0"/>
-              <a:t> foram colocados no espaço de nomes</a:t>
+              <a:t> em um programa é preciso </a:t>
+            </a:r>
+            <a:br>
+              <a:rPr lang="pt-BR" dirty="0"/>
+            </a:br>
+            <a:r>
+              <a:rPr lang="pt-BR" dirty="0"/>
+              <a:t>acrescentar a seguinte diretiva </a:t>
             </a:r>
             <a:r>
               <a:rPr lang="pt-BR" dirty="0">
@@ -14922,28 +16488,58 @@
                   </a:schemeClr>
                 </a:solidFill>
               </a:rPr>
-              <a:t> std</a:t>
-            </a:r>
-          </a:p>
-          <a:p>
-            <a:pPr lvl="1"/>
+              <a:t>using</a:t>
+            </a:r>
             <a:r>
               <a:rPr lang="pt-BR" dirty="0"/>
-              <a:t>Para ter acesso a todos os objetos definidos no espaço de nomes std:</a:t>
+              <a:t>:</a:t>
             </a:r>
           </a:p>
           <a:p>
             <a:endParaRPr lang="pt-BR" dirty="0"/>
           </a:p>
           <a:p>
-            <a:pPr lvl="1"/>
             <a:endParaRPr lang="pt-BR" dirty="0"/>
           </a:p>
           <a:p>
-            <a:pPr lvl="1"/>
             <a:r>
               <a:rPr lang="pt-BR" dirty="0"/>
-              <a:t>Para usar apenas alguns:</a:t>
+              <a:t>Isto permite usar os objetos </a:t>
+            </a:r>
+            <a:r>
+              <a:rPr lang="pt-BR" dirty="0">
+                <a:solidFill>
+                  <a:schemeClr val="accent3">
+                    <a:lumMod val="75000"/>
+                  </a:schemeClr>
+                </a:solidFill>
+              </a:rPr>
+              <a:t>cin</a:t>
+            </a:r>
+            <a:r>
+              <a:rPr lang="pt-BR" dirty="0"/>
+              <a:t> e </a:t>
+            </a:r>
+            <a:r>
+              <a:rPr lang="pt-BR" dirty="0">
+                <a:solidFill>
+                  <a:schemeClr val="accent3">
+                    <a:lumMod val="75000"/>
+                  </a:schemeClr>
+                </a:solidFill>
+              </a:rPr>
+              <a:t>cout</a:t>
+            </a:r>
+            <a:r>
+              <a:rPr lang="pt-BR" dirty="0"/>
+              <a:t> sem a designação </a:t>
+            </a:r>
+            <a:br>
+              <a:rPr lang="pt-BR" dirty="0"/>
+            </a:br>
+            <a:r>
+              <a:rPr lang="pt-BR" dirty="0"/>
+              <a:t>do espaço de nome ao qual eles pertencem</a:t>
             </a:r>
           </a:p>
         </p:txBody>
@@ -14956,8 +16552,8 @@
         </p:nvSpPr>
         <p:spPr>
           <a:xfrm>
-            <a:off x="1936304" y="4956846"/>
-            <a:ext cx="3000396" cy="1446550"/>
+            <a:off x="1703512" y="2934245"/>
+            <a:ext cx="3000396" cy="707886"/>
           </a:xfrm>
           <a:prstGeom prst="rect">
             <a:avLst/>
@@ -14970,7 +16566,7 @@
           <a:lstStyle/>
           <a:p>
             <a:r>
-              <a:rPr lang="pt-BR" sz="2200" dirty="0">
+              <a:rPr lang="pt-BR" sz="2000" dirty="0">
                 <a:solidFill>
                   <a:schemeClr val="accent3">
                     <a:lumMod val="75000"/>
@@ -14978,18 +16574,24 @@
                 </a:solidFill>
                 <a:latin typeface="+mj-lt"/>
               </a:rPr>
-              <a:t>using </a:t>
-            </a:r>
-            <a:r>
-              <a:rPr lang="pt-BR" sz="2200" dirty="0">
+              <a:t>#include </a:t>
+            </a:r>
+            <a:r>
+              <a:rPr lang="pt-BR" sz="2000" dirty="0">
+                <a:solidFill>
+                  <a:schemeClr val="accent2">
+                    <a:lumMod val="60000"/>
+                    <a:lumOff val="40000"/>
+                  </a:schemeClr>
+                </a:solidFill>
                 <a:latin typeface="+mj-lt"/>
               </a:rPr>
-              <a:t>std::cout;</a:t>
-            </a:r>
-          </a:p>
-          <a:p>
-            <a:r>
-              <a:rPr lang="pt-BR" sz="2200" dirty="0">
+              <a:t>&lt;iostream&gt;</a:t>
+            </a:r>
+          </a:p>
+          <a:p>
+            <a:r>
+              <a:rPr lang="pt-BR" sz="2000" dirty="0">
                 <a:solidFill>
                   <a:schemeClr val="accent3">
                     <a:lumMod val="75000"/>
@@ -14997,89 +16599,75 @@
                 </a:solidFill>
                 <a:latin typeface="+mj-lt"/>
               </a:rPr>
-              <a:t>using </a:t>
-            </a:r>
-            <a:r>
-              <a:rPr lang="pt-BR" sz="2200" dirty="0">
+              <a:t>using namespace </a:t>
+            </a:r>
+            <a:r>
+              <a:rPr lang="pt-BR" sz="2000" dirty="0">
                 <a:latin typeface="+mj-lt"/>
               </a:rPr>
-              <a:t>std::cin;</a:t>
-            </a:r>
-          </a:p>
-          <a:p>
-            <a:r>
-              <a:rPr lang="pt-BR" sz="2200" dirty="0">
-                <a:solidFill>
-                  <a:schemeClr val="accent3">
-                    <a:lumMod val="75000"/>
-                  </a:schemeClr>
-                </a:solidFill>
-                <a:latin typeface="+mj-lt"/>
-              </a:rPr>
-              <a:t>using </a:t>
-            </a:r>
-            <a:r>
-              <a:rPr lang="pt-BR" sz="2200" dirty="0">
-                <a:latin typeface="+mj-lt"/>
-              </a:rPr>
-              <a:t>std::endl;</a:t>
-            </a:r>
-          </a:p>
-          <a:p>
-            <a:endParaRPr lang="pt-BR" sz="2200" dirty="0">
-              <a:latin typeface="+mj-lt"/>
-            </a:endParaRPr>
-          </a:p>
-        </p:txBody>
-      </p:sp>
-      <p:sp>
-        <p:nvSpPr>
-          <p:cNvPr id="5" name="Retângulo 4"/>
-          <p:cNvSpPr/>
+              <a:t>std;</a:t>
+            </a:r>
+          </a:p>
+        </p:txBody>
+      </p:sp>
+      <p:sp>
+        <p:nvSpPr>
+          <p:cNvPr id="5" name="CaixaDeTexto 4"/>
+          <p:cNvSpPr txBox="1"/>
           <p:nvPr/>
         </p:nvSpPr>
         <p:spPr>
           <a:xfrm>
-            <a:off x="1936304" y="3501008"/>
-            <a:ext cx="4464496" cy="430887"/>
+            <a:off x="1703512" y="5229200"/>
+            <a:ext cx="5572164" cy="707886"/>
           </a:xfrm>
           <a:prstGeom prst="rect">
             <a:avLst/>
           </a:prstGeom>
+          <a:noFill/>
         </p:spPr>
         <p:txBody>
-          <a:bodyPr wrap="square">
+          <a:bodyPr wrap="square" rtlCol="0">
             <a:spAutoFit/>
           </a:bodyPr>
           <a:lstStyle/>
           <a:p>
             <a:r>
-              <a:rPr lang="pt-BR" sz="2200" dirty="0" err="1">
-                <a:solidFill>
-                  <a:schemeClr val="accent3">
-                    <a:lumMod val="75000"/>
+              <a:rPr lang="pt-BR" sz="2000" dirty="0">
+                <a:solidFill>
+                  <a:schemeClr val="tx1">
+                    <a:lumMod val="50000"/>
                   </a:schemeClr>
                 </a:solidFill>
                 <a:latin typeface="+mj-lt"/>
               </a:rPr>
-              <a:t>using</a:t>
-            </a:r>
-            <a:r>
-              <a:rPr lang="pt-BR" sz="2200" dirty="0">
-                <a:solidFill>
-                  <a:schemeClr val="accent3">
-                    <a:lumMod val="75000"/>
-                  </a:schemeClr>
-                </a:solidFill>
+              <a:t>// utilização sem a diretiva using</a:t>
+            </a:r>
+          </a:p>
+          <a:p>
+            <a:r>
+              <a:rPr lang="pt-BR" sz="2000" dirty="0">
                 <a:latin typeface="+mj-lt"/>
               </a:rPr>
-              <a:t> namespace </a:t>
-            </a:r>
-            <a:r>
-              <a:rPr lang="pt-BR" sz="2200" dirty="0">
+              <a:t>std::cout &lt;&lt; </a:t>
+            </a:r>
+            <a:r>
+              <a:rPr lang="pt-BR" sz="2000" dirty="0">
+                <a:solidFill>
+                  <a:schemeClr val="accent2">
+                    <a:lumMod val="60000"/>
+                    <a:lumOff val="40000"/>
+                  </a:schemeClr>
+                </a:solidFill>
                 <a:latin typeface="+mj-lt"/>
               </a:rPr>
-              <a:t>std;</a:t>
+              <a:t>"Bem vindo ao C++."</a:t>
+            </a:r>
+            <a:r>
+              <a:rPr lang="pt-BR" sz="2000" dirty="0">
+                <a:latin typeface="+mj-lt"/>
+              </a:rPr>
+              <a:t>;</a:t>
             </a:r>
           </a:p>
         </p:txBody>
@@ -15126,7 +16714,7 @@
           <a:p>
             <a:r>
               <a:rPr lang="pt-BR" dirty="0"/>
-              <a:t>Saída de Dados com cout</a:t>
+              <a:t>Namespaces</a:t>
             </a:r>
           </a:p>
         </p:txBody>
@@ -15143,6 +16731,690 @@
         </p:nvSpPr>
         <p:spPr/>
         <p:txBody>
+          <a:bodyPr>
+            <a:normAutofit/>
+          </a:bodyPr>
+          <a:lstStyle/>
+          <a:p>
+            <a:r>
+              <a:rPr lang="pt-BR" dirty="0"/>
+              <a:t>É um recurso que permite </a:t>
+            </a:r>
+            <a:r>
+              <a:rPr lang="pt-BR" dirty="0">
+                <a:solidFill>
+                  <a:schemeClr val="accent3">
+                    <a:lumMod val="75000"/>
+                  </a:schemeClr>
+                </a:solidFill>
+              </a:rPr>
+              <a:t>combinar códigos existentes</a:t>
+            </a:r>
+            <a:r>
+              <a:rPr lang="pt-BR" dirty="0"/>
+              <a:t> </a:t>
+            </a:r>
+            <a:br>
+              <a:rPr lang="pt-BR" dirty="0"/>
+            </a:br>
+            <a:r>
+              <a:rPr lang="pt-BR" dirty="0"/>
+              <a:t>de diferentes fornecedores:</a:t>
+            </a:r>
+          </a:p>
+          <a:p>
+            <a:pPr lvl="1"/>
+            <a:r>
+              <a:rPr lang="pt-BR" dirty="0"/>
+              <a:t>Se duas empresas desenvolverem um objeto </a:t>
+            </a:r>
+            <a:r>
+              <a:rPr lang="pt-BR" dirty="0">
+                <a:solidFill>
+                  <a:schemeClr val="accent3">
+                    <a:lumMod val="75000"/>
+                  </a:schemeClr>
+                </a:solidFill>
+              </a:rPr>
+              <a:t>cout</a:t>
+            </a:r>
+            <a:r>
+              <a:rPr lang="pt-BR" dirty="0"/>
+              <a:t>, </a:t>
+            </a:r>
+            <a:br>
+              <a:rPr lang="pt-BR" dirty="0"/>
+            </a:br>
+            <a:r>
+              <a:rPr lang="pt-BR" dirty="0"/>
+              <a:t>elas o farão sob diferentes </a:t>
+            </a:r>
+            <a:r>
+              <a:rPr lang="pt-BR" dirty="0" err="1"/>
+              <a:t>namespaces</a:t>
+            </a:r>
+            <a:r>
+              <a:rPr lang="pt-BR" dirty="0"/>
+              <a:t>:</a:t>
+            </a:r>
+          </a:p>
+          <a:p>
+            <a:pPr lvl="2"/>
+            <a:r>
+              <a:rPr lang="pt-BR" dirty="0"/>
+              <a:t>Mioflop::cout – objeto cout da Mioflop</a:t>
+            </a:r>
+          </a:p>
+          <a:p>
+            <a:pPr lvl="2"/>
+            <a:r>
+              <a:rPr lang="pt-BR" dirty="0"/>
+              <a:t>Wanda::cout – objeto cout da Wanda</a:t>
+            </a:r>
+          </a:p>
+          <a:p>
+            <a:endParaRPr lang="pt-BR" dirty="0"/>
+          </a:p>
+          <a:p>
+            <a:r>
+              <a:rPr lang="pt-BR" dirty="0"/>
+              <a:t>Para usar todos os objetos da Mioflop:</a:t>
+            </a:r>
+          </a:p>
+          <a:p>
+            <a:pPr lvl="1"/>
+            <a:endParaRPr lang="pt-BR" dirty="0">
+              <a:latin typeface="+mj-lt"/>
+            </a:endParaRPr>
+          </a:p>
+        </p:txBody>
+      </p:sp>
+      <p:sp>
+        <p:nvSpPr>
+          <p:cNvPr id="5" name="CaixaDeTexto 4">
+            <a:extLst>
+              <a:ext uri="{FF2B5EF4-FFF2-40B4-BE49-F238E27FC236}">
+                <a16:creationId xmlns:a16="http://schemas.microsoft.com/office/drawing/2014/main" id="{F7FE1E20-1CEE-4D26-887C-9B49890F9412}"/>
+              </a:ext>
+            </a:extLst>
+          </p:cNvPr>
+          <p:cNvSpPr txBox="1"/>
+          <p:nvPr/>
+        </p:nvSpPr>
+        <p:spPr>
+          <a:xfrm>
+            <a:off x="1631504" y="5733256"/>
+            <a:ext cx="6095324" cy="369332"/>
+          </a:xfrm>
+          <a:prstGeom prst="rect">
+            <a:avLst/>
+          </a:prstGeom>
+          <a:noFill/>
+        </p:spPr>
+        <p:txBody>
+          <a:bodyPr wrap="square">
+            <a:spAutoFit/>
+          </a:bodyPr>
+          <a:lstStyle/>
+          <a:p>
+            <a:r>
+              <a:rPr lang="pt-BR" dirty="0" err="1">
+                <a:solidFill>
+                  <a:schemeClr val="accent3">
+                    <a:lumMod val="75000"/>
+                  </a:schemeClr>
+                </a:solidFill>
+                <a:latin typeface="+mj-lt"/>
+              </a:rPr>
+              <a:t>using</a:t>
+            </a:r>
+            <a:r>
+              <a:rPr lang="pt-BR" dirty="0">
+                <a:solidFill>
+                  <a:schemeClr val="accent3">
+                    <a:lumMod val="75000"/>
+                  </a:schemeClr>
+                </a:solidFill>
+                <a:latin typeface="+mj-lt"/>
+              </a:rPr>
+              <a:t> </a:t>
+            </a:r>
+            <a:r>
+              <a:rPr lang="pt-BR" dirty="0" err="1">
+                <a:solidFill>
+                  <a:schemeClr val="accent3">
+                    <a:lumMod val="75000"/>
+                  </a:schemeClr>
+                </a:solidFill>
+                <a:latin typeface="+mj-lt"/>
+              </a:rPr>
+              <a:t>namespace</a:t>
+            </a:r>
+            <a:r>
+              <a:rPr lang="pt-BR" dirty="0">
+                <a:solidFill>
+                  <a:schemeClr val="accent3">
+                    <a:lumMod val="75000"/>
+                  </a:schemeClr>
+                </a:solidFill>
+                <a:latin typeface="+mj-lt"/>
+              </a:rPr>
+              <a:t> </a:t>
+            </a:r>
+            <a:r>
+              <a:rPr lang="pt-BR" dirty="0">
+                <a:latin typeface="+mj-lt"/>
+              </a:rPr>
+              <a:t>Mioflop;</a:t>
+            </a:r>
+            <a:endParaRPr lang="pt-BR" dirty="0"/>
+          </a:p>
+        </p:txBody>
+      </p:sp>
+    </p:spTree>
+  </p:cSld>
+  <p:clrMapOvr>
+    <a:masterClrMapping/>
+  </p:clrMapOvr>
+</p:sld>
+</file>
+
+<file path=ppt/slides/slide22.xml><?xml version="1.0" encoding="utf-8"?>
+<p:sld xmlns:a="http://schemas.openxmlformats.org/drawingml/2006/main" xmlns:r="http://schemas.openxmlformats.org/officeDocument/2006/relationships" xmlns:p="http://schemas.openxmlformats.org/presentationml/2006/main">
+  <p:cSld>
+    <p:spTree>
+      <p:nvGrpSpPr>
+        <p:cNvPr id="1" name=""/>
+        <p:cNvGrpSpPr/>
+        <p:nvPr/>
+      </p:nvGrpSpPr>
+      <p:grpSpPr>
+        <a:xfrm>
+          <a:off x="0" y="0"/>
+          <a:ext cx="0" cy="0"/>
+          <a:chOff x="0" y="0"/>
+          <a:chExt cx="0" cy="0"/>
+        </a:xfrm>
+      </p:grpSpPr>
+      <p:sp>
+        <p:nvSpPr>
+          <p:cNvPr id="2" name="Título 1"/>
+          <p:cNvSpPr>
+            <a:spLocks noGrp="1"/>
+          </p:cNvSpPr>
+          <p:nvPr>
+            <p:ph type="title"/>
+          </p:nvPr>
+        </p:nvSpPr>
+        <p:spPr/>
+        <p:txBody>
+          <a:bodyPr/>
+          <a:lstStyle/>
+          <a:p>
+            <a:r>
+              <a:rPr lang="pt-BR" dirty="0"/>
+              <a:t>Namespaces</a:t>
+            </a:r>
+          </a:p>
+        </p:txBody>
+      </p:sp>
+      <p:sp>
+        <p:nvSpPr>
+          <p:cNvPr id="3" name="Espaço Reservado para Conteúdo 2"/>
+          <p:cNvSpPr>
+            <a:spLocks noGrp="1"/>
+          </p:cNvSpPr>
+          <p:nvPr>
+            <p:ph idx="1"/>
+          </p:nvPr>
+        </p:nvSpPr>
+        <p:spPr/>
+        <p:txBody>
+          <a:bodyPr>
+            <a:normAutofit/>
+          </a:bodyPr>
+          <a:lstStyle/>
+          <a:p>
+            <a:r>
+              <a:rPr lang="pt-BR" dirty="0"/>
+              <a:t>As funções, classes e objetos  </a:t>
+            </a:r>
+            <a:r>
+              <a:rPr lang="pt-BR" dirty="0">
+                <a:solidFill>
+                  <a:schemeClr val="accent3">
+                    <a:lumMod val="75000"/>
+                  </a:schemeClr>
+                </a:solidFill>
+              </a:rPr>
+              <a:t>padrões da linguagem C++</a:t>
+            </a:r>
+            <a:r>
+              <a:rPr lang="pt-BR" dirty="0"/>
+              <a:t> foram colocados no espaço de nomes</a:t>
+            </a:r>
+            <a:r>
+              <a:rPr lang="pt-BR" dirty="0">
+                <a:solidFill>
+                  <a:schemeClr val="accent3">
+                    <a:lumMod val="75000"/>
+                  </a:schemeClr>
+                </a:solidFill>
+              </a:rPr>
+              <a:t> std</a:t>
+            </a:r>
+          </a:p>
+          <a:p>
+            <a:pPr lvl="2"/>
+            <a:endParaRPr lang="pt-BR" dirty="0"/>
+          </a:p>
+          <a:p>
+            <a:pPr lvl="2"/>
+            <a:r>
+              <a:rPr lang="pt-BR" dirty="0"/>
+              <a:t>Para ter acesso a tudo definido em std:</a:t>
+            </a:r>
+          </a:p>
+          <a:p>
+            <a:endParaRPr lang="pt-BR" dirty="0"/>
+          </a:p>
+          <a:p>
+            <a:pPr lvl="2"/>
+            <a:endParaRPr lang="pt-BR" dirty="0"/>
+          </a:p>
+          <a:p>
+            <a:pPr lvl="2"/>
+            <a:r>
+              <a:rPr lang="pt-BR" dirty="0"/>
+              <a:t>Para ter acesso apenas a itens selecionados:</a:t>
+            </a:r>
+          </a:p>
+        </p:txBody>
+      </p:sp>
+      <p:sp>
+        <p:nvSpPr>
+          <p:cNvPr id="4" name="Retângulo 3"/>
+          <p:cNvSpPr/>
+          <p:nvPr/>
+        </p:nvSpPr>
+        <p:spPr>
+          <a:xfrm>
+            <a:off x="2207568" y="5157192"/>
+            <a:ext cx="3000396" cy="1323439"/>
+          </a:xfrm>
+          <a:prstGeom prst="rect">
+            <a:avLst/>
+          </a:prstGeom>
+        </p:spPr>
+        <p:txBody>
+          <a:bodyPr wrap="square">
+            <a:spAutoFit/>
+          </a:bodyPr>
+          <a:lstStyle/>
+          <a:p>
+            <a:r>
+              <a:rPr lang="pt-BR" sz="2000" dirty="0">
+                <a:solidFill>
+                  <a:schemeClr val="accent3">
+                    <a:lumMod val="75000"/>
+                  </a:schemeClr>
+                </a:solidFill>
+                <a:latin typeface="+mj-lt"/>
+              </a:rPr>
+              <a:t>using </a:t>
+            </a:r>
+            <a:r>
+              <a:rPr lang="pt-BR" sz="2000" dirty="0">
+                <a:latin typeface="+mj-lt"/>
+              </a:rPr>
+              <a:t>std::cout;</a:t>
+            </a:r>
+          </a:p>
+          <a:p>
+            <a:r>
+              <a:rPr lang="pt-BR" sz="2000" dirty="0">
+                <a:solidFill>
+                  <a:schemeClr val="accent3">
+                    <a:lumMod val="75000"/>
+                  </a:schemeClr>
+                </a:solidFill>
+                <a:latin typeface="+mj-lt"/>
+              </a:rPr>
+              <a:t>using </a:t>
+            </a:r>
+            <a:r>
+              <a:rPr lang="pt-BR" sz="2000" dirty="0">
+                <a:latin typeface="+mj-lt"/>
+              </a:rPr>
+              <a:t>std::cin;</a:t>
+            </a:r>
+          </a:p>
+          <a:p>
+            <a:r>
+              <a:rPr lang="pt-BR" sz="2000" dirty="0">
+                <a:solidFill>
+                  <a:schemeClr val="accent3">
+                    <a:lumMod val="75000"/>
+                  </a:schemeClr>
+                </a:solidFill>
+                <a:latin typeface="+mj-lt"/>
+              </a:rPr>
+              <a:t>using </a:t>
+            </a:r>
+            <a:r>
+              <a:rPr lang="pt-BR" sz="2000" dirty="0">
+                <a:latin typeface="+mj-lt"/>
+              </a:rPr>
+              <a:t>std::endl;</a:t>
+            </a:r>
+          </a:p>
+          <a:p>
+            <a:endParaRPr lang="pt-BR" sz="2000" dirty="0">
+              <a:latin typeface="+mj-lt"/>
+            </a:endParaRPr>
+          </a:p>
+        </p:txBody>
+      </p:sp>
+      <p:sp>
+        <p:nvSpPr>
+          <p:cNvPr id="5" name="Retângulo 4"/>
+          <p:cNvSpPr/>
+          <p:nvPr/>
+        </p:nvSpPr>
+        <p:spPr>
+          <a:xfrm>
+            <a:off x="2207568" y="3717032"/>
+            <a:ext cx="4464496" cy="400110"/>
+          </a:xfrm>
+          <a:prstGeom prst="rect">
+            <a:avLst/>
+          </a:prstGeom>
+        </p:spPr>
+        <p:txBody>
+          <a:bodyPr wrap="square">
+            <a:spAutoFit/>
+          </a:bodyPr>
+          <a:lstStyle/>
+          <a:p>
+            <a:r>
+              <a:rPr lang="pt-BR" sz="2000" dirty="0" err="1">
+                <a:solidFill>
+                  <a:schemeClr val="accent3">
+                    <a:lumMod val="75000"/>
+                  </a:schemeClr>
+                </a:solidFill>
+                <a:latin typeface="+mj-lt"/>
+              </a:rPr>
+              <a:t>using</a:t>
+            </a:r>
+            <a:r>
+              <a:rPr lang="pt-BR" sz="2000" dirty="0">
+                <a:solidFill>
+                  <a:schemeClr val="accent3">
+                    <a:lumMod val="75000"/>
+                  </a:schemeClr>
+                </a:solidFill>
+                <a:latin typeface="+mj-lt"/>
+              </a:rPr>
+              <a:t> namespace </a:t>
+            </a:r>
+            <a:r>
+              <a:rPr lang="pt-BR" sz="2000" dirty="0">
+                <a:latin typeface="+mj-lt"/>
+              </a:rPr>
+              <a:t>std;</a:t>
+            </a:r>
+          </a:p>
+        </p:txBody>
+      </p:sp>
+      <p:grpSp>
+        <p:nvGrpSpPr>
+          <p:cNvPr id="6" name="Agrupar 5">
+            <a:extLst>
+              <a:ext uri="{FF2B5EF4-FFF2-40B4-BE49-F238E27FC236}">
+                <a16:creationId xmlns:a16="http://schemas.microsoft.com/office/drawing/2014/main" id="{51E5C022-1C1A-4488-B70E-DC24F37039B9}"/>
+              </a:ext>
+            </a:extLst>
+          </p:cNvPr>
+          <p:cNvGrpSpPr/>
+          <p:nvPr/>
+        </p:nvGrpSpPr>
+        <p:grpSpPr>
+          <a:xfrm>
+            <a:off x="11582400" y="6381328"/>
+            <a:ext cx="617266" cy="495111"/>
+            <a:chOff x="11582400" y="6381328"/>
+            <a:chExt cx="617266" cy="495111"/>
+          </a:xfrm>
+        </p:grpSpPr>
+        <p:sp>
+          <p:nvSpPr>
+            <p:cNvPr id="7" name="Triângulo isósceles 6">
+              <a:extLst>
+                <a:ext uri="{FF2B5EF4-FFF2-40B4-BE49-F238E27FC236}">
+                  <a16:creationId xmlns:a16="http://schemas.microsoft.com/office/drawing/2014/main" id="{4454099F-2157-4775-820E-D89B8DFF47E1}"/>
+                </a:ext>
+              </a:extLst>
+            </p:cNvPr>
+            <p:cNvSpPr/>
+            <p:nvPr/>
+          </p:nvSpPr>
+          <p:spPr>
+            <a:xfrm>
+              <a:off x="11582400" y="6381328"/>
+              <a:ext cx="593516" cy="464210"/>
+            </a:xfrm>
+            <a:custGeom>
+              <a:avLst/>
+              <a:gdLst>
+                <a:gd name="connsiteX0" fmla="*/ 0 w 864096"/>
+                <a:gd name="connsiteY0" fmla="*/ 1512168 h 1512168"/>
+                <a:gd name="connsiteX1" fmla="*/ 432048 w 864096"/>
+                <a:gd name="connsiteY1" fmla="*/ 0 h 1512168"/>
+                <a:gd name="connsiteX2" fmla="*/ 864096 w 864096"/>
+                <a:gd name="connsiteY2" fmla="*/ 1512168 h 1512168"/>
+                <a:gd name="connsiteX3" fmla="*/ 0 w 864096"/>
+                <a:gd name="connsiteY3" fmla="*/ 1512168 h 1512168"/>
+                <a:gd name="connsiteX0" fmla="*/ 0 w 864096"/>
+                <a:gd name="connsiteY0" fmla="*/ 787773 h 787773"/>
+                <a:gd name="connsiteX1" fmla="*/ 847684 w 864096"/>
+                <a:gd name="connsiteY1" fmla="*/ 0 h 787773"/>
+                <a:gd name="connsiteX2" fmla="*/ 864096 w 864096"/>
+                <a:gd name="connsiteY2" fmla="*/ 787773 h 787773"/>
+                <a:gd name="connsiteX3" fmla="*/ 0 w 864096"/>
+                <a:gd name="connsiteY3" fmla="*/ 787773 h 787773"/>
+                <a:gd name="connsiteX0" fmla="*/ 0 w 864096"/>
+                <a:gd name="connsiteY0" fmla="*/ 797298 h 797298"/>
+                <a:gd name="connsiteX1" fmla="*/ 857209 w 864096"/>
+                <a:gd name="connsiteY1" fmla="*/ 0 h 797298"/>
+                <a:gd name="connsiteX2" fmla="*/ 864096 w 864096"/>
+                <a:gd name="connsiteY2" fmla="*/ 797298 h 797298"/>
+                <a:gd name="connsiteX3" fmla="*/ 0 w 864096"/>
+                <a:gd name="connsiteY3" fmla="*/ 797298 h 797298"/>
+                <a:gd name="connsiteX0" fmla="*/ 0 w 864096"/>
+                <a:gd name="connsiteY0" fmla="*/ 799680 h 799680"/>
+                <a:gd name="connsiteX1" fmla="*/ 861971 w 864096"/>
+                <a:gd name="connsiteY1" fmla="*/ 0 h 799680"/>
+                <a:gd name="connsiteX2" fmla="*/ 864096 w 864096"/>
+                <a:gd name="connsiteY2" fmla="*/ 799680 h 799680"/>
+                <a:gd name="connsiteX3" fmla="*/ 0 w 864096"/>
+                <a:gd name="connsiteY3" fmla="*/ 799680 h 799680"/>
+              </a:gdLst>
+              <a:ahLst/>
+              <a:cxnLst>
+                <a:cxn ang="0">
+                  <a:pos x="connsiteX0" y="connsiteY0"/>
+                </a:cxn>
+                <a:cxn ang="0">
+                  <a:pos x="connsiteX1" y="connsiteY1"/>
+                </a:cxn>
+                <a:cxn ang="0">
+                  <a:pos x="connsiteX2" y="connsiteY2"/>
+                </a:cxn>
+                <a:cxn ang="0">
+                  <a:pos x="connsiteX3" y="connsiteY3"/>
+                </a:cxn>
+              </a:cxnLst>
+              <a:rect l="l" t="t" r="r" b="b"/>
+              <a:pathLst>
+                <a:path w="864096" h="799680">
+                  <a:moveTo>
+                    <a:pt x="0" y="799680"/>
+                  </a:moveTo>
+                  <a:lnTo>
+                    <a:pt x="861971" y="0"/>
+                  </a:lnTo>
+                  <a:cubicBezTo>
+                    <a:pt x="864267" y="265766"/>
+                    <a:pt x="861800" y="533914"/>
+                    <a:pt x="864096" y="799680"/>
+                  </a:cubicBezTo>
+                  <a:lnTo>
+                    <a:pt x="0" y="799680"/>
+                  </a:lnTo>
+                  <a:close/>
+                </a:path>
+              </a:pathLst>
+            </a:custGeom>
+            <a:solidFill>
+              <a:schemeClr val="accent3">
+                <a:lumMod val="75000"/>
+              </a:schemeClr>
+            </a:solidFill>
+            <a:ln>
+              <a:solidFill>
+                <a:schemeClr val="accent3">
+                  <a:lumMod val="75000"/>
+                </a:schemeClr>
+              </a:solidFill>
+            </a:ln>
+          </p:spPr>
+          <p:style>
+            <a:lnRef idx="2">
+              <a:schemeClr val="accent1">
+                <a:shade val="50000"/>
+              </a:schemeClr>
+            </a:lnRef>
+            <a:fillRef idx="1">
+              <a:schemeClr val="accent1"/>
+            </a:fillRef>
+            <a:effectRef idx="0">
+              <a:schemeClr val="accent1"/>
+            </a:effectRef>
+            <a:fontRef idx="minor">
+              <a:schemeClr val="lt1"/>
+            </a:fontRef>
+          </p:style>
+          <p:txBody>
+            <a:bodyPr rtlCol="0" anchor="ctr"/>
+            <a:lstStyle/>
+            <a:p>
+              <a:pPr algn="ctr"/>
+              <a:endParaRPr lang="pt-BR"/>
+            </a:p>
+          </p:txBody>
+        </p:sp>
+        <p:sp>
+          <p:nvSpPr>
+            <p:cNvPr id="8" name="Retângulo 7">
+              <a:extLst>
+                <a:ext uri="{FF2B5EF4-FFF2-40B4-BE49-F238E27FC236}">
+                  <a16:creationId xmlns:a16="http://schemas.microsoft.com/office/drawing/2014/main" id="{41F4DDEF-5576-4814-9CA3-56CA45C979FB}"/>
+                </a:ext>
+              </a:extLst>
+            </p:cNvPr>
+            <p:cNvSpPr/>
+            <p:nvPr/>
+          </p:nvSpPr>
+          <p:spPr>
+            <a:xfrm>
+              <a:off x="11808382" y="6476329"/>
+              <a:ext cx="391284" cy="400110"/>
+            </a:xfrm>
+            <a:prstGeom prst="rect">
+              <a:avLst/>
+            </a:prstGeom>
+          </p:spPr>
+          <p:txBody>
+            <a:bodyPr wrap="square">
+              <a:spAutoFit/>
+            </a:bodyPr>
+            <a:lstStyle/>
+            <a:p>
+              <a:pPr marL="68580" indent="0">
+                <a:buNone/>
+              </a:pPr>
+              <a:r>
+                <a:rPr lang="pt-BR" sz="2000" dirty="0">
+                  <a:solidFill>
+                    <a:schemeClr val="bg1"/>
+                  </a:solidFill>
+                </a:rPr>
+                <a:t>»</a:t>
+              </a:r>
+            </a:p>
+          </p:txBody>
+        </p:sp>
+      </p:grpSp>
+    </p:spTree>
+  </p:cSld>
+  <p:clrMapOvr>
+    <a:masterClrMapping/>
+  </p:clrMapOvr>
+</p:sld>
+</file>
+
+<file path=ppt/slides/slide23.xml><?xml version="1.0" encoding="utf-8"?>
+<p:sld xmlns:a="http://schemas.openxmlformats.org/drawingml/2006/main" xmlns:r="http://schemas.openxmlformats.org/officeDocument/2006/relationships" xmlns:p="http://schemas.openxmlformats.org/presentationml/2006/main">
+  <p:cSld>
+    <p:spTree>
+      <p:nvGrpSpPr>
+        <p:cNvPr id="1" name=""/>
+        <p:cNvGrpSpPr/>
+        <p:nvPr/>
+      </p:nvGrpSpPr>
+      <p:grpSpPr>
+        <a:xfrm>
+          <a:off x="0" y="0"/>
+          <a:ext cx="0" cy="0"/>
+          <a:chOff x="0" y="0"/>
+          <a:chExt cx="0" cy="0"/>
+        </a:xfrm>
+      </p:grpSpPr>
+      <p:sp>
+        <p:nvSpPr>
+          <p:cNvPr id="2" name="Título 1"/>
+          <p:cNvSpPr>
+            <a:spLocks noGrp="1"/>
+          </p:cNvSpPr>
+          <p:nvPr>
+            <p:ph type="title"/>
+          </p:nvPr>
+        </p:nvSpPr>
+        <p:spPr/>
+        <p:txBody>
+          <a:bodyPr/>
+          <a:lstStyle/>
+          <a:p>
+            <a:r>
+              <a:rPr lang="pt-BR" dirty="0"/>
+              <a:t>Saída de Dados com cout</a:t>
+            </a:r>
+          </a:p>
+        </p:txBody>
+      </p:sp>
+      <p:sp>
+        <p:nvSpPr>
+          <p:cNvPr id="3" name="Espaço Reservado para Conteúdo 2"/>
+          <p:cNvSpPr>
+            <a:spLocks noGrp="1"/>
+          </p:cNvSpPr>
+          <p:nvPr>
+            <p:ph idx="1"/>
+          </p:nvPr>
+        </p:nvSpPr>
+        <p:spPr/>
+        <p:txBody>
           <a:bodyPr/>
           <a:lstStyle/>
           <a:p>
@@ -15176,7 +17448,14 @@
             </a:r>
             <a:r>
               <a:rPr lang="pt-BR" dirty="0"/>
-              <a:t> para exibir uma mensagem na tela:</a:t>
+              <a:t> para exibir uma </a:t>
+            </a:r>
+            <a:br>
+              <a:rPr lang="pt-BR" dirty="0"/>
+            </a:br>
+            <a:r>
+              <a:rPr lang="pt-BR" dirty="0"/>
+              <a:t>mensagem na tela:</a:t>
             </a:r>
           </a:p>
           <a:p>
@@ -15497,7 +17776,7 @@
 </p:sld>
 </file>
 
-<file path=ppt/slides/slide22.xml><?xml version="1.0" encoding="utf-8"?>
+<file path=ppt/slides/slide24.xml><?xml version="1.0" encoding="utf-8"?>
 <p:sld xmlns:a="http://schemas.openxmlformats.org/drawingml/2006/main" xmlns:r="http://schemas.openxmlformats.org/officeDocument/2006/relationships" xmlns:p="http://schemas.openxmlformats.org/presentationml/2006/main">
   <p:cSld>
     <p:spTree>
@@ -15516,66 +17795,6 @@
       </p:grpSpPr>
       <p:sp>
         <p:nvSpPr>
-          <p:cNvPr id="5" name="Retângulo 4"/>
-          <p:cNvSpPr/>
-          <p:nvPr/>
-        </p:nvSpPr>
-        <p:spPr>
-          <a:xfrm>
-            <a:off x="4852492" y="3362692"/>
-            <a:ext cx="2143141" cy="714380"/>
-          </a:xfrm>
-          <a:prstGeom prst="rect">
-            <a:avLst/>
-          </a:prstGeom>
-          <a:solidFill>
-            <a:schemeClr val="bg2">
-              <a:lumMod val="50000"/>
-            </a:schemeClr>
-          </a:solidFill>
-          <a:ln>
-            <a:noFill/>
-          </a:ln>
-          <a:effectLst/>
-          <a:scene3d>
-            <a:camera prst="orthographicFront">
-              <a:rot lat="0" lon="0" rev="0"/>
-            </a:camera>
-            <a:lightRig rig="chilly" dir="t">
-              <a:rot lat="0" lon="0" rev="18480000"/>
-            </a:lightRig>
-          </a:scene3d>
-          <a:sp3d prstMaterial="clear">
-            <a:bevelT h="63500"/>
-          </a:sp3d>
-        </p:spPr>
-        <p:style>
-          <a:lnRef idx="2">
-            <a:schemeClr val="accent1">
-              <a:shade val="50000"/>
-            </a:schemeClr>
-          </a:lnRef>
-          <a:fillRef idx="1">
-            <a:schemeClr val="accent1"/>
-          </a:fillRef>
-          <a:effectRef idx="0">
-            <a:schemeClr val="accent1"/>
-          </a:effectRef>
-          <a:fontRef idx="minor">
-            <a:schemeClr val="lt1"/>
-          </a:fontRef>
-        </p:style>
-        <p:txBody>
-          <a:bodyPr rtlCol="0" anchor="ctr"/>
-          <a:lstStyle/>
-          <a:p>
-            <a:pPr algn="ctr"/>
-            <a:endParaRPr lang="pt-BR" dirty="0"/>
-          </a:p>
-        </p:txBody>
-      </p:sp>
-      <p:sp>
-        <p:nvSpPr>
           <p:cNvPr id="2" name="Título 1"/>
           <p:cNvSpPr>
             <a:spLocks noGrp="1"/>
@@ -15643,7 +17862,14 @@
             </a:r>
             <a:r>
               <a:rPr lang="pt-BR" dirty="0"/>
-              <a:t> também para pular linhas na tela:</a:t>
+              <a:t> também para </a:t>
+            </a:r>
+            <a:br>
+              <a:rPr lang="pt-BR" dirty="0"/>
+            </a:br>
+            <a:r>
+              <a:rPr lang="pt-BR" dirty="0"/>
+              <a:t>pular linhas na tela:</a:t>
             </a:r>
           </a:p>
           <a:p>
@@ -15656,10 +17882,17 @@
             <a:endParaRPr lang="pt-BR" dirty="0"/>
           </a:p>
           <a:p>
+            <a:pPr lvl="2"/>
+            <a:endParaRPr lang="pt-BR" dirty="0"/>
+          </a:p>
+          <a:p>
             <a:pPr lvl="1"/>
+            <a:endParaRPr lang="pt-BR" dirty="0"/>
+          </a:p>
+          <a:p>
             <a:r>
               <a:rPr lang="pt-BR" dirty="0"/>
-              <a:t>Enviando </a:t>
+              <a:t>Assim como cout, </a:t>
             </a:r>
             <a:r>
               <a:rPr lang="pt-BR" dirty="0">
@@ -15674,40 +17907,25 @@
             </a:r>
             <a:r>
               <a:rPr lang="pt-BR" dirty="0"/>
-              <a:t> para a saída faz o cursor saltar para o início da próxima linha</a:t>
-            </a:r>
-          </a:p>
-          <a:p>
-            <a:pPr lvl="1"/>
-            <a:r>
-              <a:rPr lang="pt-BR" dirty="0"/>
-              <a:t>Assim como cout, </a:t>
-            </a:r>
-            <a:r>
-              <a:rPr lang="pt-BR" dirty="0">
+              <a:t> é definido no arquivo </a:t>
+            </a:r>
+            <a:r>
+              <a:rPr lang="pt-BR" dirty="0" err="1">
                 <a:solidFill>
                   <a:schemeClr val="accent3">
                     <a:lumMod val="75000"/>
                   </a:schemeClr>
                 </a:solidFill>
-                <a:latin typeface="+mj-lt"/>
-              </a:rPr>
-              <a:t>endl</a:t>
-            </a:r>
-            <a:r>
-              <a:rPr lang="pt-BR" dirty="0"/>
-              <a:t> é definido no arquivo de cabeçalho </a:t>
-            </a:r>
-            <a:r>
-              <a:rPr lang="pt-BR" dirty="0">
-                <a:solidFill>
-                  <a:schemeClr val="accent3">
-                    <a:lumMod val="75000"/>
-                  </a:schemeClr>
-                </a:solidFill>
               </a:rPr>
               <a:t>iostream</a:t>
             </a:r>
+            <a:endParaRPr lang="pt-BR" dirty="0">
+              <a:solidFill>
+                <a:schemeClr val="accent3">
+                  <a:lumMod val="75000"/>
+                </a:schemeClr>
+              </a:solidFill>
+            </a:endParaRPr>
           </a:p>
           <a:p>
             <a:endParaRPr lang="pt-BR" dirty="0"/>
@@ -15717,16 +17935,198 @@
           </a:p>
         </p:txBody>
       </p:sp>
-      <p:sp>
-        <p:nvSpPr>
-          <p:cNvPr id="4" name="CaixaDeTexto 3"/>
+      <p:grpSp>
+        <p:nvGrpSpPr>
+          <p:cNvPr id="6" name="Agrupar 5">
+            <a:extLst>
+              <a:ext uri="{FF2B5EF4-FFF2-40B4-BE49-F238E27FC236}">
+                <a16:creationId xmlns:a16="http://schemas.microsoft.com/office/drawing/2014/main" id="{A3D2A7BE-6514-48AB-9F30-733A9752FBF7}"/>
+              </a:ext>
+            </a:extLst>
+          </p:cNvPr>
+          <p:cNvGrpSpPr/>
+          <p:nvPr/>
+        </p:nvGrpSpPr>
+        <p:grpSpPr>
+          <a:xfrm>
+            <a:off x="2783632" y="3356992"/>
+            <a:ext cx="2323628" cy="1214446"/>
+            <a:chOff x="4852492" y="2862626"/>
+            <a:chExt cx="2323628" cy="1214446"/>
+          </a:xfrm>
+        </p:grpSpPr>
+        <p:sp>
+          <p:nvSpPr>
+            <p:cNvPr id="5" name="Retângulo 4"/>
+            <p:cNvSpPr/>
+            <p:nvPr/>
+          </p:nvSpPr>
+          <p:spPr>
+            <a:xfrm>
+              <a:off x="4852492" y="3362692"/>
+              <a:ext cx="2143141" cy="714380"/>
+            </a:xfrm>
+            <a:prstGeom prst="rect">
+              <a:avLst/>
+            </a:prstGeom>
+            <a:solidFill>
+              <a:schemeClr val="bg2">
+                <a:lumMod val="50000"/>
+              </a:schemeClr>
+            </a:solidFill>
+            <a:ln>
+              <a:noFill/>
+            </a:ln>
+            <a:effectLst/>
+            <a:scene3d>
+              <a:camera prst="orthographicFront">
+                <a:rot lat="0" lon="0" rev="0"/>
+              </a:camera>
+              <a:lightRig rig="chilly" dir="t">
+                <a:rot lat="0" lon="0" rev="18480000"/>
+              </a:lightRig>
+            </a:scene3d>
+            <a:sp3d prstMaterial="clear">
+              <a:bevelT h="63500"/>
+            </a:sp3d>
+          </p:spPr>
+          <p:style>
+            <a:lnRef idx="2">
+              <a:schemeClr val="accent1">
+                <a:shade val="50000"/>
+              </a:schemeClr>
+            </a:lnRef>
+            <a:fillRef idx="1">
+              <a:schemeClr val="accent1"/>
+            </a:fillRef>
+            <a:effectRef idx="0">
+              <a:schemeClr val="accent1"/>
+            </a:effectRef>
+            <a:fontRef idx="minor">
+              <a:schemeClr val="lt1"/>
+            </a:fontRef>
+          </p:style>
+          <p:txBody>
+            <a:bodyPr rtlCol="0" anchor="ctr"/>
+            <a:lstStyle/>
+            <a:p>
+              <a:pPr algn="ctr"/>
+              <a:endParaRPr lang="pt-BR" dirty="0"/>
+            </a:p>
+          </p:txBody>
+        </p:sp>
+        <p:sp>
+          <p:nvSpPr>
+            <p:cNvPr id="4" name="CaixaDeTexto 3"/>
+            <p:cNvSpPr txBox="1"/>
+            <p:nvPr/>
+          </p:nvSpPr>
+          <p:spPr>
+            <a:xfrm>
+              <a:off x="4923930" y="3505568"/>
+              <a:ext cx="2214579" cy="400110"/>
+            </a:xfrm>
+            <a:prstGeom prst="rect">
+              <a:avLst/>
+            </a:prstGeom>
+            <a:noFill/>
+          </p:spPr>
+          <p:txBody>
+            <a:bodyPr wrap="square" rtlCol="0">
+              <a:spAutoFit/>
+            </a:bodyPr>
+            <a:lstStyle/>
+            <a:p>
+              <a:r>
+                <a:rPr lang="pt-BR" sz="2000" dirty="0">
+                  <a:latin typeface="+mj-lt"/>
+                </a:rPr>
+                <a:t>cout &lt;&lt; endl;</a:t>
+              </a:r>
+            </a:p>
+          </p:txBody>
+        </p:sp>
+        <p:sp>
+          <p:nvSpPr>
+            <p:cNvPr id="7" name="CaixaDeTexto 6"/>
+            <p:cNvSpPr txBox="1"/>
+            <p:nvPr/>
+          </p:nvSpPr>
+          <p:spPr>
+            <a:xfrm>
+              <a:off x="5781186" y="2862626"/>
+              <a:ext cx="1394934" cy="369332"/>
+            </a:xfrm>
+            <a:prstGeom prst="rect">
+              <a:avLst/>
+            </a:prstGeom>
+            <a:noFill/>
+          </p:spPr>
+          <p:txBody>
+            <a:bodyPr wrap="none" rtlCol="0">
+              <a:spAutoFit/>
+            </a:bodyPr>
+            <a:lstStyle/>
+            <a:p>
+              <a:r>
+                <a:rPr lang="pt-BR" dirty="0"/>
+                <a:t>Manipulador</a:t>
+              </a:r>
+            </a:p>
+          </p:txBody>
+        </p:sp>
+        <p:cxnSp>
+          <p:nvCxnSpPr>
+            <p:cNvPr id="10" name="Conector reto 9"/>
+            <p:cNvCxnSpPr/>
+            <p:nvPr/>
+          </p:nvCxnSpPr>
+          <p:spPr>
+            <a:xfrm rot="5400000">
+              <a:off x="6281252" y="3362692"/>
+              <a:ext cx="285752" cy="1588"/>
+            </a:xfrm>
+            <a:prstGeom prst="line">
+              <a:avLst/>
+            </a:prstGeom>
+            <a:ln>
+              <a:solidFill>
+                <a:schemeClr val="tx1"/>
+              </a:solidFill>
+            </a:ln>
+          </p:spPr>
+          <p:style>
+            <a:lnRef idx="1">
+              <a:schemeClr val="accent1"/>
+            </a:lnRef>
+            <a:fillRef idx="0">
+              <a:schemeClr val="accent1"/>
+            </a:fillRef>
+            <a:effectRef idx="0">
+              <a:schemeClr val="accent1"/>
+            </a:effectRef>
+            <a:fontRef idx="minor">
+              <a:schemeClr val="tx1"/>
+            </a:fontRef>
+          </p:style>
+        </p:cxnSp>
+      </p:grpSp>
+      <p:sp>
+        <p:nvSpPr>
+          <p:cNvPr id="11" name="CaixaDeTexto 10">
+            <a:extLst>
+              <a:ext uri="{FF2B5EF4-FFF2-40B4-BE49-F238E27FC236}">
+                <a16:creationId xmlns:a16="http://schemas.microsoft.com/office/drawing/2014/main" id="{974A22C9-BF32-45CC-937C-69A50CBE6751}"/>
+              </a:ext>
+            </a:extLst>
+          </p:cNvPr>
           <p:cNvSpPr txBox="1"/>
           <p:nvPr/>
         </p:nvSpPr>
         <p:spPr>
           <a:xfrm>
-            <a:off x="4923930" y="3505568"/>
-            <a:ext cx="2214579" cy="400110"/>
+            <a:off x="6519489" y="3492102"/>
+            <a:ext cx="2904321" cy="1015663"/>
           </a:xfrm>
           <a:prstGeom prst="rect">
             <a:avLst/>
@@ -15734,84 +18134,34 @@
           <a:noFill/>
         </p:spPr>
         <p:txBody>
-          <a:bodyPr wrap="square" rtlCol="0">
+          <a:bodyPr wrap="square">
             <a:spAutoFit/>
           </a:bodyPr>
           <a:lstStyle/>
           <a:p>
-            <a:r>
-              <a:rPr lang="pt-BR" sz="2000" dirty="0">
+            <a:pPr algn="ctr"/>
+            <a:r>
+              <a:rPr lang="pt-BR" sz="2000" dirty="0"/>
+              <a:t>Enviar </a:t>
+            </a:r>
+            <a:r>
+              <a:rPr lang="pt-BR" sz="2000" dirty="0" err="1">
+                <a:solidFill>
+                  <a:schemeClr val="accent3">
+                    <a:lumMod val="75000"/>
+                  </a:schemeClr>
+                </a:solidFill>
                 <a:latin typeface="+mj-lt"/>
               </a:rPr>
-              <a:t>cout &lt;&lt; endl;</a:t>
-            </a:r>
-          </a:p>
-        </p:txBody>
-      </p:sp>
-      <p:sp>
-        <p:nvSpPr>
-          <p:cNvPr id="7" name="CaixaDeTexto 6"/>
-          <p:cNvSpPr txBox="1"/>
-          <p:nvPr/>
-        </p:nvSpPr>
-        <p:spPr>
-          <a:xfrm>
-            <a:off x="5781186" y="2862626"/>
-            <a:ext cx="1394934" cy="369332"/>
-          </a:xfrm>
-          <a:prstGeom prst="rect">
-            <a:avLst/>
-          </a:prstGeom>
-          <a:noFill/>
-        </p:spPr>
-        <p:txBody>
-          <a:bodyPr wrap="none" rtlCol="0">
-            <a:spAutoFit/>
-          </a:bodyPr>
-          <a:lstStyle/>
-          <a:p>
-            <a:r>
-              <a:rPr lang="pt-BR" dirty="0"/>
-              <a:t>Manipulador</a:t>
-            </a:r>
-          </a:p>
-        </p:txBody>
-      </p:sp>
-      <p:cxnSp>
-        <p:nvCxnSpPr>
-          <p:cNvPr id="10" name="Conector reto 9"/>
-          <p:cNvCxnSpPr/>
-          <p:nvPr/>
-        </p:nvCxnSpPr>
-        <p:spPr>
-          <a:xfrm rot="5400000">
-            <a:off x="6281252" y="3362692"/>
-            <a:ext cx="285752" cy="1588"/>
-          </a:xfrm>
-          <a:prstGeom prst="line">
-            <a:avLst/>
-          </a:prstGeom>
-          <a:ln>
-            <a:solidFill>
-              <a:schemeClr val="tx1"/>
-            </a:solidFill>
-          </a:ln>
-        </p:spPr>
-        <p:style>
-          <a:lnRef idx="1">
-            <a:schemeClr val="accent1"/>
-          </a:lnRef>
-          <a:fillRef idx="0">
-            <a:schemeClr val="accent1"/>
-          </a:fillRef>
-          <a:effectRef idx="0">
-            <a:schemeClr val="accent1"/>
-          </a:effectRef>
-          <a:fontRef idx="minor">
-            <a:schemeClr val="tx1"/>
-          </a:fontRef>
-        </p:style>
-      </p:cxnSp>
+              <a:t>endl</a:t>
+            </a:r>
+            <a:r>
+              <a:rPr lang="pt-BR" sz="2000" dirty="0"/>
+              <a:t> para a saída faz o cursor saltar para o início da próxima linha</a:t>
+            </a:r>
+          </a:p>
+        </p:txBody>
+      </p:sp>
     </p:spTree>
   </p:cSld>
   <p:clrMapOvr>
@@ -15820,7 +18170,7 @@
 </p:sld>
 </file>
 
-<file path=ppt/slides/slide23.xml><?xml version="1.0" encoding="utf-8"?>
+<file path=ppt/slides/slide25.xml><?xml version="1.0" encoding="utf-8"?>
 <p:sld xmlns:a="http://schemas.openxmlformats.org/drawingml/2006/main" xmlns:r="http://schemas.openxmlformats.org/officeDocument/2006/relationships" xmlns:p="http://schemas.openxmlformats.org/presentationml/2006/main">
   <p:cSld>
     <p:spTree>
@@ -16210,7 +18560,7 @@
 </p:sld>
 </file>
 
-<file path=ppt/slides/slide24.xml><?xml version="1.0" encoding="utf-8"?>
+<file path=ppt/slides/slide26.xml><?xml version="1.0" encoding="utf-8"?>
 <p:sld xmlns:a="http://schemas.openxmlformats.org/drawingml/2006/main" xmlns:r="http://schemas.openxmlformats.org/officeDocument/2006/relationships" xmlns:p="http://schemas.openxmlformats.org/presentationml/2006/main">
   <p:cSld>
     <p:spTree>
@@ -16602,7 +18952,7 @@
 </p:sld>
 </file>
 
-<file path=ppt/slides/slide25.xml><?xml version="1.0" encoding="utf-8"?>
+<file path=ppt/slides/slide27.xml><?xml version="1.0" encoding="utf-8"?>
 <p:sld xmlns:a="http://schemas.openxmlformats.org/drawingml/2006/main" xmlns:r="http://schemas.openxmlformats.org/officeDocument/2006/relationships" xmlns:p="http://schemas.openxmlformats.org/presentationml/2006/main">
   <p:cSld>
     <p:spTree>
@@ -16805,28 +19155,8 @@
                 </a:solidFill>
                 <a:latin typeface="+mj-lt"/>
               </a:rPr>
-              <a:t>"Bem vindo ao C++.</a:t>
-            </a:r>
-            <a:r>
-              <a:rPr lang="pt-BR" dirty="0">
-                <a:solidFill>
-                  <a:schemeClr val="accent2">
-                    <a:lumMod val="60000"/>
-                    <a:lumOff val="40000"/>
-                  </a:schemeClr>
-                </a:solidFill>
-              </a:rPr>
-              <a:t>"</a:t>
-            </a:r>
-            <a:endParaRPr lang="pt-BR" dirty="0">
-              <a:solidFill>
-                <a:schemeClr val="accent2">
-                  <a:lumMod val="60000"/>
-                  <a:lumOff val="40000"/>
-                </a:schemeClr>
-              </a:solidFill>
-              <a:latin typeface="+mj-lt"/>
-            </a:endParaRPr>
+              <a:t>"Bem vindo ao C++."</a:t>
+            </a:r>
           </a:p>
           <a:p>
             <a:r>
@@ -16900,7 +19230,7 @@
 </p:sld>
 </file>
 
-<file path=ppt/slides/slide26.xml><?xml version="1.0" encoding="utf-8"?>
+<file path=ppt/slides/slide28.xml><?xml version="1.0" encoding="utf-8"?>
 <p:sld xmlns:a="http://schemas.openxmlformats.org/drawingml/2006/main" xmlns:r="http://schemas.openxmlformats.org/officeDocument/2006/relationships" xmlns:p="http://schemas.openxmlformats.org/presentationml/2006/main">
   <p:cSld>
     <p:spTree>
@@ -17487,7 +19817,7 @@
 </p:sld>
 </file>
 
-<file path=ppt/slides/slide27.xml><?xml version="1.0" encoding="utf-8"?>
+<file path=ppt/slides/slide29.xml><?xml version="1.0" encoding="utf-8"?>
 <p:sld xmlns:a="http://schemas.openxmlformats.org/drawingml/2006/main" xmlns:r="http://schemas.openxmlformats.org/officeDocument/2006/relationships" xmlns:p="http://schemas.openxmlformats.org/presentationml/2006/main">
   <p:cSld>
     <p:spTree>
@@ -17656,206 +19986,6 @@
               <a:rPr lang="pt-BR" dirty="0"/>
               <a:t>) e finalizadas por ponto-e-vírgula</a:t>
             </a:r>
-          </a:p>
-        </p:txBody>
-      </p:sp>
-    </p:spTree>
-  </p:cSld>
-  <p:clrMapOvr>
-    <a:masterClrMapping/>
-  </p:clrMapOvr>
-</p:sld>
-</file>
-
-<file path=ppt/slides/slide28.xml><?xml version="1.0" encoding="utf-8"?>
-<p:sld xmlns:a="http://schemas.openxmlformats.org/drawingml/2006/main" xmlns:r="http://schemas.openxmlformats.org/officeDocument/2006/relationships" xmlns:p="http://schemas.openxmlformats.org/presentationml/2006/main">
-  <p:cSld>
-    <p:spTree>
-      <p:nvGrpSpPr>
-        <p:cNvPr id="1" name=""/>
-        <p:cNvGrpSpPr/>
-        <p:nvPr/>
-      </p:nvGrpSpPr>
-      <p:grpSpPr>
-        <a:xfrm>
-          <a:off x="0" y="0"/>
-          <a:ext cx="0" cy="0"/>
-          <a:chOff x="0" y="0"/>
-          <a:chExt cx="0" cy="0"/>
-        </a:xfrm>
-      </p:grpSpPr>
-      <p:sp>
-        <p:nvSpPr>
-          <p:cNvPr id="2" name="Título 1"/>
-          <p:cNvSpPr>
-            <a:spLocks noGrp="1"/>
-          </p:cNvSpPr>
-          <p:nvPr>
-            <p:ph type="title"/>
-          </p:nvPr>
-        </p:nvSpPr>
-        <p:spPr/>
-        <p:txBody>
-          <a:bodyPr/>
-          <a:lstStyle/>
-          <a:p>
-            <a:r>
-              <a:rPr lang="pt-BR" dirty="0"/>
-              <a:t>Resumo</a:t>
-            </a:r>
-          </a:p>
-        </p:txBody>
-      </p:sp>
-      <p:sp>
-        <p:nvSpPr>
-          <p:cNvPr id="3" name="Espaço Reservado para Conteúdo 2"/>
-          <p:cNvSpPr>
-            <a:spLocks noGrp="1"/>
-          </p:cNvSpPr>
-          <p:nvPr>
-            <p:ph idx="1"/>
-          </p:nvPr>
-        </p:nvSpPr>
-        <p:spPr/>
-        <p:txBody>
-          <a:bodyPr>
-            <a:normAutofit/>
-          </a:bodyPr>
-          <a:lstStyle/>
-          <a:p>
-            <a:r>
-              <a:rPr lang="pt-BR" dirty="0"/>
-              <a:t>Diretivas de pré-processamento modificam o programa</a:t>
-            </a:r>
-          </a:p>
-          <a:p>
-            <a:pPr lvl="1"/>
-            <a:r>
-              <a:rPr lang="pt-BR" dirty="0"/>
-              <a:t>São executadas antes de iniciar a compilação</a:t>
-            </a:r>
-          </a:p>
-          <a:p>
-            <a:pPr lvl="1"/>
-            <a:r>
-              <a:rPr lang="pt-BR" dirty="0">
-                <a:solidFill>
-                  <a:schemeClr val="accent3">
-                    <a:lumMod val="75000"/>
-                  </a:schemeClr>
-                </a:solidFill>
-              </a:rPr>
-              <a:t>#include </a:t>
-            </a:r>
-            <a:r>
-              <a:rPr lang="pt-BR" dirty="0"/>
-              <a:t>insere o conteúdo de um arquivo no programa</a:t>
-            </a:r>
-          </a:p>
-          <a:p>
-            <a:endParaRPr lang="pt-BR" dirty="0"/>
-          </a:p>
-          <a:p>
-            <a:r>
-              <a:rPr lang="pt-BR" dirty="0"/>
-              <a:t>A instrução de saída de dados (cout) </a:t>
-            </a:r>
-          </a:p>
-          <a:p>
-            <a:pPr lvl="1"/>
-            <a:r>
-              <a:rPr lang="pt-BR" dirty="0"/>
-              <a:t>Está definida no </a:t>
-            </a:r>
-            <a:r>
-              <a:rPr lang="pt-BR" dirty="0">
-                <a:solidFill>
-                  <a:schemeClr val="accent3">
-                    <a:lumMod val="75000"/>
-                  </a:schemeClr>
-                </a:solidFill>
-              </a:rPr>
-              <a:t>arquivo de cabeçalho </a:t>
-            </a:r>
-            <a:r>
-              <a:rPr lang="pt-BR" dirty="0" err="1">
-                <a:solidFill>
-                  <a:schemeClr val="accent3">
-                    <a:lumMod val="75000"/>
-                  </a:schemeClr>
-                </a:solidFill>
-              </a:rPr>
-              <a:t>iostream</a:t>
-            </a:r>
-            <a:endParaRPr lang="pt-BR" dirty="0">
-              <a:solidFill>
-                <a:schemeClr val="accent3">
-                  <a:lumMod val="75000"/>
-                </a:schemeClr>
-              </a:solidFill>
-            </a:endParaRPr>
-          </a:p>
-          <a:p>
-            <a:pPr lvl="1"/>
-            <a:r>
-              <a:rPr lang="pt-BR" dirty="0"/>
-              <a:t>Não salta linhas automaticamente</a:t>
-            </a:r>
-          </a:p>
-          <a:p>
-            <a:pPr lvl="2"/>
-            <a:r>
-              <a:rPr lang="pt-BR" dirty="0"/>
-              <a:t>Use o manipulador </a:t>
-            </a:r>
-            <a:r>
-              <a:rPr lang="pt-BR" dirty="0" err="1">
-                <a:solidFill>
-                  <a:schemeClr val="accent3">
-                    <a:lumMod val="75000"/>
-                  </a:schemeClr>
-                </a:solidFill>
-              </a:rPr>
-              <a:t>endl</a:t>
-            </a:r>
-            <a:r>
-              <a:rPr lang="pt-BR" dirty="0"/>
-              <a:t> </a:t>
-            </a:r>
-          </a:p>
-          <a:p>
-            <a:pPr lvl="2"/>
-            <a:r>
-              <a:rPr lang="pt-BR" dirty="0"/>
-              <a:t>Ou o </a:t>
-            </a:r>
-            <a:r>
-              <a:rPr lang="pt-BR" dirty="0">
-                <a:solidFill>
-                  <a:schemeClr val="accent3">
-                    <a:lumMod val="75000"/>
-                  </a:schemeClr>
-                </a:solidFill>
-              </a:rPr>
-              <a:t>caractere </a:t>
-            </a:r>
-            <a:r>
-              <a:rPr lang="pt-BR" dirty="0">
-                <a:solidFill>
-                  <a:schemeClr val="accent2">
-                    <a:lumMod val="60000"/>
-                    <a:lumOff val="40000"/>
-                  </a:schemeClr>
-                </a:solidFill>
-              </a:rPr>
-              <a:t>'\n'</a:t>
-            </a:r>
-          </a:p>
-          <a:p>
-            <a:endParaRPr lang="pt-BR" dirty="0"/>
-          </a:p>
-          <a:p>
-            <a:endParaRPr lang="pt-BR" dirty="0"/>
           </a:p>
         </p:txBody>
       </p:sp>
@@ -17925,98 +20055,64 @@
               <a:rPr lang="pt-BR" dirty="0"/>
               <a:t>A linguagem C++ faz diferença entre letras </a:t>
             </a:r>
-            <a:r>
-              <a:rPr lang="pt-BR" dirty="0">
-                <a:solidFill>
-                  <a:schemeClr val="accent3">
-                    <a:lumMod val="75000"/>
-                  </a:schemeClr>
-                </a:solidFill>
-              </a:rPr>
-              <a:t>maiúsculas e minúsculas</a:t>
-            </a:r>
-          </a:p>
-          <a:p>
-            <a:pPr lvl="1"/>
-            <a:r>
-              <a:rPr lang="pt-BR" dirty="0"/>
-              <a:t>Só existe uma forma de escrever </a:t>
-            </a:r>
-            <a:r>
-              <a:rPr lang="pt-BR" dirty="0">
-                <a:solidFill>
-                  <a:schemeClr val="accent3">
-                    <a:lumMod val="75000"/>
-                  </a:schemeClr>
-                </a:solidFill>
-              </a:rPr>
-              <a:t>cout</a:t>
-            </a:r>
-            <a:r>
-              <a:rPr lang="pt-BR" dirty="0"/>
-              <a:t>:</a:t>
-            </a:r>
-            <a:br>
-              <a:rPr lang="pt-BR" dirty="0">
-                <a:solidFill>
-                  <a:schemeClr val="accent3">
-                    <a:lumMod val="75000"/>
-                  </a:schemeClr>
-                </a:solidFill>
-              </a:rPr>
-            </a:br>
-            <a:r>
-              <a:rPr lang="pt-BR" dirty="0">
-                <a:solidFill>
-                  <a:schemeClr val="accent3">
-                    <a:lumMod val="75000"/>
-                  </a:schemeClr>
-                </a:solidFill>
-              </a:rPr>
-              <a:t>	</a:t>
-            </a:r>
-            <a:r>
-              <a:rPr lang="pt-BR" dirty="0">
-                <a:latin typeface="+mj-lt"/>
-              </a:rPr>
-              <a:t>cout</a:t>
-            </a:r>
-            <a:r>
-              <a:rPr lang="pt-BR" dirty="0"/>
-              <a:t> </a:t>
-            </a:r>
-            <a:r>
-              <a:rPr lang="pt-BR" dirty="0">
-                <a:solidFill>
-                  <a:srgbClr val="00B050"/>
-                </a:solidFill>
-              </a:rPr>
-              <a:t>√</a:t>
-            </a:r>
-            <a:r>
-              <a:rPr lang="pt-BR" dirty="0"/>
-              <a:t> 	kout </a:t>
-            </a:r>
-            <a:r>
-              <a:rPr lang="pt-BR" dirty="0">
-                <a:solidFill>
-                  <a:srgbClr val="FF0000"/>
-                </a:solidFill>
-              </a:rPr>
-              <a:t>× </a:t>
-            </a:r>
             <a:br>
               <a:rPr lang="pt-BR" dirty="0"/>
             </a:br>
             <a:r>
+              <a:rPr lang="pt-BR" dirty="0">
+                <a:solidFill>
+                  <a:schemeClr val="accent3">
+                    <a:lumMod val="75000"/>
+                  </a:schemeClr>
+                </a:solidFill>
+              </a:rPr>
+              <a:t>maiúsculas e minúsculas</a:t>
+            </a:r>
+          </a:p>
+          <a:p>
+            <a:pPr lvl="1"/>
+            <a:r>
               <a:rPr lang="pt-BR" dirty="0"/>
+              <a:t>Só existe uma forma de escrever </a:t>
+            </a:r>
+            <a:r>
+              <a:rPr lang="pt-BR" dirty="0">
+                <a:solidFill>
+                  <a:schemeClr val="accent3">
+                    <a:lumMod val="75000"/>
+                  </a:schemeClr>
+                </a:solidFill>
+              </a:rPr>
+              <a:t>cout</a:t>
+            </a:r>
+            <a:r>
+              <a:rPr lang="pt-BR" dirty="0"/>
+              <a:t>:</a:t>
+            </a:r>
+            <a:br>
+              <a:rPr lang="pt-BR" dirty="0">
+                <a:solidFill>
+                  <a:schemeClr val="accent3">
+                    <a:lumMod val="75000"/>
+                  </a:schemeClr>
+                </a:solidFill>
+              </a:rPr>
+            </a:br>
+            <a:r>
+              <a:rPr lang="pt-BR" dirty="0">
+                <a:solidFill>
+                  <a:schemeClr val="accent3">
+                    <a:lumMod val="75000"/>
+                  </a:schemeClr>
+                </a:solidFill>
+              </a:rPr>
               <a:t>	</a:t>
             </a:r>
             <a:r>
               <a:rPr lang="pt-BR" dirty="0">
                 <a:latin typeface="+mj-lt"/>
               </a:rPr>
-              <a:t>Cout</a:t>
+              <a:t>cout</a:t>
             </a:r>
             <a:r>
               <a:rPr lang="pt-BR" dirty="0"/>
@@ -18025,14 +20121,14 @@
             <a:r>
               <a:rPr lang="pt-BR" dirty="0">
                 <a:solidFill>
-                  <a:srgbClr val="FF0000"/>
-                </a:solidFill>
-              </a:rPr>
-              <a:t>×</a:t>
+                  <a:srgbClr val="00B050"/>
+                </a:solidFill>
+              </a:rPr>
+              <a:t>√</a:t>
             </a:r>
             <a:r>
               <a:rPr lang="pt-BR" dirty="0"/>
-              <a:t> 	cour </a:t>
+              <a:t> 	kout </a:t>
             </a:r>
             <a:r>
               <a:rPr lang="pt-BR" dirty="0">
@@ -18053,7 +20149,7 @@
               <a:rPr lang="pt-BR" dirty="0">
                 <a:latin typeface="+mj-lt"/>
               </a:rPr>
-              <a:t>COUT</a:t>
+              <a:t>Cout</a:t>
             </a:r>
             <a:r>
               <a:rPr lang="pt-BR" dirty="0"/>
@@ -18065,6 +20161,43 @@
                   <a:srgbClr val="FF0000"/>
                 </a:solidFill>
               </a:rPr>
+              <a:t>×</a:t>
+            </a:r>
+            <a:r>
+              <a:rPr lang="pt-BR" dirty="0"/>
+              <a:t> 	cour </a:t>
+            </a:r>
+            <a:r>
+              <a:rPr lang="pt-BR" dirty="0">
+                <a:solidFill>
+                  <a:srgbClr val="FF0000"/>
+                </a:solidFill>
+              </a:rPr>
+              <a:t>× </a:t>
+            </a:r>
+            <a:br>
+              <a:rPr lang="pt-BR" dirty="0"/>
+            </a:br>
+            <a:r>
+              <a:rPr lang="pt-BR" dirty="0"/>
+              <a:t>	</a:t>
+            </a:r>
+            <a:r>
+              <a:rPr lang="pt-BR" dirty="0">
+                <a:latin typeface="+mj-lt"/>
+              </a:rPr>
+              <a:t>COUT</a:t>
+            </a:r>
+            <a:r>
+              <a:rPr lang="pt-BR" dirty="0"/>
+              <a:t> </a:t>
+            </a:r>
+            <a:r>
+              <a:rPr lang="pt-BR" dirty="0">
+                <a:solidFill>
+                  <a:srgbClr val="FF0000"/>
+                </a:solidFill>
+              </a:rPr>
               <a:t>×	</a:t>
             </a:r>
             <a:r>
@@ -18103,6 +20236,206 @@
               <a:rPr lang="pt-BR" dirty="0"/>
               <a:t> se for usada uma palavra inválida</a:t>
             </a:r>
+          </a:p>
+        </p:txBody>
+      </p:sp>
+    </p:spTree>
+  </p:cSld>
+  <p:clrMapOvr>
+    <a:masterClrMapping/>
+  </p:clrMapOvr>
+</p:sld>
+</file>
+
+<file path=ppt/slides/slide30.xml><?xml version="1.0" encoding="utf-8"?>
+<p:sld xmlns:a="http://schemas.openxmlformats.org/drawingml/2006/main" xmlns:r="http://schemas.openxmlformats.org/officeDocument/2006/relationships" xmlns:p="http://schemas.openxmlformats.org/presentationml/2006/main">
+  <p:cSld>
+    <p:spTree>
+      <p:nvGrpSpPr>
+        <p:cNvPr id="1" name=""/>
+        <p:cNvGrpSpPr/>
+        <p:nvPr/>
+      </p:nvGrpSpPr>
+      <p:grpSpPr>
+        <a:xfrm>
+          <a:off x="0" y="0"/>
+          <a:ext cx="0" cy="0"/>
+          <a:chOff x="0" y="0"/>
+          <a:chExt cx="0" cy="0"/>
+        </a:xfrm>
+      </p:grpSpPr>
+      <p:sp>
+        <p:nvSpPr>
+          <p:cNvPr id="2" name="Título 1"/>
+          <p:cNvSpPr>
+            <a:spLocks noGrp="1"/>
+          </p:cNvSpPr>
+          <p:nvPr>
+            <p:ph type="title"/>
+          </p:nvPr>
+        </p:nvSpPr>
+        <p:spPr/>
+        <p:txBody>
+          <a:bodyPr/>
+          <a:lstStyle/>
+          <a:p>
+            <a:r>
+              <a:rPr lang="pt-BR" dirty="0"/>
+              <a:t>Resumo</a:t>
+            </a:r>
+          </a:p>
+        </p:txBody>
+      </p:sp>
+      <p:sp>
+        <p:nvSpPr>
+          <p:cNvPr id="3" name="Espaço Reservado para Conteúdo 2"/>
+          <p:cNvSpPr>
+            <a:spLocks noGrp="1"/>
+          </p:cNvSpPr>
+          <p:nvPr>
+            <p:ph idx="1"/>
+          </p:nvPr>
+        </p:nvSpPr>
+        <p:spPr/>
+        <p:txBody>
+          <a:bodyPr>
+            <a:normAutofit/>
+          </a:bodyPr>
+          <a:lstStyle/>
+          <a:p>
+            <a:r>
+              <a:rPr lang="pt-BR" dirty="0"/>
+              <a:t>Diretivas de pré-processamento modificam o programa</a:t>
+            </a:r>
+          </a:p>
+          <a:p>
+            <a:pPr lvl="1"/>
+            <a:r>
+              <a:rPr lang="pt-BR" dirty="0"/>
+              <a:t>São executadas antes de iniciar a compilação</a:t>
+            </a:r>
+          </a:p>
+          <a:p>
+            <a:pPr lvl="1"/>
+            <a:r>
+              <a:rPr lang="pt-BR" dirty="0">
+                <a:solidFill>
+                  <a:schemeClr val="accent3">
+                    <a:lumMod val="75000"/>
+                  </a:schemeClr>
+                </a:solidFill>
+              </a:rPr>
+              <a:t>#include </a:t>
+            </a:r>
+            <a:r>
+              <a:rPr lang="pt-BR" dirty="0"/>
+              <a:t>insere o conteúdo de um arquivo no programa</a:t>
+            </a:r>
+          </a:p>
+          <a:p>
+            <a:endParaRPr lang="pt-BR" dirty="0"/>
+          </a:p>
+          <a:p>
+            <a:r>
+              <a:rPr lang="pt-BR" dirty="0"/>
+              <a:t>A instrução de saída de dados (cout) </a:t>
+            </a:r>
+          </a:p>
+          <a:p>
+            <a:pPr lvl="1"/>
+            <a:r>
+              <a:rPr lang="pt-BR" dirty="0"/>
+              <a:t>Está definida no </a:t>
+            </a:r>
+            <a:r>
+              <a:rPr lang="pt-BR" dirty="0">
+                <a:solidFill>
+                  <a:schemeClr val="accent3">
+                    <a:lumMod val="75000"/>
+                  </a:schemeClr>
+                </a:solidFill>
+              </a:rPr>
+              <a:t>arquivo de cabeçalho </a:t>
+            </a:r>
+            <a:r>
+              <a:rPr lang="pt-BR" dirty="0" err="1">
+                <a:solidFill>
+                  <a:schemeClr val="accent3">
+                    <a:lumMod val="75000"/>
+                  </a:schemeClr>
+                </a:solidFill>
+              </a:rPr>
+              <a:t>iostream</a:t>
+            </a:r>
+            <a:endParaRPr lang="pt-BR" dirty="0">
+              <a:solidFill>
+                <a:schemeClr val="accent3">
+                  <a:lumMod val="75000"/>
+                </a:schemeClr>
+              </a:solidFill>
+            </a:endParaRPr>
+          </a:p>
+          <a:p>
+            <a:pPr lvl="1"/>
+            <a:r>
+              <a:rPr lang="pt-BR" dirty="0"/>
+              <a:t>Não salta linhas automaticamente</a:t>
+            </a:r>
+          </a:p>
+          <a:p>
+            <a:pPr lvl="2"/>
+            <a:r>
+              <a:rPr lang="pt-BR" dirty="0"/>
+              <a:t>Use o manipulador </a:t>
+            </a:r>
+            <a:r>
+              <a:rPr lang="pt-BR" dirty="0" err="1">
+                <a:solidFill>
+                  <a:schemeClr val="accent3">
+                    <a:lumMod val="75000"/>
+                  </a:schemeClr>
+                </a:solidFill>
+              </a:rPr>
+              <a:t>endl</a:t>
+            </a:r>
+            <a:r>
+              <a:rPr lang="pt-BR" dirty="0"/>
+              <a:t> </a:t>
+            </a:r>
+          </a:p>
+          <a:p>
+            <a:pPr lvl="2"/>
+            <a:r>
+              <a:rPr lang="pt-BR" dirty="0"/>
+              <a:t>Ou o </a:t>
+            </a:r>
+            <a:r>
+              <a:rPr lang="pt-BR" dirty="0">
+                <a:solidFill>
+                  <a:schemeClr val="accent3">
+                    <a:lumMod val="75000"/>
+                  </a:schemeClr>
+                </a:solidFill>
+              </a:rPr>
+              <a:t>caractere </a:t>
+            </a:r>
+            <a:r>
+              <a:rPr lang="pt-BR" dirty="0">
+                <a:solidFill>
+                  <a:schemeClr val="accent2">
+                    <a:lumMod val="60000"/>
+                    <a:lumOff val="40000"/>
+                  </a:schemeClr>
+                </a:solidFill>
+              </a:rPr>
+              <a:t>'\n'</a:t>
+            </a:r>
+          </a:p>
+          <a:p>
+            <a:endParaRPr lang="pt-BR" dirty="0"/>
+          </a:p>
+          <a:p>
+            <a:endParaRPr lang="pt-BR" dirty="0"/>
           </a:p>
         </p:txBody>
       </p:sp>
@@ -18648,17 +20981,27 @@
           <a:p>
             <a:r>
               <a:rPr lang="pt-BR" dirty="0"/>
-              <a:t>A estrutura principal da função </a:t>
-            </a:r>
-            <a:r>
-              <a:rPr lang="pt-BR" dirty="0">
+              <a:t>A estrutura da função </a:t>
+            </a:r>
+            <a:r>
+              <a:rPr lang="pt-BR" dirty="0" err="1">
                 <a:solidFill>
                   <a:schemeClr val="accent3">
                     <a:lumMod val="75000"/>
                   </a:schemeClr>
                 </a:solidFill>
               </a:rPr>
-              <a:t>main()</a:t>
+              <a:t>main</a:t>
+            </a:r>
+            <a:r>
+              <a:rPr lang="pt-BR" dirty="0">
+                <a:solidFill>
+                  <a:schemeClr val="accent3">
+                    <a:lumMod val="75000"/>
+                  </a:schemeClr>
+                </a:solidFill>
+              </a:rPr>
+              <a:t>()</a:t>
             </a:r>
             <a:r>
               <a:rPr lang="pt-BR" dirty="0"/>
@@ -19415,7 +21758,7 @@
           <a:p>
             <a:r>
               <a:rPr lang="pt-BR" dirty="0"/>
-              <a:t>Para traduzir corretamente as instruções, o compilador precisa saber exatamente onde uma </a:t>
+              <a:t>Para traduzir corretamente as instruções, o compilador precisa saber exatamente </a:t>
             </a:r>
             <a:r>
               <a:rPr lang="pt-BR" dirty="0">
@@ -19425,7 +21768,7 @@
                   </a:schemeClr>
                 </a:solidFill>
               </a:rPr>
-              <a:t>instrução termina</a:t>
+              <a:t>onde uma instrução termina</a:t>
             </a:r>
             <a:r>
               <a:rPr lang="pt-BR" dirty="0">
@@ -19627,7 +21970,14 @@
           <a:p>
             <a:r>
               <a:rPr lang="pt-BR" dirty="0"/>
-              <a:t>Ao contrário de PASCAL, na linguagem C++ o </a:t>
+              <a:t>Ao contrário de PASCAL, na linguagem C++ </a:t>
+            </a:r>
+            <a:br>
+              <a:rPr lang="pt-BR" dirty="0"/>
+            </a:br>
+            <a:r>
+              <a:rPr lang="pt-BR" dirty="0"/>
+              <a:t>o </a:t>
             </a:r>
             <a:r>
               <a:rPr lang="pt-BR" dirty="0">
@@ -20369,7 +22719,9 @@
           <a:p>
             <a:pPr lvl="2"/>
             <a:r>
-              <a:rPr lang="pt-BR" dirty="0" err="1"/>
+              <a:rPr lang="pt-BR" sz="2000" dirty="0">
+                <a:latin typeface="+mj-lt"/>
+              </a:rPr>
               <a:t>argc</a:t>
             </a:r>
             <a:r>
@@ -20380,7 +22732,9 @@
           <a:p>
             <a:pPr lvl="2"/>
             <a:r>
-              <a:rPr lang="pt-BR" dirty="0" err="1"/>
+              <a:rPr lang="pt-BR" sz="2000" dirty="0">
+                <a:latin typeface="+mj-lt"/>
+              </a:rPr>
               <a:t>argv</a:t>
             </a:r>
             <a:r>
@@ -20525,48 +22879,24 @@
               <a:rPr lang="pt-BR" dirty="0">
                 <a:latin typeface="+mj-lt"/>
               </a:rPr>
-              <a:t> </a:t>
-            </a:r>
-            <a:r>
-              <a:rPr lang="pt-BR" dirty="0" err="1">
+              <a:t> argc, </a:t>
+            </a:r>
+            <a:r>
+              <a:rPr lang="pt-BR" dirty="0">
+                <a:solidFill>
+                  <a:schemeClr val="accent3">
+                    <a:lumMod val="75000"/>
+                  </a:schemeClr>
+                </a:solidFill>
                 <a:latin typeface="+mj-lt"/>
               </a:rPr>
-              <a:t>argc</a:t>
+              <a:t>char</a:t>
             </a:r>
             <a:r>
               <a:rPr lang="pt-BR" dirty="0">
                 <a:latin typeface="+mj-lt"/>
               </a:rPr>
-              <a:t>, </a:t>
-            </a:r>
-            <a:r>
-              <a:rPr lang="pt-BR" dirty="0">
-                <a:solidFill>
-                  <a:schemeClr val="accent3">
-                    <a:lumMod val="75000"/>
-                  </a:schemeClr>
-                </a:solidFill>
-                <a:latin typeface="+mj-lt"/>
-              </a:rPr>
-              <a:t>char</a:t>
-            </a:r>
-            <a:r>
-              <a:rPr lang="pt-BR" dirty="0">
-                <a:latin typeface="+mj-lt"/>
-              </a:rPr>
-              <a:t> ** </a:t>
-            </a:r>
-            <a:r>
-              <a:rPr lang="pt-BR" dirty="0" err="1">
-                <a:latin typeface="+mj-lt"/>
-              </a:rPr>
-              <a:t>argv</a:t>
-            </a:r>
-            <a:r>
-              <a:rPr lang="pt-BR" dirty="0">
-                <a:latin typeface="+mj-lt"/>
-              </a:rPr>
-              <a:t>)</a:t>
+              <a:t> ** argv)</a:t>
             </a:r>
           </a:p>
         </p:txBody>

--- a/Slides/02. Introdução ao Cpp.pptx
+++ b/Slides/02. Introdução ao Cpp.pptx
@@ -172,7 +172,7 @@
 <file path=ppt/revisionInfo.xml><?xml version="1.0" encoding="utf-8"?>
 <p1510:revInfo xmlns:a="http://schemas.openxmlformats.org/drawingml/2006/main" xmlns:r="http://schemas.openxmlformats.org/officeDocument/2006/relationships" xmlns:p1510="http://schemas.microsoft.com/office/powerpoint/2015/10/main">
   <p1510:revLst>
-    <p1510:client id="{D7FB23EE-A4AF-4533-AD33-05E661312F35}" v="29" dt="2021-03-02T05:21:07.664"/>
+    <p1510:client id="{1DE087F3-74C4-4933-8367-8431B410D9C3}" v="5" dt="2021-03-19T06:28:32.429"/>
   </p1510:revLst>
 </p1510:revInfo>
 </file>
@@ -865,6 +865,54 @@
     </pc:docChg>
   </pc:docChgLst>
   <pc:docChgLst>
+    <pc:chgData name="Judson Santiago" userId="ebb108da2f256286" providerId="LiveId" clId="{1DE087F3-74C4-4933-8367-8431B410D9C3}"/>
+    <pc:docChg chg="undo custSel modSld modMainMaster">
+      <pc:chgData name="Judson Santiago" userId="ebb108da2f256286" providerId="LiveId" clId="{1DE087F3-74C4-4933-8367-8431B410D9C3}" dt="2021-03-19T06:34:11.315" v="13" actId="120"/>
+      <pc:docMkLst>
+        <pc:docMk/>
+      </pc:docMkLst>
+      <pc:sldChg chg="modSp mod">
+        <pc:chgData name="Judson Santiago" userId="ebb108da2f256286" providerId="LiveId" clId="{1DE087F3-74C4-4933-8367-8431B410D9C3}" dt="2021-03-19T06:34:11.315" v="13" actId="120"/>
+        <pc:sldMkLst>
+          <pc:docMk/>
+          <pc:sldMk cId="0" sldId="270"/>
+        </pc:sldMkLst>
+        <pc:graphicFrameChg chg="modGraphic">
+          <ac:chgData name="Judson Santiago" userId="ebb108da2f256286" providerId="LiveId" clId="{1DE087F3-74C4-4933-8367-8431B410D9C3}" dt="2021-03-19T06:34:11.315" v="13" actId="120"/>
+          <ac:graphicFrameMkLst>
+            <pc:docMk/>
+            <pc:sldMk cId="0" sldId="270"/>
+            <ac:graphicFrameMk id="4" creationId="{00000000-0000-0000-0000-000000000000}"/>
+          </ac:graphicFrameMkLst>
+        </pc:graphicFrameChg>
+      </pc:sldChg>
+      <pc:sldMasterChg chg="setBg modSldLayout">
+        <pc:chgData name="Judson Santiago" userId="ebb108da2f256286" providerId="LiveId" clId="{1DE087F3-74C4-4933-8367-8431B410D9C3}" dt="2021-03-19T06:28:38.409" v="4" actId="167"/>
+        <pc:sldMasterMkLst>
+          <pc:docMk/>
+          <pc:sldMasterMk cId="0" sldId="2147483660"/>
+        </pc:sldMasterMkLst>
+        <pc:sldLayoutChg chg="addSp modSp mod">
+          <pc:chgData name="Judson Santiago" userId="ebb108da2f256286" providerId="LiveId" clId="{1DE087F3-74C4-4933-8367-8431B410D9C3}" dt="2021-03-19T06:28:38.409" v="4" actId="167"/>
+          <pc:sldLayoutMkLst>
+            <pc:docMk/>
+            <pc:sldMasterMk cId="0" sldId="2147483660"/>
+            <pc:sldLayoutMk cId="0" sldId="2147483661"/>
+          </pc:sldLayoutMkLst>
+          <pc:picChg chg="add mod ord">
+            <ac:chgData name="Judson Santiago" userId="ebb108da2f256286" providerId="LiveId" clId="{1DE087F3-74C4-4933-8367-8431B410D9C3}" dt="2021-03-19T06:28:38.409" v="4" actId="167"/>
+            <ac:picMkLst>
+              <pc:docMk/>
+              <pc:sldMasterMk cId="0" sldId="2147483660"/>
+              <pc:sldLayoutMk cId="0" sldId="2147483661"/>
+              <ac:picMk id="13" creationId="{60ED0F1A-A136-477D-9713-3F76DE8A4EFC}"/>
+            </ac:picMkLst>
+          </pc:picChg>
+        </pc:sldLayoutChg>
+      </pc:sldMasterChg>
+    </pc:docChg>
+  </pc:docChgLst>
+  <pc:docChgLst>
     <pc:chgData name="Judson Santiago" userId="ebb108da2f256286" providerId="LiveId" clId="{D5646966-66DF-423C-B656-868F8F0A8797}"/>
     <pc:docChg chg="undo redo custSel modSld">
       <pc:chgData name="Judson Santiago" userId="ebb108da2f256286" providerId="LiveId" clId="{D5646966-66DF-423C-B656-868F8F0A8797}" dt="2019-08-25T20:45:32.597" v="338" actId="20577"/>
@@ -1412,7 +1460,7 @@
             <a:fld id="{67DB6B99-E1E8-4D9C-A985-A63B30E347AC}" type="datetimeFigureOut">
               <a:rPr lang="pt-BR" smtClean="0"/>
               <a:pPr/>
-              <a:t>02/03/2021</a:t>
+              <a:t>19/03/2021</a:t>
             </a:fld>
             <a:endParaRPr lang="pt-BR" dirty="0"/>
           </a:p>
@@ -3474,6 +3522,37 @@
           <a:chExt cx="0" cy="0"/>
         </a:xfrm>
       </p:grpSpPr>
+      <p:pic>
+        <p:nvPicPr>
+          <p:cNvPr id="13" name="Picture 3" descr="Rede de tecnologia iluminada em uma tela de fundo escura">
+            <a:extLst>
+              <a:ext uri="{FF2B5EF4-FFF2-40B4-BE49-F238E27FC236}">
+                <a16:creationId xmlns:a16="http://schemas.microsoft.com/office/drawing/2014/main" id="{60ED0F1A-A136-477D-9713-3F76DE8A4EFC}"/>
+              </a:ext>
+            </a:extLst>
+          </p:cNvPr>
+          <p:cNvPicPr>
+            <a:picLocks noChangeAspect="1"/>
+          </p:cNvPicPr>
+          <p:nvPr userDrawn="1"/>
+        </p:nvPicPr>
+        <p:blipFill rotWithShape="1">
+          <a:blip r:embed="rId2">
+            <a:alphaModFix amt="30000"/>
+          </a:blip>
+          <a:srcRect t="22329"/>
+          <a:stretch/>
+        </p:blipFill>
+        <p:spPr>
+          <a:xfrm flipH="1" flipV="1">
+            <a:off x="487680" y="0"/>
+            <a:ext cx="11704320" cy="6858000"/>
+          </a:xfrm>
+          <a:prstGeom prst="rect">
+            <a:avLst/>
+          </a:prstGeom>
+        </p:spPr>
+      </p:pic>
       <p:sp>
         <p:nvSpPr>
           <p:cNvPr id="28" name="Espaço Reservado para Data 27"/>
@@ -3492,7 +3571,7 @@
             <a:fld id="{BADD4369-A458-4831-B200-FCA465CC7541}" type="datetimeFigureOut">
               <a:rPr lang="pt-BR" smtClean="0"/>
               <a:pPr/>
-              <a:t>02/03/2021</a:t>
+              <a:t>19/03/2021</a:t>
             </a:fld>
             <a:endParaRPr lang="pt-BR" dirty="0"/>
           </a:p>
@@ -4047,7 +4126,7 @@
             <a:fld id="{BADD4369-A458-4831-B200-FCA465CC7541}" type="datetimeFigureOut">
               <a:rPr lang="pt-BR" smtClean="0"/>
               <a:pPr/>
-              <a:t>02/03/2021</a:t>
+              <a:t>19/03/2021</a:t>
             </a:fld>
             <a:endParaRPr lang="pt-BR" dirty="0"/>
           </a:p>
@@ -4224,7 +4303,7 @@
             <a:fld id="{BADD4369-A458-4831-B200-FCA465CC7541}" type="datetimeFigureOut">
               <a:rPr lang="pt-BR" smtClean="0"/>
               <a:pPr/>
-              <a:t>02/03/2021</a:t>
+              <a:t>19/03/2021</a:t>
             </a:fld>
             <a:endParaRPr lang="pt-BR" dirty="0"/>
           </a:p>
@@ -4391,7 +4470,7 @@
             <a:fld id="{BADD4369-A458-4831-B200-FCA465CC7541}" type="datetimeFigureOut">
               <a:rPr lang="pt-BR" smtClean="0"/>
               <a:pPr/>
-              <a:t>02/03/2021</a:t>
+              <a:t>19/03/2021</a:t>
             </a:fld>
             <a:endParaRPr lang="pt-BR" dirty="0"/>
           </a:p>
@@ -5840,7 +5919,7 @@
             <a:fld id="{BADD4369-A458-4831-B200-FCA465CC7541}" type="datetimeFigureOut">
               <a:rPr lang="pt-BR" smtClean="0"/>
               <a:pPr/>
-              <a:t>02/03/2021</a:t>
+              <a:t>19/03/2021</a:t>
             </a:fld>
             <a:endParaRPr lang="pt-BR" dirty="0"/>
           </a:p>
@@ -6422,7 +6501,7 @@
             <a:fld id="{BADD4369-A458-4831-B200-FCA465CC7541}" type="datetimeFigureOut">
               <a:rPr lang="pt-BR" smtClean="0"/>
               <a:pPr/>
-              <a:t>02/03/2021</a:t>
+              <a:t>19/03/2021</a:t>
             </a:fld>
             <a:endParaRPr lang="pt-BR" dirty="0"/>
           </a:p>
@@ -6853,7 +6932,7 @@
             <a:fld id="{BADD4369-A458-4831-B200-FCA465CC7541}" type="datetimeFigureOut">
               <a:rPr lang="pt-BR" smtClean="0"/>
               <a:pPr/>
-              <a:t>02/03/2021</a:t>
+              <a:t>19/03/2021</a:t>
             </a:fld>
             <a:endParaRPr lang="pt-BR" dirty="0"/>
           </a:p>
@@ -7392,7 +7471,7 @@
             <a:fld id="{BADD4369-A458-4831-B200-FCA465CC7541}" type="datetimeFigureOut">
               <a:rPr lang="pt-BR" smtClean="0"/>
               <a:pPr/>
-              <a:t>02/03/2021</a:t>
+              <a:t>19/03/2021</a:t>
             </a:fld>
             <a:endParaRPr lang="pt-BR" dirty="0"/>
           </a:p>
@@ -7484,7 +7563,7 @@
             <a:fld id="{BADD4369-A458-4831-B200-FCA465CC7541}" type="datetimeFigureOut">
               <a:rPr lang="pt-BR" smtClean="0"/>
               <a:pPr/>
-              <a:t>02/03/2021</a:t>
+              <a:t>19/03/2021</a:t>
             </a:fld>
             <a:endParaRPr lang="pt-BR" dirty="0"/>
           </a:p>
@@ -7734,7 +7813,7 @@
             <a:fld id="{BADD4369-A458-4831-B200-FCA465CC7541}" type="datetimeFigureOut">
               <a:rPr lang="pt-BR" smtClean="0"/>
               <a:pPr/>
-              <a:t>02/03/2021</a:t>
+              <a:t>19/03/2021</a:t>
             </a:fld>
             <a:endParaRPr lang="pt-BR" dirty="0"/>
           </a:p>
@@ -8449,7 +8528,7 @@
             <a:fld id="{BADD4369-A458-4831-B200-FCA465CC7541}" type="datetimeFigureOut">
               <a:rPr lang="pt-BR" smtClean="0"/>
               <a:pPr/>
-              <a:t>02/03/2021</a:t>
+              <a:t>19/03/2021</a:t>
             </a:fld>
             <a:endParaRPr lang="pt-BR" dirty="0"/>
           </a:p>
@@ -8520,9 +8599,23 @@
 <p:sldMaster xmlns:a="http://schemas.openxmlformats.org/drawingml/2006/main" xmlns:r="http://schemas.openxmlformats.org/officeDocument/2006/relationships" xmlns:p="http://schemas.openxmlformats.org/presentationml/2006/main">
   <p:cSld>
     <p:bg>
-      <p:bgRef idx="1002">
-        <a:schemeClr val="bg2"/>
-      </p:bgRef>
+      <p:bgPr>
+        <a:gradFill rotWithShape="1">
+          <a:gsLst>
+            <a:gs pos="50000">
+              <a:schemeClr val="bg1">
+                <a:shade val="90000"/>
+                <a:satMod val="375000"/>
+              </a:schemeClr>
+            </a:gs>
+            <a:gs pos="100000">
+              <a:srgbClr val="28415E"/>
+            </a:gs>
+          </a:gsLst>
+          <a:lin ang="5400000" scaled="0"/>
+        </a:gradFill>
+        <a:effectLst/>
+      </p:bgPr>
     </p:bg>
     <p:spTree>
       <p:nvGrpSpPr>
@@ -8716,7 +8809,7 @@
             <a:fld id="{BADD4369-A458-4831-B200-FCA465CC7541}" type="datetimeFigureOut">
               <a:rPr lang="pt-BR" smtClean="0"/>
               <a:pPr/>
-              <a:t>02/03/2021</a:t>
+              <a:t>19/03/2021</a:t>
             </a:fld>
             <a:endParaRPr lang="pt-BR" dirty="0"/>
           </a:p>
@@ -13104,7 +13197,7 @@
             <p:ph idx="1"/>
             <p:extLst>
               <p:ext uri="{D42A27DB-BD31-4B8C-83A1-F6EECF244321}">
-                <p14:modId xmlns:p14="http://schemas.microsoft.com/office/powerpoint/2010/main" val="1690332491"/>
+                <p14:modId xmlns:p14="http://schemas.microsoft.com/office/powerpoint/2010/main" val="2096447835"/>
               </p:ext>
             </p:extLst>
           </p:nvPr>
@@ -13117,7 +13210,7 @@
           <a:graphicData uri="http://schemas.openxmlformats.org/drawingml/2006/table">
             <a:tbl>
               <a:tblPr firstRow="1" bandRow="1">
-                <a:tableStyleId>{EB344D84-9AFB-497E-A393-DC336BA19D2E}</a:tableStyleId>
+                <a:tableStyleId>{C083E6E3-FA7D-4D7B-A595-EF9225AFEA82}</a:tableStyleId>
               </a:tblPr>
               <a:tblGrid>
                 <a:gridCol w="1818084">
@@ -13155,6 +13248,7 @@
                     <a:bodyPr/>
                     <a:lstStyle/>
                     <a:p>
+                      <a:pPr algn="l"/>
                       <a:r>
                         <a:rPr lang="pt-BR" dirty="0">
                           <a:solidFill>
@@ -13165,13 +13259,20 @@
                       </a:r>
                     </a:p>
                   </a:txBody>
-                  <a:tcPr/>
+                  <a:tcPr anchor="ctr">
+                    <a:solidFill>
+                      <a:schemeClr val="accent3">
+                        <a:lumMod val="75000"/>
+                      </a:schemeClr>
+                    </a:solidFill>
+                  </a:tcPr>
                 </a:tc>
                 <a:tc>
                   <a:txBody>
                     <a:bodyPr/>
                     <a:lstStyle/>
                     <a:p>
+                      <a:pPr algn="l"/>
                       <a:r>
                         <a:rPr lang="pt-BR" dirty="0">
                           <a:solidFill>
@@ -13182,13 +13283,20 @@
                       </a:r>
                     </a:p>
                   </a:txBody>
-                  <a:tcPr/>
+                  <a:tcPr anchor="ctr">
+                    <a:solidFill>
+                      <a:schemeClr val="accent3">
+                        <a:lumMod val="75000"/>
+                      </a:schemeClr>
+                    </a:solidFill>
+                  </a:tcPr>
                 </a:tc>
                 <a:tc>
                   <a:txBody>
                     <a:bodyPr/>
                     <a:lstStyle/>
                     <a:p>
+                      <a:pPr algn="l"/>
                       <a:r>
                         <a:rPr lang="pt-BR" dirty="0">
                           <a:solidFill>
@@ -13199,13 +13307,20 @@
                       </a:r>
                     </a:p>
                   </a:txBody>
-                  <a:tcPr/>
+                  <a:tcPr anchor="ctr">
+                    <a:solidFill>
+                      <a:schemeClr val="accent3">
+                        <a:lumMod val="75000"/>
+                      </a:schemeClr>
+                    </a:solidFill>
+                  </a:tcPr>
                 </a:tc>
                 <a:tc>
                   <a:txBody>
                     <a:bodyPr/>
                     <a:lstStyle/>
                     <a:p>
+                      <a:pPr algn="l"/>
                       <a:r>
                         <a:rPr lang="pt-BR" dirty="0">
                           <a:solidFill>
@@ -13216,7 +13331,13 @@
                       </a:r>
                     </a:p>
                   </a:txBody>
-                  <a:tcPr/>
+                  <a:tcPr anchor="ctr">
+                    <a:solidFill>
+                      <a:schemeClr val="accent3">
+                        <a:lumMod val="75000"/>
+                      </a:schemeClr>
+                    </a:solidFill>
+                  </a:tcPr>
                 </a:tc>
                 <a:extLst>
                   <a:ext uri="{0D108BD9-81ED-4DB2-BD59-A6C34878D82A}">
